--- a/programs/avinash.pptx
+++ b/programs/avinash.pptx
@@ -16269,7 +16269,6 @@
             <a:pPr algn="ctr"/>
             <a:r>
               <a:rPr lang="en-US" sz="4000" b="1" u="sng" dirty="0">
-                <a:ln/>
                 <a:solidFill>
                   <a:schemeClr val="tx1"/>
                 </a:solidFill>
@@ -16284,7 +16283,6 @@
               <a:t>Active Directory Domain Services</a:t>
             </a:r>
             <a:endParaRPr lang="en-US" sz="4000" b="1" u="sng" dirty="0">
-              <a:ln/>
               <a:solidFill>
                 <a:schemeClr val="tx1"/>
               </a:solidFill>
@@ -20818,7 +20816,7 @@
         </p:nvGraphicFramePr>
         <p:xfrm>
           <a:off x="1628063" y="3875389"/>
-          <a:ext cx="8412162" cy="2424114"/>
+          <a:ext cx="8412162" cy="2424162"/>
         </p:xfrm>
         <a:graphic>
           <a:graphicData uri="http://schemas.openxmlformats.org/drawingml/2006/table">
@@ -23747,56 +23745,56 @@
         </p:spPr>
         <p:txBody>
           <a:bodyPr>
-            <a:normAutofit/>
+            <a:noAutofit/>
           </a:bodyPr>
           <a:lstStyle/>
           <a:p>
             <a:r>
-              <a:rPr lang="en-GB" sz="1800" dirty="0">
+              <a:rPr lang="en-GB" sz="3600" dirty="0">
                 <a:latin typeface="Arial" panose="020B0604020202020204" pitchFamily="34" charset="0"/>
                 <a:cs typeface="Arial" panose="020B0604020202020204" pitchFamily="34" charset="0"/>
               </a:rPr>
               <a:t>Overview of AD DS</a:t>
             </a:r>
-            <a:endParaRPr lang="en-GB" sz="1800" dirty="0">
+            <a:endParaRPr lang="en-GB" sz="3600" dirty="0">
               <a:latin typeface="Arial" panose="020B0604020202020204" pitchFamily="34" charset="0"/>
               <a:cs typeface="Arial" panose="020B0604020202020204" pitchFamily="34" charset="0"/>
             </a:endParaRPr>
           </a:p>
           <a:p>
             <a:r>
-              <a:rPr lang="en-GB" sz="1800" dirty="0">
+              <a:rPr lang="en-GB" sz="3600" dirty="0">
                 <a:latin typeface="Arial" panose="020B0604020202020204" pitchFamily="34" charset="0"/>
                 <a:cs typeface="Arial" panose="020B0604020202020204" pitchFamily="34" charset="0"/>
               </a:rPr>
               <a:t>AD DS Physical Components</a:t>
             </a:r>
-            <a:endParaRPr lang="en-GB" sz="1800" dirty="0">
+            <a:endParaRPr lang="en-GB" sz="3600" dirty="0">
               <a:latin typeface="Arial" panose="020B0604020202020204" pitchFamily="34" charset="0"/>
               <a:cs typeface="Arial" panose="020B0604020202020204" pitchFamily="34" charset="0"/>
             </a:endParaRPr>
           </a:p>
           <a:p>
             <a:r>
-              <a:rPr lang="en-GB" sz="1800" dirty="0">
+              <a:rPr lang="en-GB" sz="3600" dirty="0">
                 <a:latin typeface="Arial" panose="020B0604020202020204" pitchFamily="34" charset="0"/>
                 <a:cs typeface="Arial" panose="020B0604020202020204" pitchFamily="34" charset="0"/>
               </a:rPr>
               <a:t>AD DS Logical Components</a:t>
             </a:r>
-            <a:endParaRPr lang="en-GB" sz="1800" dirty="0">
+            <a:endParaRPr lang="en-GB" sz="3600" dirty="0">
               <a:latin typeface="Arial" panose="020B0604020202020204" pitchFamily="34" charset="0"/>
               <a:cs typeface="Arial" panose="020B0604020202020204" pitchFamily="34" charset="0"/>
             </a:endParaRPr>
           </a:p>
           <a:p>
-            <a:endParaRPr lang="en-GB" sz="1800" dirty="0">
+            <a:endParaRPr lang="en-GB" sz="3600" dirty="0">
               <a:latin typeface="Arial" panose="020B0604020202020204" pitchFamily="34" charset="0"/>
               <a:cs typeface="Arial" panose="020B0604020202020204" pitchFamily="34" charset="0"/>
             </a:endParaRPr>
           </a:p>
           <a:p>
-            <a:endParaRPr lang="en-GB" sz="1800" dirty="0">
+            <a:endParaRPr lang="en-GB" sz="3600" dirty="0">
               <a:latin typeface="Arial" panose="020B0604020202020204" pitchFamily="34" charset="0"/>
               <a:cs typeface="Arial" panose="020B0604020202020204" pitchFamily="34" charset="0"/>
             </a:endParaRPr>
@@ -25806,7 +25804,7 @@
         </p:nvGraphicFramePr>
         <p:xfrm>
           <a:off x="1002305" y="949198"/>
-          <a:ext cx="8601075" cy="5497195"/>
+          <a:ext cx="8601075" cy="5497219"/>
         </p:xfrm>
         <a:graphic>
           <a:graphicData uri="http://schemas.openxmlformats.org/drawingml/2006/table">

--- a/programs/avinash.pptx
+++ b/programs/avinash.pptx
@@ -9,33 +9,29 @@
     <p:notesMasterId r:id="rId5"/>
   </p:notesMasterIdLst>
   <p:handoutMasterIdLst>
-    <p:handoutMasterId r:id="rId29"/>
+    <p:handoutMasterId r:id="rId25"/>
   </p:handoutMasterIdLst>
   <p:sldIdLst>
     <p:sldId id="464" r:id="rId4"/>
     <p:sldId id="281" r:id="rId6"/>
     <p:sldId id="365" r:id="rId7"/>
-    <p:sldId id="330" r:id="rId8"/>
-    <p:sldId id="344" r:id="rId9"/>
-    <p:sldId id="345" r:id="rId10"/>
-    <p:sldId id="343" r:id="rId11"/>
-    <p:sldId id="346" r:id="rId12"/>
-    <p:sldId id="463" r:id="rId13"/>
-    <p:sldId id="347" r:id="rId14"/>
-    <p:sldId id="358" r:id="rId15"/>
-    <p:sldId id="359" r:id="rId16"/>
-    <p:sldId id="361" r:id="rId17"/>
-    <p:sldId id="362" r:id="rId18"/>
-    <p:sldId id="363" r:id="rId19"/>
-    <p:sldId id="348" r:id="rId20"/>
-    <p:sldId id="349" r:id="rId21"/>
-    <p:sldId id="350" r:id="rId22"/>
-    <p:sldId id="352" r:id="rId23"/>
-    <p:sldId id="353" r:id="rId24"/>
-    <p:sldId id="354" r:id="rId25"/>
-    <p:sldId id="356" r:id="rId26"/>
-    <p:sldId id="335" r:id="rId27"/>
-    <p:sldId id="465" r:id="rId28"/>
+    <p:sldId id="344" r:id="rId8"/>
+    <p:sldId id="345" r:id="rId9"/>
+    <p:sldId id="343" r:id="rId10"/>
+    <p:sldId id="346" r:id="rId11"/>
+    <p:sldId id="463" r:id="rId12"/>
+    <p:sldId id="358" r:id="rId13"/>
+    <p:sldId id="359" r:id="rId14"/>
+    <p:sldId id="361" r:id="rId15"/>
+    <p:sldId id="362" r:id="rId16"/>
+    <p:sldId id="363" r:id="rId17"/>
+    <p:sldId id="348" r:id="rId18"/>
+    <p:sldId id="349" r:id="rId19"/>
+    <p:sldId id="350" r:id="rId20"/>
+    <p:sldId id="352" r:id="rId21"/>
+    <p:sldId id="356" r:id="rId22"/>
+    <p:sldId id="335" r:id="rId23"/>
+    <p:sldId id="465" r:id="rId24"/>
   </p:sldIdLst>
   <p:sldSz cx="12192000" cy="6858000"/>
   <p:notesSz cx="6858000" cy="9144000"/>
@@ -711,1050 +707,6 @@
       </p:grpSpPr>
       <p:sp>
         <p:nvSpPr>
-          <p:cNvPr id="41986" name="Rectangle 2"/>
-          <p:cNvSpPr>
-            <a:spLocks noGrp="true" noChangeArrowheads="true"/>
-          </p:cNvSpPr>
-          <p:nvPr>
-            <p:ph type="hdr" sz="quarter"/>
-          </p:nvPr>
-        </p:nvSpPr>
-        <p:spPr>
-          <a:noFill/>
-          <a:extLst>
-            <a:ext uri="{909E8E84-426E-40DD-AFC4-6F175D3DCCD1}">
-              <a14:hiddenFill xmlns:a14="http://schemas.microsoft.com/office/drawing/2010/main">
-                <a:solidFill>
-                  <a:srgbClr val="FFFFFF"/>
-                </a:solidFill>
-              </a14:hiddenFill>
-            </a:ext>
-            <a:ext uri="{91240B29-F687-4F45-9708-019B960494DF}">
-              <a14:hiddenLine xmlns:a14="http://schemas.microsoft.com/office/drawing/2010/main" w="9525">
-                <a:solidFill>
-                  <a:srgbClr val="000000"/>
-                </a:solidFill>
-                <a:miter lim="800000"/>
-                <a:headEnd/>
-                <a:tailEnd/>
-              </a14:hiddenLine>
-            </a:ext>
-          </a:extLst>
-        </p:spPr>
-        <p:txBody>
-          <a:bodyPr/>
-          <a:lstStyle>
-            <a:lvl1pPr>
-              <a:defRPr b="1">
-                <a:solidFill>
-                  <a:schemeClr val="tx1"/>
-                </a:solidFill>
-                <a:latin typeface="Verdana" panose="020B0604030504040204" pitchFamily="34" charset="0"/>
-              </a:defRPr>
-            </a:lvl1pPr>
-            <a:lvl2pPr marL="742950" indent="-285750">
-              <a:defRPr b="1">
-                <a:solidFill>
-                  <a:schemeClr val="tx1"/>
-                </a:solidFill>
-                <a:latin typeface="Verdana" panose="020B0604030504040204" pitchFamily="34" charset="0"/>
-              </a:defRPr>
-            </a:lvl2pPr>
-            <a:lvl3pPr marL="1143000" indent="-228600">
-              <a:defRPr b="1">
-                <a:solidFill>
-                  <a:schemeClr val="tx1"/>
-                </a:solidFill>
-                <a:latin typeface="Verdana" panose="020B0604030504040204" pitchFamily="34" charset="0"/>
-              </a:defRPr>
-            </a:lvl3pPr>
-            <a:lvl4pPr marL="1600200" indent="-228600">
-              <a:defRPr b="1">
-                <a:solidFill>
-                  <a:schemeClr val="tx1"/>
-                </a:solidFill>
-                <a:latin typeface="Verdana" panose="020B0604030504040204" pitchFamily="34" charset="0"/>
-              </a:defRPr>
-            </a:lvl4pPr>
-            <a:lvl5pPr marL="2057400" indent="-228600">
-              <a:defRPr b="1">
-                <a:solidFill>
-                  <a:schemeClr val="tx1"/>
-                </a:solidFill>
-                <a:latin typeface="Verdana" panose="020B0604030504040204" pitchFamily="34" charset="0"/>
-              </a:defRPr>
-            </a:lvl5pPr>
-            <a:lvl6pPr marL="2514600" indent="-228600" algn="ctr" eaLnBrk="0" fontAlgn="base" hangingPunct="0">
-              <a:spcBef>
-                <a:spcPct val="0"/>
-              </a:spcBef>
-              <a:spcAft>
-                <a:spcPct val="0"/>
-              </a:spcAft>
-              <a:defRPr b="1">
-                <a:solidFill>
-                  <a:schemeClr val="tx1"/>
-                </a:solidFill>
-                <a:latin typeface="Verdana" panose="020B0604030504040204" pitchFamily="34" charset="0"/>
-              </a:defRPr>
-            </a:lvl6pPr>
-            <a:lvl7pPr marL="2971800" indent="-228600" algn="ctr" eaLnBrk="0" fontAlgn="base" hangingPunct="0">
-              <a:spcBef>
-                <a:spcPct val="0"/>
-              </a:spcBef>
-              <a:spcAft>
-                <a:spcPct val="0"/>
-              </a:spcAft>
-              <a:defRPr b="1">
-                <a:solidFill>
-                  <a:schemeClr val="tx1"/>
-                </a:solidFill>
-                <a:latin typeface="Verdana" panose="020B0604030504040204" pitchFamily="34" charset="0"/>
-              </a:defRPr>
-            </a:lvl7pPr>
-            <a:lvl8pPr marL="3429000" indent="-228600" algn="ctr" eaLnBrk="0" fontAlgn="base" hangingPunct="0">
-              <a:spcBef>
-                <a:spcPct val="0"/>
-              </a:spcBef>
-              <a:spcAft>
-                <a:spcPct val="0"/>
-              </a:spcAft>
-              <a:defRPr b="1">
-                <a:solidFill>
-                  <a:schemeClr val="tx1"/>
-                </a:solidFill>
-                <a:latin typeface="Verdana" panose="020B0604030504040204" pitchFamily="34" charset="0"/>
-              </a:defRPr>
-            </a:lvl8pPr>
-            <a:lvl9pPr marL="3886200" indent="-228600" algn="ctr" eaLnBrk="0" fontAlgn="base" hangingPunct="0">
-              <a:spcBef>
-                <a:spcPct val="0"/>
-              </a:spcBef>
-              <a:spcAft>
-                <a:spcPct val="0"/>
-              </a:spcAft>
-              <a:defRPr b="1">
-                <a:solidFill>
-                  <a:schemeClr val="tx1"/>
-                </a:solidFill>
-                <a:latin typeface="Verdana" panose="020B0604030504040204" pitchFamily="34" charset="0"/>
-              </a:defRPr>
-            </a:lvl9pPr>
-          </a:lstStyle>
-          <a:p>
-            <a:r>
-              <a:rPr lang="en-US">
-                <a:solidFill>
-                  <a:srgbClr val="336699"/>
-                </a:solidFill>
-                <a:latin typeface="Arial" panose="020B0604020202020204" pitchFamily="34" charset="0"/>
-              </a:rPr>
-              <a:t>Module 2: Introduction to Active Directory® Domain Services</a:t>
-            </a:r>
-            <a:endParaRPr lang="en-US">
-              <a:solidFill>
-                <a:srgbClr val="336699"/>
-              </a:solidFill>
-              <a:latin typeface="Arial" panose="020B0604020202020204" pitchFamily="34" charset="0"/>
-            </a:endParaRPr>
-          </a:p>
-        </p:txBody>
-      </p:sp>
-      <p:sp>
-        <p:nvSpPr>
-          <p:cNvPr id="41987" name="Rectangle 3"/>
-          <p:cNvSpPr>
-            <a:spLocks noGrp="true" noChangeArrowheads="true"/>
-          </p:cNvSpPr>
-          <p:nvPr>
-            <p:ph type="dt" sz="quarter" idx="1"/>
-          </p:nvPr>
-        </p:nvSpPr>
-        <p:spPr>
-          <a:noFill/>
-          <a:extLst>
-            <a:ext uri="{909E8E84-426E-40DD-AFC4-6F175D3DCCD1}">
-              <a14:hiddenFill xmlns:a14="http://schemas.microsoft.com/office/drawing/2010/main">
-                <a:solidFill>
-                  <a:srgbClr val="FFFFFF"/>
-                </a:solidFill>
-              </a14:hiddenFill>
-            </a:ext>
-            <a:ext uri="{91240B29-F687-4F45-9708-019B960494DF}">
-              <a14:hiddenLine xmlns:a14="http://schemas.microsoft.com/office/drawing/2010/main" w="9525">
-                <a:solidFill>
-                  <a:srgbClr val="000000"/>
-                </a:solidFill>
-                <a:miter lim="800000"/>
-                <a:headEnd/>
-                <a:tailEnd/>
-              </a14:hiddenLine>
-            </a:ext>
-          </a:extLst>
-        </p:spPr>
-        <p:txBody>
-          <a:bodyPr/>
-          <a:lstStyle>
-            <a:lvl1pPr>
-              <a:defRPr b="1">
-                <a:solidFill>
-                  <a:schemeClr val="tx1"/>
-                </a:solidFill>
-                <a:latin typeface="Verdana" panose="020B0604030504040204" pitchFamily="34" charset="0"/>
-              </a:defRPr>
-            </a:lvl1pPr>
-            <a:lvl2pPr marL="742950" indent="-285750">
-              <a:defRPr b="1">
-                <a:solidFill>
-                  <a:schemeClr val="tx1"/>
-                </a:solidFill>
-                <a:latin typeface="Verdana" panose="020B0604030504040204" pitchFamily="34" charset="0"/>
-              </a:defRPr>
-            </a:lvl2pPr>
-            <a:lvl3pPr marL="1143000" indent="-228600">
-              <a:defRPr b="1">
-                <a:solidFill>
-                  <a:schemeClr val="tx1"/>
-                </a:solidFill>
-                <a:latin typeface="Verdana" panose="020B0604030504040204" pitchFamily="34" charset="0"/>
-              </a:defRPr>
-            </a:lvl3pPr>
-            <a:lvl4pPr marL="1600200" indent="-228600">
-              <a:defRPr b="1">
-                <a:solidFill>
-                  <a:schemeClr val="tx1"/>
-                </a:solidFill>
-                <a:latin typeface="Verdana" panose="020B0604030504040204" pitchFamily="34" charset="0"/>
-              </a:defRPr>
-            </a:lvl4pPr>
-            <a:lvl5pPr marL="2057400" indent="-228600">
-              <a:defRPr b="1">
-                <a:solidFill>
-                  <a:schemeClr val="tx1"/>
-                </a:solidFill>
-                <a:latin typeface="Verdana" panose="020B0604030504040204" pitchFamily="34" charset="0"/>
-              </a:defRPr>
-            </a:lvl5pPr>
-            <a:lvl6pPr marL="2514600" indent="-228600" algn="ctr" eaLnBrk="0" fontAlgn="base" hangingPunct="0">
-              <a:spcBef>
-                <a:spcPct val="0"/>
-              </a:spcBef>
-              <a:spcAft>
-                <a:spcPct val="0"/>
-              </a:spcAft>
-              <a:defRPr b="1">
-                <a:solidFill>
-                  <a:schemeClr val="tx1"/>
-                </a:solidFill>
-                <a:latin typeface="Verdana" panose="020B0604030504040204" pitchFamily="34" charset="0"/>
-              </a:defRPr>
-            </a:lvl6pPr>
-            <a:lvl7pPr marL="2971800" indent="-228600" algn="ctr" eaLnBrk="0" fontAlgn="base" hangingPunct="0">
-              <a:spcBef>
-                <a:spcPct val="0"/>
-              </a:spcBef>
-              <a:spcAft>
-                <a:spcPct val="0"/>
-              </a:spcAft>
-              <a:defRPr b="1">
-                <a:solidFill>
-                  <a:schemeClr val="tx1"/>
-                </a:solidFill>
-                <a:latin typeface="Verdana" panose="020B0604030504040204" pitchFamily="34" charset="0"/>
-              </a:defRPr>
-            </a:lvl7pPr>
-            <a:lvl8pPr marL="3429000" indent="-228600" algn="ctr" eaLnBrk="0" fontAlgn="base" hangingPunct="0">
-              <a:spcBef>
-                <a:spcPct val="0"/>
-              </a:spcBef>
-              <a:spcAft>
-                <a:spcPct val="0"/>
-              </a:spcAft>
-              <a:defRPr b="1">
-                <a:solidFill>
-                  <a:schemeClr val="tx1"/>
-                </a:solidFill>
-                <a:latin typeface="Verdana" panose="020B0604030504040204" pitchFamily="34" charset="0"/>
-              </a:defRPr>
-            </a:lvl8pPr>
-            <a:lvl9pPr marL="3886200" indent="-228600" algn="ctr" eaLnBrk="0" fontAlgn="base" hangingPunct="0">
-              <a:spcBef>
-                <a:spcPct val="0"/>
-              </a:spcBef>
-              <a:spcAft>
-                <a:spcPct val="0"/>
-              </a:spcAft>
-              <a:defRPr b="1">
-                <a:solidFill>
-                  <a:schemeClr val="tx1"/>
-                </a:solidFill>
-                <a:latin typeface="Verdana" panose="020B0604030504040204" pitchFamily="34" charset="0"/>
-              </a:defRPr>
-            </a:lvl9pPr>
-          </a:lstStyle>
-          <a:p>
-            <a:r>
-              <a:rPr lang="en-US">
-                <a:latin typeface="Arial" panose="020B0604020202020204" pitchFamily="34" charset="0"/>
-              </a:rPr>
-              <a:t>Course 6424A</a:t>
-            </a:r>
-            <a:endParaRPr lang="en-US">
-              <a:latin typeface="Arial" panose="020B0604020202020204" pitchFamily="34" charset="0"/>
-            </a:endParaRPr>
-          </a:p>
-        </p:txBody>
-      </p:sp>
-      <p:sp>
-        <p:nvSpPr>
-          <p:cNvPr id="41988" name="Rectangle 7"/>
-          <p:cNvSpPr>
-            <a:spLocks noGrp="true" noChangeArrowheads="true"/>
-          </p:cNvSpPr>
-          <p:nvPr>
-            <p:ph type="sldNum" sz="quarter" idx="5"/>
-          </p:nvPr>
-        </p:nvSpPr>
-        <p:spPr>
-          <a:noFill/>
-          <a:extLst>
-            <a:ext uri="{909E8E84-426E-40DD-AFC4-6F175D3DCCD1}">
-              <a14:hiddenFill xmlns:a14="http://schemas.microsoft.com/office/drawing/2010/main">
-                <a:solidFill>
-                  <a:srgbClr val="FFFFFF"/>
-                </a:solidFill>
-              </a14:hiddenFill>
-            </a:ext>
-            <a:ext uri="{91240B29-F687-4F45-9708-019B960494DF}">
-              <a14:hiddenLine xmlns:a14="http://schemas.microsoft.com/office/drawing/2010/main" w="9525">
-                <a:solidFill>
-                  <a:srgbClr val="000000"/>
-                </a:solidFill>
-                <a:miter lim="800000"/>
-                <a:headEnd/>
-                <a:tailEnd/>
-              </a14:hiddenLine>
-            </a:ext>
-          </a:extLst>
-        </p:spPr>
-        <p:txBody>
-          <a:bodyPr/>
-          <a:lstStyle>
-            <a:lvl1pPr>
-              <a:defRPr b="1">
-                <a:solidFill>
-                  <a:schemeClr val="tx1"/>
-                </a:solidFill>
-                <a:latin typeface="Verdana" panose="020B0604030504040204" pitchFamily="34" charset="0"/>
-              </a:defRPr>
-            </a:lvl1pPr>
-            <a:lvl2pPr marL="742950" indent="-285750">
-              <a:defRPr b="1">
-                <a:solidFill>
-                  <a:schemeClr val="tx1"/>
-                </a:solidFill>
-                <a:latin typeface="Verdana" panose="020B0604030504040204" pitchFamily="34" charset="0"/>
-              </a:defRPr>
-            </a:lvl2pPr>
-            <a:lvl3pPr marL="1143000" indent="-228600">
-              <a:defRPr b="1">
-                <a:solidFill>
-                  <a:schemeClr val="tx1"/>
-                </a:solidFill>
-                <a:latin typeface="Verdana" panose="020B0604030504040204" pitchFamily="34" charset="0"/>
-              </a:defRPr>
-            </a:lvl3pPr>
-            <a:lvl4pPr marL="1600200" indent="-228600">
-              <a:defRPr b="1">
-                <a:solidFill>
-                  <a:schemeClr val="tx1"/>
-                </a:solidFill>
-                <a:latin typeface="Verdana" panose="020B0604030504040204" pitchFamily="34" charset="0"/>
-              </a:defRPr>
-            </a:lvl4pPr>
-            <a:lvl5pPr marL="2057400" indent="-228600">
-              <a:defRPr b="1">
-                <a:solidFill>
-                  <a:schemeClr val="tx1"/>
-                </a:solidFill>
-                <a:latin typeface="Verdana" panose="020B0604030504040204" pitchFamily="34" charset="0"/>
-              </a:defRPr>
-            </a:lvl5pPr>
-            <a:lvl6pPr marL="2514600" indent="-228600" algn="ctr" eaLnBrk="0" fontAlgn="base" hangingPunct="0">
-              <a:spcBef>
-                <a:spcPct val="0"/>
-              </a:spcBef>
-              <a:spcAft>
-                <a:spcPct val="0"/>
-              </a:spcAft>
-              <a:defRPr b="1">
-                <a:solidFill>
-                  <a:schemeClr val="tx1"/>
-                </a:solidFill>
-                <a:latin typeface="Verdana" panose="020B0604030504040204" pitchFamily="34" charset="0"/>
-              </a:defRPr>
-            </a:lvl6pPr>
-            <a:lvl7pPr marL="2971800" indent="-228600" algn="ctr" eaLnBrk="0" fontAlgn="base" hangingPunct="0">
-              <a:spcBef>
-                <a:spcPct val="0"/>
-              </a:spcBef>
-              <a:spcAft>
-                <a:spcPct val="0"/>
-              </a:spcAft>
-              <a:defRPr b="1">
-                <a:solidFill>
-                  <a:schemeClr val="tx1"/>
-                </a:solidFill>
-                <a:latin typeface="Verdana" panose="020B0604030504040204" pitchFamily="34" charset="0"/>
-              </a:defRPr>
-            </a:lvl7pPr>
-            <a:lvl8pPr marL="3429000" indent="-228600" algn="ctr" eaLnBrk="0" fontAlgn="base" hangingPunct="0">
-              <a:spcBef>
-                <a:spcPct val="0"/>
-              </a:spcBef>
-              <a:spcAft>
-                <a:spcPct val="0"/>
-              </a:spcAft>
-              <a:defRPr b="1">
-                <a:solidFill>
-                  <a:schemeClr val="tx1"/>
-                </a:solidFill>
-                <a:latin typeface="Verdana" panose="020B0604030504040204" pitchFamily="34" charset="0"/>
-              </a:defRPr>
-            </a:lvl8pPr>
-            <a:lvl9pPr marL="3886200" indent="-228600" algn="ctr" eaLnBrk="0" fontAlgn="base" hangingPunct="0">
-              <a:spcBef>
-                <a:spcPct val="0"/>
-              </a:spcBef>
-              <a:spcAft>
-                <a:spcPct val="0"/>
-              </a:spcAft>
-              <a:defRPr b="1">
-                <a:solidFill>
-                  <a:schemeClr val="tx1"/>
-                </a:solidFill>
-                <a:latin typeface="Verdana" panose="020B0604030504040204" pitchFamily="34" charset="0"/>
-              </a:defRPr>
-            </a:lvl9pPr>
-          </a:lstStyle>
-          <a:p>
-            <a:fld id="{B950C7F8-3EFF-4DC8-A174-9153F33639C9}" type="slidenum">
-              <a:rPr lang="en-US" b="0">
-                <a:latin typeface="Arial" panose="020B0604020202020204" pitchFamily="34" charset="0"/>
-              </a:rPr>
-            </a:fld>
-            <a:endParaRPr lang="en-US" b="0">
-              <a:latin typeface="Arial" panose="020B0604020202020204" pitchFamily="34" charset="0"/>
-            </a:endParaRPr>
-          </a:p>
-        </p:txBody>
-      </p:sp>
-      <p:sp>
-        <p:nvSpPr>
-          <p:cNvPr id="41989" name="Rectangle 2"/>
-          <p:cNvSpPr>
-            <a:spLocks noGrp="true" noRot="true" noChangeAspect="true" noChangeArrowheads="true" noTextEdit="true"/>
-          </p:cNvSpPr>
-          <p:nvPr>
-            <p:ph type="sldImg"/>
-          </p:nvPr>
-        </p:nvSpPr>
-        <p:spPr/>
-      </p:sp>
-      <p:sp>
-        <p:nvSpPr>
-          <p:cNvPr id="41990" name="Rectangle 3"/>
-          <p:cNvSpPr>
-            <a:spLocks noGrp="true" noChangeArrowheads="true"/>
-          </p:cNvSpPr>
-          <p:nvPr>
-            <p:ph type="body" idx="1"/>
-          </p:nvPr>
-        </p:nvSpPr>
-        <p:spPr>
-          <a:xfrm>
-            <a:off x="314325" y="2184400"/>
-            <a:ext cx="6286500" cy="6843713"/>
-          </a:xfrm>
-          <a:noFill/>
-          <a:extLst>
-            <a:ext uri="{909E8E84-426E-40DD-AFC4-6F175D3DCCD1}">
-              <a14:hiddenFill xmlns:a14="http://schemas.microsoft.com/office/drawing/2010/main">
-                <a:solidFill>
-                  <a:srgbClr val="FFFFFF"/>
-                </a:solidFill>
-              </a14:hiddenFill>
-            </a:ext>
-            <a:ext uri="{91240B29-F687-4F45-9708-019B960494DF}">
-              <a14:hiddenLine xmlns:a14="http://schemas.microsoft.com/office/drawing/2010/main" w="9525">
-                <a:solidFill>
-                  <a:srgbClr val="000000"/>
-                </a:solidFill>
-                <a:miter lim="800000"/>
-                <a:headEnd/>
-                <a:tailEnd/>
-              </a14:hiddenLine>
-            </a:ext>
-          </a:extLst>
-        </p:spPr>
-        <p:txBody>
-          <a:bodyPr/>
-          <a:lstStyle/>
-          <a:p>
-            <a:pPr eaLnBrk="1" hangingPunct="1"/>
-            <a:endParaRPr lang="en-US" dirty="0">
-              <a:latin typeface="Arial" panose="020B0604020202020204" pitchFamily="34" charset="0"/>
-            </a:endParaRPr>
-          </a:p>
-        </p:txBody>
-      </p:sp>
-    </p:spTree>
-  </p:cSld>
-  <p:clrMapOvr>
-    <a:masterClrMapping/>
-  </p:clrMapOvr>
-</p:notes>
-</file>
-
-<file path=ppt/notesSlides/notesSlide11.xml><?xml version="1.0" encoding="utf-8"?>
-<p:notes xmlns:a="http://schemas.openxmlformats.org/drawingml/2006/main" xmlns:r="http://schemas.openxmlformats.org/officeDocument/2006/relationships" xmlns:p="http://schemas.openxmlformats.org/presentationml/2006/main">
-  <p:cSld>
-    <p:spTree>
-      <p:nvGrpSpPr>
-        <p:cNvPr id="1" name=""/>
-        <p:cNvGrpSpPr/>
-        <p:nvPr/>
-      </p:nvGrpSpPr>
-      <p:grpSpPr>
-        <a:xfrm>
-          <a:off x="0" y="0"/>
-          <a:ext cx="0" cy="0"/>
-          <a:chOff x="0" y="0"/>
-          <a:chExt cx="0" cy="0"/>
-        </a:xfrm>
-      </p:grpSpPr>
-      <p:sp>
-        <p:nvSpPr>
-          <p:cNvPr id="53250" name="Rectangle 2"/>
-          <p:cNvSpPr>
-            <a:spLocks noGrp="true" noChangeArrowheads="true"/>
-          </p:cNvSpPr>
-          <p:nvPr>
-            <p:ph type="hdr" sz="quarter"/>
-          </p:nvPr>
-        </p:nvSpPr>
-        <p:spPr>
-          <a:noFill/>
-          <a:extLst>
-            <a:ext uri="{909E8E84-426E-40DD-AFC4-6F175D3DCCD1}">
-              <a14:hiddenFill xmlns:a14="http://schemas.microsoft.com/office/drawing/2010/main">
-                <a:solidFill>
-                  <a:srgbClr val="FFFFFF"/>
-                </a:solidFill>
-              </a14:hiddenFill>
-            </a:ext>
-            <a:ext uri="{91240B29-F687-4F45-9708-019B960494DF}">
-              <a14:hiddenLine xmlns:a14="http://schemas.microsoft.com/office/drawing/2010/main" w="9525">
-                <a:solidFill>
-                  <a:srgbClr val="000000"/>
-                </a:solidFill>
-                <a:miter lim="800000"/>
-                <a:headEnd/>
-                <a:tailEnd/>
-              </a14:hiddenLine>
-            </a:ext>
-          </a:extLst>
-        </p:spPr>
-        <p:txBody>
-          <a:bodyPr/>
-          <a:lstStyle>
-            <a:lvl1pPr>
-              <a:defRPr b="1">
-                <a:solidFill>
-                  <a:schemeClr val="tx1"/>
-                </a:solidFill>
-                <a:latin typeface="Verdana" panose="020B0604030504040204" pitchFamily="34" charset="0"/>
-              </a:defRPr>
-            </a:lvl1pPr>
-            <a:lvl2pPr marL="742950" indent="-285750">
-              <a:defRPr b="1">
-                <a:solidFill>
-                  <a:schemeClr val="tx1"/>
-                </a:solidFill>
-                <a:latin typeface="Verdana" panose="020B0604030504040204" pitchFamily="34" charset="0"/>
-              </a:defRPr>
-            </a:lvl2pPr>
-            <a:lvl3pPr marL="1143000" indent="-228600">
-              <a:defRPr b="1">
-                <a:solidFill>
-                  <a:schemeClr val="tx1"/>
-                </a:solidFill>
-                <a:latin typeface="Verdana" panose="020B0604030504040204" pitchFamily="34" charset="0"/>
-              </a:defRPr>
-            </a:lvl3pPr>
-            <a:lvl4pPr marL="1600200" indent="-228600">
-              <a:defRPr b="1">
-                <a:solidFill>
-                  <a:schemeClr val="tx1"/>
-                </a:solidFill>
-                <a:latin typeface="Verdana" panose="020B0604030504040204" pitchFamily="34" charset="0"/>
-              </a:defRPr>
-            </a:lvl4pPr>
-            <a:lvl5pPr marL="2057400" indent="-228600">
-              <a:defRPr b="1">
-                <a:solidFill>
-                  <a:schemeClr val="tx1"/>
-                </a:solidFill>
-                <a:latin typeface="Verdana" panose="020B0604030504040204" pitchFamily="34" charset="0"/>
-              </a:defRPr>
-            </a:lvl5pPr>
-            <a:lvl6pPr marL="2514600" indent="-228600" algn="ctr" eaLnBrk="0" fontAlgn="base" hangingPunct="0">
-              <a:spcBef>
-                <a:spcPct val="0"/>
-              </a:spcBef>
-              <a:spcAft>
-                <a:spcPct val="0"/>
-              </a:spcAft>
-              <a:defRPr b="1">
-                <a:solidFill>
-                  <a:schemeClr val="tx1"/>
-                </a:solidFill>
-                <a:latin typeface="Verdana" panose="020B0604030504040204" pitchFamily="34" charset="0"/>
-              </a:defRPr>
-            </a:lvl6pPr>
-            <a:lvl7pPr marL="2971800" indent="-228600" algn="ctr" eaLnBrk="0" fontAlgn="base" hangingPunct="0">
-              <a:spcBef>
-                <a:spcPct val="0"/>
-              </a:spcBef>
-              <a:spcAft>
-                <a:spcPct val="0"/>
-              </a:spcAft>
-              <a:defRPr b="1">
-                <a:solidFill>
-                  <a:schemeClr val="tx1"/>
-                </a:solidFill>
-                <a:latin typeface="Verdana" panose="020B0604030504040204" pitchFamily="34" charset="0"/>
-              </a:defRPr>
-            </a:lvl7pPr>
-            <a:lvl8pPr marL="3429000" indent="-228600" algn="ctr" eaLnBrk="0" fontAlgn="base" hangingPunct="0">
-              <a:spcBef>
-                <a:spcPct val="0"/>
-              </a:spcBef>
-              <a:spcAft>
-                <a:spcPct val="0"/>
-              </a:spcAft>
-              <a:defRPr b="1">
-                <a:solidFill>
-                  <a:schemeClr val="tx1"/>
-                </a:solidFill>
-                <a:latin typeface="Verdana" panose="020B0604030504040204" pitchFamily="34" charset="0"/>
-              </a:defRPr>
-            </a:lvl8pPr>
-            <a:lvl9pPr marL="3886200" indent="-228600" algn="ctr" eaLnBrk="0" fontAlgn="base" hangingPunct="0">
-              <a:spcBef>
-                <a:spcPct val="0"/>
-              </a:spcBef>
-              <a:spcAft>
-                <a:spcPct val="0"/>
-              </a:spcAft>
-              <a:defRPr b="1">
-                <a:solidFill>
-                  <a:schemeClr val="tx1"/>
-                </a:solidFill>
-                <a:latin typeface="Verdana" panose="020B0604030504040204" pitchFamily="34" charset="0"/>
-              </a:defRPr>
-            </a:lvl9pPr>
-          </a:lstStyle>
-          <a:p>
-            <a:r>
-              <a:rPr lang="en-US">
-                <a:solidFill>
-                  <a:srgbClr val="336699"/>
-                </a:solidFill>
-                <a:latin typeface="Arial" panose="020B0604020202020204" pitchFamily="34" charset="0"/>
-              </a:rPr>
-              <a:t>Module 2: Introduction to Active Directory® Domain Services</a:t>
-            </a:r>
-            <a:endParaRPr lang="en-US">
-              <a:solidFill>
-                <a:srgbClr val="336699"/>
-              </a:solidFill>
-              <a:latin typeface="Arial" panose="020B0604020202020204" pitchFamily="34" charset="0"/>
-            </a:endParaRPr>
-          </a:p>
-        </p:txBody>
-      </p:sp>
-      <p:sp>
-        <p:nvSpPr>
-          <p:cNvPr id="53251" name="Rectangle 3"/>
-          <p:cNvSpPr>
-            <a:spLocks noGrp="true" noChangeArrowheads="true"/>
-          </p:cNvSpPr>
-          <p:nvPr>
-            <p:ph type="dt" sz="quarter" idx="1"/>
-          </p:nvPr>
-        </p:nvSpPr>
-        <p:spPr>
-          <a:noFill/>
-          <a:extLst>
-            <a:ext uri="{909E8E84-426E-40DD-AFC4-6F175D3DCCD1}">
-              <a14:hiddenFill xmlns:a14="http://schemas.microsoft.com/office/drawing/2010/main">
-                <a:solidFill>
-                  <a:srgbClr val="FFFFFF"/>
-                </a:solidFill>
-              </a14:hiddenFill>
-            </a:ext>
-            <a:ext uri="{91240B29-F687-4F45-9708-019B960494DF}">
-              <a14:hiddenLine xmlns:a14="http://schemas.microsoft.com/office/drawing/2010/main" w="9525">
-                <a:solidFill>
-                  <a:srgbClr val="000000"/>
-                </a:solidFill>
-                <a:miter lim="800000"/>
-                <a:headEnd/>
-                <a:tailEnd/>
-              </a14:hiddenLine>
-            </a:ext>
-          </a:extLst>
-        </p:spPr>
-        <p:txBody>
-          <a:bodyPr/>
-          <a:lstStyle>
-            <a:lvl1pPr>
-              <a:defRPr b="1">
-                <a:solidFill>
-                  <a:schemeClr val="tx1"/>
-                </a:solidFill>
-                <a:latin typeface="Verdana" panose="020B0604030504040204" pitchFamily="34" charset="0"/>
-              </a:defRPr>
-            </a:lvl1pPr>
-            <a:lvl2pPr marL="742950" indent="-285750">
-              <a:defRPr b="1">
-                <a:solidFill>
-                  <a:schemeClr val="tx1"/>
-                </a:solidFill>
-                <a:latin typeface="Verdana" panose="020B0604030504040204" pitchFamily="34" charset="0"/>
-              </a:defRPr>
-            </a:lvl2pPr>
-            <a:lvl3pPr marL="1143000" indent="-228600">
-              <a:defRPr b="1">
-                <a:solidFill>
-                  <a:schemeClr val="tx1"/>
-                </a:solidFill>
-                <a:latin typeface="Verdana" panose="020B0604030504040204" pitchFamily="34" charset="0"/>
-              </a:defRPr>
-            </a:lvl3pPr>
-            <a:lvl4pPr marL="1600200" indent="-228600">
-              <a:defRPr b="1">
-                <a:solidFill>
-                  <a:schemeClr val="tx1"/>
-                </a:solidFill>
-                <a:latin typeface="Verdana" panose="020B0604030504040204" pitchFamily="34" charset="0"/>
-              </a:defRPr>
-            </a:lvl4pPr>
-            <a:lvl5pPr marL="2057400" indent="-228600">
-              <a:defRPr b="1">
-                <a:solidFill>
-                  <a:schemeClr val="tx1"/>
-                </a:solidFill>
-                <a:latin typeface="Verdana" panose="020B0604030504040204" pitchFamily="34" charset="0"/>
-              </a:defRPr>
-            </a:lvl5pPr>
-            <a:lvl6pPr marL="2514600" indent="-228600" algn="ctr" eaLnBrk="0" fontAlgn="base" hangingPunct="0">
-              <a:spcBef>
-                <a:spcPct val="0"/>
-              </a:spcBef>
-              <a:spcAft>
-                <a:spcPct val="0"/>
-              </a:spcAft>
-              <a:defRPr b="1">
-                <a:solidFill>
-                  <a:schemeClr val="tx1"/>
-                </a:solidFill>
-                <a:latin typeface="Verdana" panose="020B0604030504040204" pitchFamily="34" charset="0"/>
-              </a:defRPr>
-            </a:lvl6pPr>
-            <a:lvl7pPr marL="2971800" indent="-228600" algn="ctr" eaLnBrk="0" fontAlgn="base" hangingPunct="0">
-              <a:spcBef>
-                <a:spcPct val="0"/>
-              </a:spcBef>
-              <a:spcAft>
-                <a:spcPct val="0"/>
-              </a:spcAft>
-              <a:defRPr b="1">
-                <a:solidFill>
-                  <a:schemeClr val="tx1"/>
-                </a:solidFill>
-                <a:latin typeface="Verdana" panose="020B0604030504040204" pitchFamily="34" charset="0"/>
-              </a:defRPr>
-            </a:lvl7pPr>
-            <a:lvl8pPr marL="3429000" indent="-228600" algn="ctr" eaLnBrk="0" fontAlgn="base" hangingPunct="0">
-              <a:spcBef>
-                <a:spcPct val="0"/>
-              </a:spcBef>
-              <a:spcAft>
-                <a:spcPct val="0"/>
-              </a:spcAft>
-              <a:defRPr b="1">
-                <a:solidFill>
-                  <a:schemeClr val="tx1"/>
-                </a:solidFill>
-                <a:latin typeface="Verdana" panose="020B0604030504040204" pitchFamily="34" charset="0"/>
-              </a:defRPr>
-            </a:lvl8pPr>
-            <a:lvl9pPr marL="3886200" indent="-228600" algn="ctr" eaLnBrk="0" fontAlgn="base" hangingPunct="0">
-              <a:spcBef>
-                <a:spcPct val="0"/>
-              </a:spcBef>
-              <a:spcAft>
-                <a:spcPct val="0"/>
-              </a:spcAft>
-              <a:defRPr b="1">
-                <a:solidFill>
-                  <a:schemeClr val="tx1"/>
-                </a:solidFill>
-                <a:latin typeface="Verdana" panose="020B0604030504040204" pitchFamily="34" charset="0"/>
-              </a:defRPr>
-            </a:lvl9pPr>
-          </a:lstStyle>
-          <a:p>
-            <a:r>
-              <a:rPr lang="en-US">
-                <a:latin typeface="Arial" panose="020B0604020202020204" pitchFamily="34" charset="0"/>
-              </a:rPr>
-              <a:t>Course 6424A</a:t>
-            </a:r>
-            <a:endParaRPr lang="en-US">
-              <a:latin typeface="Arial" panose="020B0604020202020204" pitchFamily="34" charset="0"/>
-            </a:endParaRPr>
-          </a:p>
-        </p:txBody>
-      </p:sp>
-      <p:sp>
-        <p:nvSpPr>
-          <p:cNvPr id="53252" name="Rectangle 7"/>
-          <p:cNvSpPr>
-            <a:spLocks noGrp="true" noChangeArrowheads="true"/>
-          </p:cNvSpPr>
-          <p:nvPr>
-            <p:ph type="sldNum" sz="quarter" idx="5"/>
-          </p:nvPr>
-        </p:nvSpPr>
-        <p:spPr>
-          <a:noFill/>
-          <a:extLst>
-            <a:ext uri="{909E8E84-426E-40DD-AFC4-6F175D3DCCD1}">
-              <a14:hiddenFill xmlns:a14="http://schemas.microsoft.com/office/drawing/2010/main">
-                <a:solidFill>
-                  <a:srgbClr val="FFFFFF"/>
-                </a:solidFill>
-              </a14:hiddenFill>
-            </a:ext>
-            <a:ext uri="{91240B29-F687-4F45-9708-019B960494DF}">
-              <a14:hiddenLine xmlns:a14="http://schemas.microsoft.com/office/drawing/2010/main" w="9525">
-                <a:solidFill>
-                  <a:srgbClr val="000000"/>
-                </a:solidFill>
-                <a:miter lim="800000"/>
-                <a:headEnd/>
-                <a:tailEnd/>
-              </a14:hiddenLine>
-            </a:ext>
-          </a:extLst>
-        </p:spPr>
-        <p:txBody>
-          <a:bodyPr/>
-          <a:lstStyle>
-            <a:lvl1pPr>
-              <a:defRPr b="1">
-                <a:solidFill>
-                  <a:schemeClr val="tx1"/>
-                </a:solidFill>
-                <a:latin typeface="Verdana" panose="020B0604030504040204" pitchFamily="34" charset="0"/>
-              </a:defRPr>
-            </a:lvl1pPr>
-            <a:lvl2pPr marL="742950" indent="-285750">
-              <a:defRPr b="1">
-                <a:solidFill>
-                  <a:schemeClr val="tx1"/>
-                </a:solidFill>
-                <a:latin typeface="Verdana" panose="020B0604030504040204" pitchFamily="34" charset="0"/>
-              </a:defRPr>
-            </a:lvl2pPr>
-            <a:lvl3pPr marL="1143000" indent="-228600">
-              <a:defRPr b="1">
-                <a:solidFill>
-                  <a:schemeClr val="tx1"/>
-                </a:solidFill>
-                <a:latin typeface="Verdana" panose="020B0604030504040204" pitchFamily="34" charset="0"/>
-              </a:defRPr>
-            </a:lvl3pPr>
-            <a:lvl4pPr marL="1600200" indent="-228600">
-              <a:defRPr b="1">
-                <a:solidFill>
-                  <a:schemeClr val="tx1"/>
-                </a:solidFill>
-                <a:latin typeface="Verdana" panose="020B0604030504040204" pitchFamily="34" charset="0"/>
-              </a:defRPr>
-            </a:lvl4pPr>
-            <a:lvl5pPr marL="2057400" indent="-228600">
-              <a:defRPr b="1">
-                <a:solidFill>
-                  <a:schemeClr val="tx1"/>
-                </a:solidFill>
-                <a:latin typeface="Verdana" panose="020B0604030504040204" pitchFamily="34" charset="0"/>
-              </a:defRPr>
-            </a:lvl5pPr>
-            <a:lvl6pPr marL="2514600" indent="-228600" algn="ctr" eaLnBrk="0" fontAlgn="base" hangingPunct="0">
-              <a:spcBef>
-                <a:spcPct val="0"/>
-              </a:spcBef>
-              <a:spcAft>
-                <a:spcPct val="0"/>
-              </a:spcAft>
-              <a:defRPr b="1">
-                <a:solidFill>
-                  <a:schemeClr val="tx1"/>
-                </a:solidFill>
-                <a:latin typeface="Verdana" panose="020B0604030504040204" pitchFamily="34" charset="0"/>
-              </a:defRPr>
-            </a:lvl6pPr>
-            <a:lvl7pPr marL="2971800" indent="-228600" algn="ctr" eaLnBrk="0" fontAlgn="base" hangingPunct="0">
-              <a:spcBef>
-                <a:spcPct val="0"/>
-              </a:spcBef>
-              <a:spcAft>
-                <a:spcPct val="0"/>
-              </a:spcAft>
-              <a:defRPr b="1">
-                <a:solidFill>
-                  <a:schemeClr val="tx1"/>
-                </a:solidFill>
-                <a:latin typeface="Verdana" panose="020B0604030504040204" pitchFamily="34" charset="0"/>
-              </a:defRPr>
-            </a:lvl7pPr>
-            <a:lvl8pPr marL="3429000" indent="-228600" algn="ctr" eaLnBrk="0" fontAlgn="base" hangingPunct="0">
-              <a:spcBef>
-                <a:spcPct val="0"/>
-              </a:spcBef>
-              <a:spcAft>
-                <a:spcPct val="0"/>
-              </a:spcAft>
-              <a:defRPr b="1">
-                <a:solidFill>
-                  <a:schemeClr val="tx1"/>
-                </a:solidFill>
-                <a:latin typeface="Verdana" panose="020B0604030504040204" pitchFamily="34" charset="0"/>
-              </a:defRPr>
-            </a:lvl8pPr>
-            <a:lvl9pPr marL="3886200" indent="-228600" algn="ctr" eaLnBrk="0" fontAlgn="base" hangingPunct="0">
-              <a:spcBef>
-                <a:spcPct val="0"/>
-              </a:spcBef>
-              <a:spcAft>
-                <a:spcPct val="0"/>
-              </a:spcAft>
-              <a:defRPr b="1">
-                <a:solidFill>
-                  <a:schemeClr val="tx1"/>
-                </a:solidFill>
-                <a:latin typeface="Verdana" panose="020B0604030504040204" pitchFamily="34" charset="0"/>
-              </a:defRPr>
-            </a:lvl9pPr>
-          </a:lstStyle>
-          <a:p>
-            <a:fld id="{22CF148A-AF3A-4E0E-BED7-BEA6E66DA6F3}" type="slidenum">
-              <a:rPr lang="en-US" b="0">
-                <a:latin typeface="Arial" panose="020B0604020202020204" pitchFamily="34" charset="0"/>
-              </a:rPr>
-            </a:fld>
-            <a:endParaRPr lang="en-US" b="0">
-              <a:latin typeface="Arial" panose="020B0604020202020204" pitchFamily="34" charset="0"/>
-            </a:endParaRPr>
-          </a:p>
-        </p:txBody>
-      </p:sp>
-      <p:sp>
-        <p:nvSpPr>
-          <p:cNvPr id="53253" name="Rectangle 2"/>
-          <p:cNvSpPr>
-            <a:spLocks noGrp="true" noRot="true" noChangeAspect="true" noChangeArrowheads="true" noTextEdit="true"/>
-          </p:cNvSpPr>
-          <p:nvPr>
-            <p:ph type="sldImg"/>
-          </p:nvPr>
-        </p:nvSpPr>
-        <p:spPr/>
-      </p:sp>
-      <p:sp>
-        <p:nvSpPr>
-          <p:cNvPr id="53254" name="Rectangle 3"/>
-          <p:cNvSpPr>
-            <a:spLocks noGrp="true" noChangeArrowheads="true"/>
-          </p:cNvSpPr>
-          <p:nvPr>
-            <p:ph type="body" idx="1"/>
-          </p:nvPr>
-        </p:nvSpPr>
-        <p:spPr>
-          <a:noFill/>
-          <a:extLst>
-            <a:ext uri="{909E8E84-426E-40DD-AFC4-6F175D3DCCD1}">
-              <a14:hiddenFill xmlns:a14="http://schemas.microsoft.com/office/drawing/2010/main">
-                <a:solidFill>
-                  <a:srgbClr val="FFFFFF"/>
-                </a:solidFill>
-              </a14:hiddenFill>
-            </a:ext>
-            <a:ext uri="{91240B29-F687-4F45-9708-019B960494DF}">
-              <a14:hiddenLine xmlns:a14="http://schemas.microsoft.com/office/drawing/2010/main" w="9525">
-                <a:solidFill>
-                  <a:srgbClr val="000000"/>
-                </a:solidFill>
-                <a:miter lim="800000"/>
-                <a:headEnd/>
-                <a:tailEnd/>
-              </a14:hiddenLine>
-            </a:ext>
-          </a:extLst>
-        </p:spPr>
-        <p:txBody>
-          <a:bodyPr/>
-          <a:lstStyle/>
-          <a:p>
-            <a:pPr eaLnBrk="1" hangingPunct="1"/>
-            <a:endParaRPr lang="en-US">
-              <a:latin typeface="Arial" panose="020B0604020202020204" pitchFamily="34" charset="0"/>
-            </a:endParaRPr>
-          </a:p>
-        </p:txBody>
-      </p:sp>
-    </p:spTree>
-  </p:cSld>
-  <p:clrMapOvr>
-    <a:masterClrMapping/>
-  </p:clrMapOvr>
-</p:notes>
-</file>
-
-<file path=ppt/notesSlides/notesSlide12.xml><?xml version="1.0" encoding="utf-8"?>
-<p:notes xmlns:a="http://schemas.openxmlformats.org/drawingml/2006/main" xmlns:r="http://schemas.openxmlformats.org/officeDocument/2006/relationships" xmlns:p="http://schemas.openxmlformats.org/presentationml/2006/main">
-  <p:cSld>
-    <p:spTree>
-      <p:nvGrpSpPr>
-        <p:cNvPr id="1" name=""/>
-        <p:cNvGrpSpPr/>
-        <p:nvPr/>
-      </p:nvGrpSpPr>
-      <p:grpSpPr>
-        <a:xfrm>
-          <a:off x="0" y="0"/>
-          <a:ext cx="0" cy="0"/>
-          <a:chOff x="0" y="0"/>
-          <a:chExt cx="0" cy="0"/>
-        </a:xfrm>
-      </p:grpSpPr>
-      <p:sp>
-        <p:nvSpPr>
           <p:cNvPr id="54274" name="Rectangle 2"/>
           <p:cNvSpPr>
             <a:spLocks noGrp="true" noChangeArrowheads="true"/>
@@ -2260,7 +1212,7 @@
 </p:notes>
 </file>
 
-<file path=ppt/notesSlides/notesSlide13.xml><?xml version="1.0" encoding="utf-8"?>
+<file path=ppt/notesSlides/notesSlide11.xml><?xml version="1.0" encoding="utf-8"?>
 <p:notes xmlns:a="http://schemas.openxmlformats.org/drawingml/2006/main" xmlns:r="http://schemas.openxmlformats.org/officeDocument/2006/relationships" xmlns:p="http://schemas.openxmlformats.org/presentationml/2006/main">
   <p:cSld>
     <p:spTree>
@@ -2784,7 +1736,7 @@
 </p:notes>
 </file>
 
-<file path=ppt/notesSlides/notesSlide14.xml><?xml version="1.0" encoding="utf-8"?>
+<file path=ppt/notesSlides/notesSlide12.xml><?xml version="1.0" encoding="utf-8"?>
 <p:notes xmlns:a="http://schemas.openxmlformats.org/drawingml/2006/main" xmlns:r="http://schemas.openxmlformats.org/officeDocument/2006/relationships" xmlns:p="http://schemas.openxmlformats.org/presentationml/2006/main">
   <p:cSld>
     <p:spTree>
@@ -3308,7 +2260,7 @@
 </p:notes>
 </file>
 
-<file path=ppt/notesSlides/notesSlide15.xml><?xml version="1.0" encoding="utf-8"?>
+<file path=ppt/notesSlides/notesSlide13.xml><?xml version="1.0" encoding="utf-8"?>
 <p:notes xmlns:a="http://schemas.openxmlformats.org/drawingml/2006/main" xmlns:r="http://schemas.openxmlformats.org/officeDocument/2006/relationships" xmlns:p="http://schemas.openxmlformats.org/presentationml/2006/main">
   <p:cSld>
     <p:spTree>
@@ -3832,7 +2784,7 @@
 </p:notes>
 </file>
 
-<file path=ppt/notesSlides/notesSlide16.xml><?xml version="1.0" encoding="utf-8"?>
+<file path=ppt/notesSlides/notesSlide14.xml><?xml version="1.0" encoding="utf-8"?>
 <p:notes xmlns:a="http://schemas.openxmlformats.org/drawingml/2006/main" xmlns:r="http://schemas.openxmlformats.org/officeDocument/2006/relationships" xmlns:p="http://schemas.openxmlformats.org/presentationml/2006/main">
   <p:cSld>
     <p:spTree>
@@ -4352,7 +3304,7 @@
 </p:notes>
 </file>
 
-<file path=ppt/notesSlides/notesSlide17.xml><?xml version="1.0" encoding="utf-8"?>
+<file path=ppt/notesSlides/notesSlide15.xml><?xml version="1.0" encoding="utf-8"?>
 <p:notes xmlns:a="http://schemas.openxmlformats.org/drawingml/2006/main" xmlns:r="http://schemas.openxmlformats.org/officeDocument/2006/relationships" xmlns:p="http://schemas.openxmlformats.org/presentationml/2006/main">
   <p:cSld>
     <p:spTree>
@@ -4876,7 +3828,7 @@
 </p:notes>
 </file>
 
-<file path=ppt/notesSlides/notesSlide18.xml><?xml version="1.0" encoding="utf-8"?>
+<file path=ppt/notesSlides/notesSlide16.xml><?xml version="1.0" encoding="utf-8"?>
 <p:notes xmlns:a="http://schemas.openxmlformats.org/drawingml/2006/main" xmlns:r="http://schemas.openxmlformats.org/officeDocument/2006/relationships" xmlns:p="http://schemas.openxmlformats.org/presentationml/2006/main">
   <p:cSld>
     <p:spTree>
@@ -5400,7 +4352,7 @@
 </p:notes>
 </file>
 
-<file path=ppt/notesSlides/notesSlide19.xml><?xml version="1.0" encoding="utf-8"?>
+<file path=ppt/notesSlides/notesSlide17.xml><?xml version="1.0" encoding="utf-8"?>
 <p:notes xmlns:a="http://schemas.openxmlformats.org/drawingml/2006/main" xmlns:r="http://schemas.openxmlformats.org/officeDocument/2006/relationships" xmlns:p="http://schemas.openxmlformats.org/presentationml/2006/main">
   <p:cSld>
     <p:spTree>
@@ -5911,6 +4863,530 @@
           <a:p>
             <a:pPr eaLnBrk="1" hangingPunct="1"/>
             <a:endParaRPr lang="en-US" dirty="0">
+              <a:latin typeface="Arial" panose="020B0604020202020204" pitchFamily="34" charset="0"/>
+            </a:endParaRPr>
+          </a:p>
+        </p:txBody>
+      </p:sp>
+    </p:spTree>
+  </p:cSld>
+  <p:clrMapOvr>
+    <a:masterClrMapping/>
+  </p:clrMapOvr>
+</p:notes>
+</file>
+
+<file path=ppt/notesSlides/notesSlide18.xml><?xml version="1.0" encoding="utf-8"?>
+<p:notes xmlns:a="http://schemas.openxmlformats.org/drawingml/2006/main" xmlns:r="http://schemas.openxmlformats.org/officeDocument/2006/relationships" xmlns:p="http://schemas.openxmlformats.org/presentationml/2006/main">
+  <p:cSld>
+    <p:spTree>
+      <p:nvGrpSpPr>
+        <p:cNvPr id="1" name=""/>
+        <p:cNvGrpSpPr/>
+        <p:nvPr/>
+      </p:nvGrpSpPr>
+      <p:grpSpPr>
+        <a:xfrm>
+          <a:off x="0" y="0"/>
+          <a:ext cx="0" cy="0"/>
+          <a:chOff x="0" y="0"/>
+          <a:chExt cx="0" cy="0"/>
+        </a:xfrm>
+      </p:grpSpPr>
+      <p:sp>
+        <p:nvSpPr>
+          <p:cNvPr id="51202" name="Rectangle 2"/>
+          <p:cNvSpPr>
+            <a:spLocks noGrp="true" noChangeArrowheads="true"/>
+          </p:cNvSpPr>
+          <p:nvPr>
+            <p:ph type="hdr" sz="quarter"/>
+          </p:nvPr>
+        </p:nvSpPr>
+        <p:spPr>
+          <a:noFill/>
+          <a:extLst>
+            <a:ext uri="{909E8E84-426E-40DD-AFC4-6F175D3DCCD1}">
+              <a14:hiddenFill xmlns:a14="http://schemas.microsoft.com/office/drawing/2010/main">
+                <a:solidFill>
+                  <a:srgbClr val="FFFFFF"/>
+                </a:solidFill>
+              </a14:hiddenFill>
+            </a:ext>
+            <a:ext uri="{91240B29-F687-4F45-9708-019B960494DF}">
+              <a14:hiddenLine xmlns:a14="http://schemas.microsoft.com/office/drawing/2010/main" w="9525">
+                <a:solidFill>
+                  <a:srgbClr val="000000"/>
+                </a:solidFill>
+                <a:miter lim="800000"/>
+                <a:headEnd/>
+                <a:tailEnd/>
+              </a14:hiddenLine>
+            </a:ext>
+          </a:extLst>
+        </p:spPr>
+        <p:txBody>
+          <a:bodyPr/>
+          <a:lstStyle>
+            <a:lvl1pPr>
+              <a:defRPr b="1">
+                <a:solidFill>
+                  <a:schemeClr val="tx1"/>
+                </a:solidFill>
+                <a:latin typeface="Verdana" panose="020B0604030504040204" pitchFamily="34" charset="0"/>
+              </a:defRPr>
+            </a:lvl1pPr>
+            <a:lvl2pPr marL="742950" indent="-285750">
+              <a:defRPr b="1">
+                <a:solidFill>
+                  <a:schemeClr val="tx1"/>
+                </a:solidFill>
+                <a:latin typeface="Verdana" panose="020B0604030504040204" pitchFamily="34" charset="0"/>
+              </a:defRPr>
+            </a:lvl2pPr>
+            <a:lvl3pPr marL="1143000" indent="-228600">
+              <a:defRPr b="1">
+                <a:solidFill>
+                  <a:schemeClr val="tx1"/>
+                </a:solidFill>
+                <a:latin typeface="Verdana" panose="020B0604030504040204" pitchFamily="34" charset="0"/>
+              </a:defRPr>
+            </a:lvl3pPr>
+            <a:lvl4pPr marL="1600200" indent="-228600">
+              <a:defRPr b="1">
+                <a:solidFill>
+                  <a:schemeClr val="tx1"/>
+                </a:solidFill>
+                <a:latin typeface="Verdana" panose="020B0604030504040204" pitchFamily="34" charset="0"/>
+              </a:defRPr>
+            </a:lvl4pPr>
+            <a:lvl5pPr marL="2057400" indent="-228600">
+              <a:defRPr b="1">
+                <a:solidFill>
+                  <a:schemeClr val="tx1"/>
+                </a:solidFill>
+                <a:latin typeface="Verdana" panose="020B0604030504040204" pitchFamily="34" charset="0"/>
+              </a:defRPr>
+            </a:lvl5pPr>
+            <a:lvl6pPr marL="2514600" indent="-228600" algn="ctr" eaLnBrk="0" fontAlgn="base" hangingPunct="0">
+              <a:spcBef>
+                <a:spcPct val="0"/>
+              </a:spcBef>
+              <a:spcAft>
+                <a:spcPct val="0"/>
+              </a:spcAft>
+              <a:defRPr b="1">
+                <a:solidFill>
+                  <a:schemeClr val="tx1"/>
+                </a:solidFill>
+                <a:latin typeface="Verdana" panose="020B0604030504040204" pitchFamily="34" charset="0"/>
+              </a:defRPr>
+            </a:lvl6pPr>
+            <a:lvl7pPr marL="2971800" indent="-228600" algn="ctr" eaLnBrk="0" fontAlgn="base" hangingPunct="0">
+              <a:spcBef>
+                <a:spcPct val="0"/>
+              </a:spcBef>
+              <a:spcAft>
+                <a:spcPct val="0"/>
+              </a:spcAft>
+              <a:defRPr b="1">
+                <a:solidFill>
+                  <a:schemeClr val="tx1"/>
+                </a:solidFill>
+                <a:latin typeface="Verdana" panose="020B0604030504040204" pitchFamily="34" charset="0"/>
+              </a:defRPr>
+            </a:lvl7pPr>
+            <a:lvl8pPr marL="3429000" indent="-228600" algn="ctr" eaLnBrk="0" fontAlgn="base" hangingPunct="0">
+              <a:spcBef>
+                <a:spcPct val="0"/>
+              </a:spcBef>
+              <a:spcAft>
+                <a:spcPct val="0"/>
+              </a:spcAft>
+              <a:defRPr b="1">
+                <a:solidFill>
+                  <a:schemeClr val="tx1"/>
+                </a:solidFill>
+                <a:latin typeface="Verdana" panose="020B0604030504040204" pitchFamily="34" charset="0"/>
+              </a:defRPr>
+            </a:lvl8pPr>
+            <a:lvl9pPr marL="3886200" indent="-228600" algn="ctr" eaLnBrk="0" fontAlgn="base" hangingPunct="0">
+              <a:spcBef>
+                <a:spcPct val="0"/>
+              </a:spcBef>
+              <a:spcAft>
+                <a:spcPct val="0"/>
+              </a:spcAft>
+              <a:defRPr b="1">
+                <a:solidFill>
+                  <a:schemeClr val="tx1"/>
+                </a:solidFill>
+                <a:latin typeface="Verdana" panose="020B0604030504040204" pitchFamily="34" charset="0"/>
+              </a:defRPr>
+            </a:lvl9pPr>
+          </a:lstStyle>
+          <a:p>
+            <a:r>
+              <a:rPr lang="en-US">
+                <a:solidFill>
+                  <a:srgbClr val="336699"/>
+                </a:solidFill>
+                <a:latin typeface="Arial" panose="020B0604020202020204" pitchFamily="34" charset="0"/>
+              </a:rPr>
+              <a:t>Module 2: Introduction to Active Directory® Domain Services</a:t>
+            </a:r>
+            <a:endParaRPr lang="en-US">
+              <a:solidFill>
+                <a:srgbClr val="336699"/>
+              </a:solidFill>
+              <a:latin typeface="Arial" panose="020B0604020202020204" pitchFamily="34" charset="0"/>
+            </a:endParaRPr>
+          </a:p>
+        </p:txBody>
+      </p:sp>
+      <p:sp>
+        <p:nvSpPr>
+          <p:cNvPr id="51203" name="Rectangle 3"/>
+          <p:cNvSpPr>
+            <a:spLocks noGrp="true" noChangeArrowheads="true"/>
+          </p:cNvSpPr>
+          <p:nvPr>
+            <p:ph type="dt" sz="quarter" idx="1"/>
+          </p:nvPr>
+        </p:nvSpPr>
+        <p:spPr>
+          <a:noFill/>
+          <a:extLst>
+            <a:ext uri="{909E8E84-426E-40DD-AFC4-6F175D3DCCD1}">
+              <a14:hiddenFill xmlns:a14="http://schemas.microsoft.com/office/drawing/2010/main">
+                <a:solidFill>
+                  <a:srgbClr val="FFFFFF"/>
+                </a:solidFill>
+              </a14:hiddenFill>
+            </a:ext>
+            <a:ext uri="{91240B29-F687-4F45-9708-019B960494DF}">
+              <a14:hiddenLine xmlns:a14="http://schemas.microsoft.com/office/drawing/2010/main" w="9525">
+                <a:solidFill>
+                  <a:srgbClr val="000000"/>
+                </a:solidFill>
+                <a:miter lim="800000"/>
+                <a:headEnd/>
+                <a:tailEnd/>
+              </a14:hiddenLine>
+            </a:ext>
+          </a:extLst>
+        </p:spPr>
+        <p:txBody>
+          <a:bodyPr/>
+          <a:lstStyle>
+            <a:lvl1pPr>
+              <a:defRPr b="1">
+                <a:solidFill>
+                  <a:schemeClr val="tx1"/>
+                </a:solidFill>
+                <a:latin typeface="Verdana" panose="020B0604030504040204" pitchFamily="34" charset="0"/>
+              </a:defRPr>
+            </a:lvl1pPr>
+            <a:lvl2pPr marL="742950" indent="-285750">
+              <a:defRPr b="1">
+                <a:solidFill>
+                  <a:schemeClr val="tx1"/>
+                </a:solidFill>
+                <a:latin typeface="Verdana" panose="020B0604030504040204" pitchFamily="34" charset="0"/>
+              </a:defRPr>
+            </a:lvl2pPr>
+            <a:lvl3pPr marL="1143000" indent="-228600">
+              <a:defRPr b="1">
+                <a:solidFill>
+                  <a:schemeClr val="tx1"/>
+                </a:solidFill>
+                <a:latin typeface="Verdana" panose="020B0604030504040204" pitchFamily="34" charset="0"/>
+              </a:defRPr>
+            </a:lvl3pPr>
+            <a:lvl4pPr marL="1600200" indent="-228600">
+              <a:defRPr b="1">
+                <a:solidFill>
+                  <a:schemeClr val="tx1"/>
+                </a:solidFill>
+                <a:latin typeface="Verdana" panose="020B0604030504040204" pitchFamily="34" charset="0"/>
+              </a:defRPr>
+            </a:lvl4pPr>
+            <a:lvl5pPr marL="2057400" indent="-228600">
+              <a:defRPr b="1">
+                <a:solidFill>
+                  <a:schemeClr val="tx1"/>
+                </a:solidFill>
+                <a:latin typeface="Verdana" panose="020B0604030504040204" pitchFamily="34" charset="0"/>
+              </a:defRPr>
+            </a:lvl5pPr>
+            <a:lvl6pPr marL="2514600" indent="-228600" algn="ctr" eaLnBrk="0" fontAlgn="base" hangingPunct="0">
+              <a:spcBef>
+                <a:spcPct val="0"/>
+              </a:spcBef>
+              <a:spcAft>
+                <a:spcPct val="0"/>
+              </a:spcAft>
+              <a:defRPr b="1">
+                <a:solidFill>
+                  <a:schemeClr val="tx1"/>
+                </a:solidFill>
+                <a:latin typeface="Verdana" panose="020B0604030504040204" pitchFamily="34" charset="0"/>
+              </a:defRPr>
+            </a:lvl6pPr>
+            <a:lvl7pPr marL="2971800" indent="-228600" algn="ctr" eaLnBrk="0" fontAlgn="base" hangingPunct="0">
+              <a:spcBef>
+                <a:spcPct val="0"/>
+              </a:spcBef>
+              <a:spcAft>
+                <a:spcPct val="0"/>
+              </a:spcAft>
+              <a:defRPr b="1">
+                <a:solidFill>
+                  <a:schemeClr val="tx1"/>
+                </a:solidFill>
+                <a:latin typeface="Verdana" panose="020B0604030504040204" pitchFamily="34" charset="0"/>
+              </a:defRPr>
+            </a:lvl7pPr>
+            <a:lvl8pPr marL="3429000" indent="-228600" algn="ctr" eaLnBrk="0" fontAlgn="base" hangingPunct="0">
+              <a:spcBef>
+                <a:spcPct val="0"/>
+              </a:spcBef>
+              <a:spcAft>
+                <a:spcPct val="0"/>
+              </a:spcAft>
+              <a:defRPr b="1">
+                <a:solidFill>
+                  <a:schemeClr val="tx1"/>
+                </a:solidFill>
+                <a:latin typeface="Verdana" panose="020B0604030504040204" pitchFamily="34" charset="0"/>
+              </a:defRPr>
+            </a:lvl8pPr>
+            <a:lvl9pPr marL="3886200" indent="-228600" algn="ctr" eaLnBrk="0" fontAlgn="base" hangingPunct="0">
+              <a:spcBef>
+                <a:spcPct val="0"/>
+              </a:spcBef>
+              <a:spcAft>
+                <a:spcPct val="0"/>
+              </a:spcAft>
+              <a:defRPr b="1">
+                <a:solidFill>
+                  <a:schemeClr val="tx1"/>
+                </a:solidFill>
+                <a:latin typeface="Verdana" panose="020B0604030504040204" pitchFamily="34" charset="0"/>
+              </a:defRPr>
+            </a:lvl9pPr>
+          </a:lstStyle>
+          <a:p>
+            <a:r>
+              <a:rPr lang="en-US">
+                <a:latin typeface="Arial" panose="020B0604020202020204" pitchFamily="34" charset="0"/>
+              </a:rPr>
+              <a:t>Course 6424A</a:t>
+            </a:r>
+            <a:endParaRPr lang="en-US">
+              <a:latin typeface="Arial" panose="020B0604020202020204" pitchFamily="34" charset="0"/>
+            </a:endParaRPr>
+          </a:p>
+        </p:txBody>
+      </p:sp>
+      <p:sp>
+        <p:nvSpPr>
+          <p:cNvPr id="51204" name="Rectangle 7"/>
+          <p:cNvSpPr>
+            <a:spLocks noGrp="true" noChangeArrowheads="true"/>
+          </p:cNvSpPr>
+          <p:nvPr>
+            <p:ph type="sldNum" sz="quarter" idx="5"/>
+          </p:nvPr>
+        </p:nvSpPr>
+        <p:spPr>
+          <a:noFill/>
+          <a:extLst>
+            <a:ext uri="{909E8E84-426E-40DD-AFC4-6F175D3DCCD1}">
+              <a14:hiddenFill xmlns:a14="http://schemas.microsoft.com/office/drawing/2010/main">
+                <a:solidFill>
+                  <a:srgbClr val="FFFFFF"/>
+                </a:solidFill>
+              </a14:hiddenFill>
+            </a:ext>
+            <a:ext uri="{91240B29-F687-4F45-9708-019B960494DF}">
+              <a14:hiddenLine xmlns:a14="http://schemas.microsoft.com/office/drawing/2010/main" w="9525">
+                <a:solidFill>
+                  <a:srgbClr val="000000"/>
+                </a:solidFill>
+                <a:miter lim="800000"/>
+                <a:headEnd/>
+                <a:tailEnd/>
+              </a14:hiddenLine>
+            </a:ext>
+          </a:extLst>
+        </p:spPr>
+        <p:txBody>
+          <a:bodyPr/>
+          <a:lstStyle>
+            <a:lvl1pPr>
+              <a:defRPr b="1">
+                <a:solidFill>
+                  <a:schemeClr val="tx1"/>
+                </a:solidFill>
+                <a:latin typeface="Verdana" panose="020B0604030504040204" pitchFamily="34" charset="0"/>
+              </a:defRPr>
+            </a:lvl1pPr>
+            <a:lvl2pPr marL="742950" indent="-285750">
+              <a:defRPr b="1">
+                <a:solidFill>
+                  <a:schemeClr val="tx1"/>
+                </a:solidFill>
+                <a:latin typeface="Verdana" panose="020B0604030504040204" pitchFamily="34" charset="0"/>
+              </a:defRPr>
+            </a:lvl2pPr>
+            <a:lvl3pPr marL="1143000" indent="-228600">
+              <a:defRPr b="1">
+                <a:solidFill>
+                  <a:schemeClr val="tx1"/>
+                </a:solidFill>
+                <a:latin typeface="Verdana" panose="020B0604030504040204" pitchFamily="34" charset="0"/>
+              </a:defRPr>
+            </a:lvl3pPr>
+            <a:lvl4pPr marL="1600200" indent="-228600">
+              <a:defRPr b="1">
+                <a:solidFill>
+                  <a:schemeClr val="tx1"/>
+                </a:solidFill>
+                <a:latin typeface="Verdana" panose="020B0604030504040204" pitchFamily="34" charset="0"/>
+              </a:defRPr>
+            </a:lvl4pPr>
+            <a:lvl5pPr marL="2057400" indent="-228600">
+              <a:defRPr b="1">
+                <a:solidFill>
+                  <a:schemeClr val="tx1"/>
+                </a:solidFill>
+                <a:latin typeface="Verdana" panose="020B0604030504040204" pitchFamily="34" charset="0"/>
+              </a:defRPr>
+            </a:lvl5pPr>
+            <a:lvl6pPr marL="2514600" indent="-228600" algn="ctr" eaLnBrk="0" fontAlgn="base" hangingPunct="0">
+              <a:spcBef>
+                <a:spcPct val="0"/>
+              </a:spcBef>
+              <a:spcAft>
+                <a:spcPct val="0"/>
+              </a:spcAft>
+              <a:defRPr b="1">
+                <a:solidFill>
+                  <a:schemeClr val="tx1"/>
+                </a:solidFill>
+                <a:latin typeface="Verdana" panose="020B0604030504040204" pitchFamily="34" charset="0"/>
+              </a:defRPr>
+            </a:lvl6pPr>
+            <a:lvl7pPr marL="2971800" indent="-228600" algn="ctr" eaLnBrk="0" fontAlgn="base" hangingPunct="0">
+              <a:spcBef>
+                <a:spcPct val="0"/>
+              </a:spcBef>
+              <a:spcAft>
+                <a:spcPct val="0"/>
+              </a:spcAft>
+              <a:defRPr b="1">
+                <a:solidFill>
+                  <a:schemeClr val="tx1"/>
+                </a:solidFill>
+                <a:latin typeface="Verdana" panose="020B0604030504040204" pitchFamily="34" charset="0"/>
+              </a:defRPr>
+            </a:lvl7pPr>
+            <a:lvl8pPr marL="3429000" indent="-228600" algn="ctr" eaLnBrk="0" fontAlgn="base" hangingPunct="0">
+              <a:spcBef>
+                <a:spcPct val="0"/>
+              </a:spcBef>
+              <a:spcAft>
+                <a:spcPct val="0"/>
+              </a:spcAft>
+              <a:defRPr b="1">
+                <a:solidFill>
+                  <a:schemeClr val="tx1"/>
+                </a:solidFill>
+                <a:latin typeface="Verdana" panose="020B0604030504040204" pitchFamily="34" charset="0"/>
+              </a:defRPr>
+            </a:lvl8pPr>
+            <a:lvl9pPr marL="3886200" indent="-228600" algn="ctr" eaLnBrk="0" fontAlgn="base" hangingPunct="0">
+              <a:spcBef>
+                <a:spcPct val="0"/>
+              </a:spcBef>
+              <a:spcAft>
+                <a:spcPct val="0"/>
+              </a:spcAft>
+              <a:defRPr b="1">
+                <a:solidFill>
+                  <a:schemeClr val="tx1"/>
+                </a:solidFill>
+                <a:latin typeface="Verdana" panose="020B0604030504040204" pitchFamily="34" charset="0"/>
+              </a:defRPr>
+            </a:lvl9pPr>
+          </a:lstStyle>
+          <a:p>
+            <a:fld id="{98857A4A-99AB-4327-A025-105B372079EC}" type="slidenum">
+              <a:rPr lang="en-US" b="0">
+                <a:latin typeface="Arial" panose="020B0604020202020204" pitchFamily="34" charset="0"/>
+              </a:rPr>
+            </a:fld>
+            <a:endParaRPr lang="en-US" b="0">
+              <a:latin typeface="Arial" panose="020B0604020202020204" pitchFamily="34" charset="0"/>
+            </a:endParaRPr>
+          </a:p>
+        </p:txBody>
+      </p:sp>
+      <p:sp>
+        <p:nvSpPr>
+          <p:cNvPr id="51205" name="Rectangle 2"/>
+          <p:cNvSpPr>
+            <a:spLocks noGrp="true" noRot="true" noChangeAspect="true" noChangeArrowheads="true" noTextEdit="true"/>
+          </p:cNvSpPr>
+          <p:nvPr>
+            <p:ph type="sldImg"/>
+          </p:nvPr>
+        </p:nvSpPr>
+        <p:spPr/>
+      </p:sp>
+      <p:sp>
+        <p:nvSpPr>
+          <p:cNvPr id="51206" name="Rectangle 3"/>
+          <p:cNvSpPr>
+            <a:spLocks noGrp="true" noChangeArrowheads="true"/>
+          </p:cNvSpPr>
+          <p:nvPr>
+            <p:ph type="body" idx="1"/>
+          </p:nvPr>
+        </p:nvSpPr>
+        <p:spPr>
+          <a:xfrm>
+            <a:off x="314325" y="2230438"/>
+            <a:ext cx="6286500" cy="6797675"/>
+          </a:xfrm>
+          <a:noFill/>
+          <a:extLst>
+            <a:ext uri="{909E8E84-426E-40DD-AFC4-6F175D3DCCD1}">
+              <a14:hiddenFill xmlns:a14="http://schemas.microsoft.com/office/drawing/2010/main">
+                <a:solidFill>
+                  <a:srgbClr val="FFFFFF"/>
+                </a:solidFill>
+              </a14:hiddenFill>
+            </a:ext>
+            <a:ext uri="{91240B29-F687-4F45-9708-019B960494DF}">
+              <a14:hiddenLine xmlns:a14="http://schemas.microsoft.com/office/drawing/2010/main" w="9525">
+                <a:solidFill>
+                  <a:srgbClr val="000000"/>
+                </a:solidFill>
+                <a:miter lim="800000"/>
+                <a:headEnd/>
+                <a:tailEnd/>
+              </a14:hiddenLine>
+            </a:ext>
+          </a:extLst>
+        </p:spPr>
+        <p:txBody>
+          <a:bodyPr/>
+          <a:lstStyle/>
+          <a:p>
+            <a:pPr eaLnBrk="1" hangingPunct="1"/>
+            <a:endParaRPr lang="en-US" i="1" dirty="0">
               <a:latin typeface="Arial" panose="020B0604020202020204" pitchFamily="34" charset="0"/>
             </a:endParaRPr>
           </a:p>
@@ -6009,1578 +5485,6 @@
 </p:notes>
 </file>
 
-<file path=ppt/notesSlides/notesSlide20.xml><?xml version="1.0" encoding="utf-8"?>
-<p:notes xmlns:a="http://schemas.openxmlformats.org/drawingml/2006/main" xmlns:r="http://schemas.openxmlformats.org/officeDocument/2006/relationships" xmlns:p="http://schemas.openxmlformats.org/presentationml/2006/main">
-  <p:cSld>
-    <p:spTree>
-      <p:nvGrpSpPr>
-        <p:cNvPr id="1" name=""/>
-        <p:cNvGrpSpPr/>
-        <p:nvPr/>
-      </p:nvGrpSpPr>
-      <p:grpSpPr>
-        <a:xfrm>
-          <a:off x="0" y="0"/>
-          <a:ext cx="0" cy="0"/>
-          <a:chOff x="0" y="0"/>
-          <a:chExt cx="0" cy="0"/>
-        </a:xfrm>
-      </p:grpSpPr>
-      <p:sp>
-        <p:nvSpPr>
-          <p:cNvPr id="48130" name="Rectangle 2"/>
-          <p:cNvSpPr>
-            <a:spLocks noGrp="true" noChangeArrowheads="true"/>
-          </p:cNvSpPr>
-          <p:nvPr>
-            <p:ph type="hdr" sz="quarter"/>
-          </p:nvPr>
-        </p:nvSpPr>
-        <p:spPr>
-          <a:noFill/>
-          <a:extLst>
-            <a:ext uri="{909E8E84-426E-40DD-AFC4-6F175D3DCCD1}">
-              <a14:hiddenFill xmlns:a14="http://schemas.microsoft.com/office/drawing/2010/main">
-                <a:solidFill>
-                  <a:srgbClr val="FFFFFF"/>
-                </a:solidFill>
-              </a14:hiddenFill>
-            </a:ext>
-            <a:ext uri="{91240B29-F687-4F45-9708-019B960494DF}">
-              <a14:hiddenLine xmlns:a14="http://schemas.microsoft.com/office/drawing/2010/main" w="9525">
-                <a:solidFill>
-                  <a:srgbClr val="000000"/>
-                </a:solidFill>
-                <a:miter lim="800000"/>
-                <a:headEnd/>
-                <a:tailEnd/>
-              </a14:hiddenLine>
-            </a:ext>
-          </a:extLst>
-        </p:spPr>
-        <p:txBody>
-          <a:bodyPr/>
-          <a:lstStyle>
-            <a:lvl1pPr>
-              <a:defRPr b="1">
-                <a:solidFill>
-                  <a:schemeClr val="tx1"/>
-                </a:solidFill>
-                <a:latin typeface="Verdana" panose="020B0604030504040204" pitchFamily="34" charset="0"/>
-              </a:defRPr>
-            </a:lvl1pPr>
-            <a:lvl2pPr marL="742950" indent="-285750">
-              <a:defRPr b="1">
-                <a:solidFill>
-                  <a:schemeClr val="tx1"/>
-                </a:solidFill>
-                <a:latin typeface="Verdana" panose="020B0604030504040204" pitchFamily="34" charset="0"/>
-              </a:defRPr>
-            </a:lvl2pPr>
-            <a:lvl3pPr marL="1143000" indent="-228600">
-              <a:defRPr b="1">
-                <a:solidFill>
-                  <a:schemeClr val="tx1"/>
-                </a:solidFill>
-                <a:latin typeface="Verdana" panose="020B0604030504040204" pitchFamily="34" charset="0"/>
-              </a:defRPr>
-            </a:lvl3pPr>
-            <a:lvl4pPr marL="1600200" indent="-228600">
-              <a:defRPr b="1">
-                <a:solidFill>
-                  <a:schemeClr val="tx1"/>
-                </a:solidFill>
-                <a:latin typeface="Verdana" panose="020B0604030504040204" pitchFamily="34" charset="0"/>
-              </a:defRPr>
-            </a:lvl4pPr>
-            <a:lvl5pPr marL="2057400" indent="-228600">
-              <a:defRPr b="1">
-                <a:solidFill>
-                  <a:schemeClr val="tx1"/>
-                </a:solidFill>
-                <a:latin typeface="Verdana" panose="020B0604030504040204" pitchFamily="34" charset="0"/>
-              </a:defRPr>
-            </a:lvl5pPr>
-            <a:lvl6pPr marL="2514600" indent="-228600" algn="ctr" eaLnBrk="0" fontAlgn="base" hangingPunct="0">
-              <a:spcBef>
-                <a:spcPct val="0"/>
-              </a:spcBef>
-              <a:spcAft>
-                <a:spcPct val="0"/>
-              </a:spcAft>
-              <a:defRPr b="1">
-                <a:solidFill>
-                  <a:schemeClr val="tx1"/>
-                </a:solidFill>
-                <a:latin typeface="Verdana" panose="020B0604030504040204" pitchFamily="34" charset="0"/>
-              </a:defRPr>
-            </a:lvl6pPr>
-            <a:lvl7pPr marL="2971800" indent="-228600" algn="ctr" eaLnBrk="0" fontAlgn="base" hangingPunct="0">
-              <a:spcBef>
-                <a:spcPct val="0"/>
-              </a:spcBef>
-              <a:spcAft>
-                <a:spcPct val="0"/>
-              </a:spcAft>
-              <a:defRPr b="1">
-                <a:solidFill>
-                  <a:schemeClr val="tx1"/>
-                </a:solidFill>
-                <a:latin typeface="Verdana" panose="020B0604030504040204" pitchFamily="34" charset="0"/>
-              </a:defRPr>
-            </a:lvl7pPr>
-            <a:lvl8pPr marL="3429000" indent="-228600" algn="ctr" eaLnBrk="0" fontAlgn="base" hangingPunct="0">
-              <a:spcBef>
-                <a:spcPct val="0"/>
-              </a:spcBef>
-              <a:spcAft>
-                <a:spcPct val="0"/>
-              </a:spcAft>
-              <a:defRPr b="1">
-                <a:solidFill>
-                  <a:schemeClr val="tx1"/>
-                </a:solidFill>
-                <a:latin typeface="Verdana" panose="020B0604030504040204" pitchFamily="34" charset="0"/>
-              </a:defRPr>
-            </a:lvl8pPr>
-            <a:lvl9pPr marL="3886200" indent="-228600" algn="ctr" eaLnBrk="0" fontAlgn="base" hangingPunct="0">
-              <a:spcBef>
-                <a:spcPct val="0"/>
-              </a:spcBef>
-              <a:spcAft>
-                <a:spcPct val="0"/>
-              </a:spcAft>
-              <a:defRPr b="1">
-                <a:solidFill>
-                  <a:schemeClr val="tx1"/>
-                </a:solidFill>
-                <a:latin typeface="Verdana" panose="020B0604030504040204" pitchFamily="34" charset="0"/>
-              </a:defRPr>
-            </a:lvl9pPr>
-          </a:lstStyle>
-          <a:p>
-            <a:r>
-              <a:rPr lang="en-US">
-                <a:solidFill>
-                  <a:srgbClr val="336699"/>
-                </a:solidFill>
-                <a:latin typeface="Arial" panose="020B0604020202020204" pitchFamily="34" charset="0"/>
-              </a:rPr>
-              <a:t>Module 2: Introduction to Active Directory® Domain Services</a:t>
-            </a:r>
-            <a:endParaRPr lang="en-US">
-              <a:solidFill>
-                <a:srgbClr val="336699"/>
-              </a:solidFill>
-              <a:latin typeface="Arial" panose="020B0604020202020204" pitchFamily="34" charset="0"/>
-            </a:endParaRPr>
-          </a:p>
-        </p:txBody>
-      </p:sp>
-      <p:sp>
-        <p:nvSpPr>
-          <p:cNvPr id="48131" name="Rectangle 3"/>
-          <p:cNvSpPr>
-            <a:spLocks noGrp="true" noChangeArrowheads="true"/>
-          </p:cNvSpPr>
-          <p:nvPr>
-            <p:ph type="dt" sz="quarter" idx="1"/>
-          </p:nvPr>
-        </p:nvSpPr>
-        <p:spPr>
-          <a:noFill/>
-          <a:extLst>
-            <a:ext uri="{909E8E84-426E-40DD-AFC4-6F175D3DCCD1}">
-              <a14:hiddenFill xmlns:a14="http://schemas.microsoft.com/office/drawing/2010/main">
-                <a:solidFill>
-                  <a:srgbClr val="FFFFFF"/>
-                </a:solidFill>
-              </a14:hiddenFill>
-            </a:ext>
-            <a:ext uri="{91240B29-F687-4F45-9708-019B960494DF}">
-              <a14:hiddenLine xmlns:a14="http://schemas.microsoft.com/office/drawing/2010/main" w="9525">
-                <a:solidFill>
-                  <a:srgbClr val="000000"/>
-                </a:solidFill>
-                <a:miter lim="800000"/>
-                <a:headEnd/>
-                <a:tailEnd/>
-              </a14:hiddenLine>
-            </a:ext>
-          </a:extLst>
-        </p:spPr>
-        <p:txBody>
-          <a:bodyPr/>
-          <a:lstStyle>
-            <a:lvl1pPr>
-              <a:defRPr b="1">
-                <a:solidFill>
-                  <a:schemeClr val="tx1"/>
-                </a:solidFill>
-                <a:latin typeface="Verdana" panose="020B0604030504040204" pitchFamily="34" charset="0"/>
-              </a:defRPr>
-            </a:lvl1pPr>
-            <a:lvl2pPr marL="742950" indent="-285750">
-              <a:defRPr b="1">
-                <a:solidFill>
-                  <a:schemeClr val="tx1"/>
-                </a:solidFill>
-                <a:latin typeface="Verdana" panose="020B0604030504040204" pitchFamily="34" charset="0"/>
-              </a:defRPr>
-            </a:lvl2pPr>
-            <a:lvl3pPr marL="1143000" indent="-228600">
-              <a:defRPr b="1">
-                <a:solidFill>
-                  <a:schemeClr val="tx1"/>
-                </a:solidFill>
-                <a:latin typeface="Verdana" panose="020B0604030504040204" pitchFamily="34" charset="0"/>
-              </a:defRPr>
-            </a:lvl3pPr>
-            <a:lvl4pPr marL="1600200" indent="-228600">
-              <a:defRPr b="1">
-                <a:solidFill>
-                  <a:schemeClr val="tx1"/>
-                </a:solidFill>
-                <a:latin typeface="Verdana" panose="020B0604030504040204" pitchFamily="34" charset="0"/>
-              </a:defRPr>
-            </a:lvl4pPr>
-            <a:lvl5pPr marL="2057400" indent="-228600">
-              <a:defRPr b="1">
-                <a:solidFill>
-                  <a:schemeClr val="tx1"/>
-                </a:solidFill>
-                <a:latin typeface="Verdana" panose="020B0604030504040204" pitchFamily="34" charset="0"/>
-              </a:defRPr>
-            </a:lvl5pPr>
-            <a:lvl6pPr marL="2514600" indent="-228600" algn="ctr" eaLnBrk="0" fontAlgn="base" hangingPunct="0">
-              <a:spcBef>
-                <a:spcPct val="0"/>
-              </a:spcBef>
-              <a:spcAft>
-                <a:spcPct val="0"/>
-              </a:spcAft>
-              <a:defRPr b="1">
-                <a:solidFill>
-                  <a:schemeClr val="tx1"/>
-                </a:solidFill>
-                <a:latin typeface="Verdana" panose="020B0604030504040204" pitchFamily="34" charset="0"/>
-              </a:defRPr>
-            </a:lvl6pPr>
-            <a:lvl7pPr marL="2971800" indent="-228600" algn="ctr" eaLnBrk="0" fontAlgn="base" hangingPunct="0">
-              <a:spcBef>
-                <a:spcPct val="0"/>
-              </a:spcBef>
-              <a:spcAft>
-                <a:spcPct val="0"/>
-              </a:spcAft>
-              <a:defRPr b="1">
-                <a:solidFill>
-                  <a:schemeClr val="tx1"/>
-                </a:solidFill>
-                <a:latin typeface="Verdana" panose="020B0604030504040204" pitchFamily="34" charset="0"/>
-              </a:defRPr>
-            </a:lvl7pPr>
-            <a:lvl8pPr marL="3429000" indent="-228600" algn="ctr" eaLnBrk="0" fontAlgn="base" hangingPunct="0">
-              <a:spcBef>
-                <a:spcPct val="0"/>
-              </a:spcBef>
-              <a:spcAft>
-                <a:spcPct val="0"/>
-              </a:spcAft>
-              <a:defRPr b="1">
-                <a:solidFill>
-                  <a:schemeClr val="tx1"/>
-                </a:solidFill>
-                <a:latin typeface="Verdana" panose="020B0604030504040204" pitchFamily="34" charset="0"/>
-              </a:defRPr>
-            </a:lvl8pPr>
-            <a:lvl9pPr marL="3886200" indent="-228600" algn="ctr" eaLnBrk="0" fontAlgn="base" hangingPunct="0">
-              <a:spcBef>
-                <a:spcPct val="0"/>
-              </a:spcBef>
-              <a:spcAft>
-                <a:spcPct val="0"/>
-              </a:spcAft>
-              <a:defRPr b="1">
-                <a:solidFill>
-                  <a:schemeClr val="tx1"/>
-                </a:solidFill>
-                <a:latin typeface="Verdana" panose="020B0604030504040204" pitchFamily="34" charset="0"/>
-              </a:defRPr>
-            </a:lvl9pPr>
-          </a:lstStyle>
-          <a:p>
-            <a:r>
-              <a:rPr lang="en-US">
-                <a:latin typeface="Arial" panose="020B0604020202020204" pitchFamily="34" charset="0"/>
-              </a:rPr>
-              <a:t>Course 6424A</a:t>
-            </a:r>
-            <a:endParaRPr lang="en-US">
-              <a:latin typeface="Arial" panose="020B0604020202020204" pitchFamily="34" charset="0"/>
-            </a:endParaRPr>
-          </a:p>
-        </p:txBody>
-      </p:sp>
-      <p:sp>
-        <p:nvSpPr>
-          <p:cNvPr id="48132" name="Rectangle 7"/>
-          <p:cNvSpPr>
-            <a:spLocks noGrp="true" noChangeArrowheads="true"/>
-          </p:cNvSpPr>
-          <p:nvPr>
-            <p:ph type="sldNum" sz="quarter" idx="5"/>
-          </p:nvPr>
-        </p:nvSpPr>
-        <p:spPr>
-          <a:noFill/>
-          <a:extLst>
-            <a:ext uri="{909E8E84-426E-40DD-AFC4-6F175D3DCCD1}">
-              <a14:hiddenFill xmlns:a14="http://schemas.microsoft.com/office/drawing/2010/main">
-                <a:solidFill>
-                  <a:srgbClr val="FFFFFF"/>
-                </a:solidFill>
-              </a14:hiddenFill>
-            </a:ext>
-            <a:ext uri="{91240B29-F687-4F45-9708-019B960494DF}">
-              <a14:hiddenLine xmlns:a14="http://schemas.microsoft.com/office/drawing/2010/main" w="9525">
-                <a:solidFill>
-                  <a:srgbClr val="000000"/>
-                </a:solidFill>
-                <a:miter lim="800000"/>
-                <a:headEnd/>
-                <a:tailEnd/>
-              </a14:hiddenLine>
-            </a:ext>
-          </a:extLst>
-        </p:spPr>
-        <p:txBody>
-          <a:bodyPr/>
-          <a:lstStyle>
-            <a:lvl1pPr>
-              <a:defRPr b="1">
-                <a:solidFill>
-                  <a:schemeClr val="tx1"/>
-                </a:solidFill>
-                <a:latin typeface="Verdana" panose="020B0604030504040204" pitchFamily="34" charset="0"/>
-              </a:defRPr>
-            </a:lvl1pPr>
-            <a:lvl2pPr marL="742950" indent="-285750">
-              <a:defRPr b="1">
-                <a:solidFill>
-                  <a:schemeClr val="tx1"/>
-                </a:solidFill>
-                <a:latin typeface="Verdana" panose="020B0604030504040204" pitchFamily="34" charset="0"/>
-              </a:defRPr>
-            </a:lvl2pPr>
-            <a:lvl3pPr marL="1143000" indent="-228600">
-              <a:defRPr b="1">
-                <a:solidFill>
-                  <a:schemeClr val="tx1"/>
-                </a:solidFill>
-                <a:latin typeface="Verdana" panose="020B0604030504040204" pitchFamily="34" charset="0"/>
-              </a:defRPr>
-            </a:lvl3pPr>
-            <a:lvl4pPr marL="1600200" indent="-228600">
-              <a:defRPr b="1">
-                <a:solidFill>
-                  <a:schemeClr val="tx1"/>
-                </a:solidFill>
-                <a:latin typeface="Verdana" panose="020B0604030504040204" pitchFamily="34" charset="0"/>
-              </a:defRPr>
-            </a:lvl4pPr>
-            <a:lvl5pPr marL="2057400" indent="-228600">
-              <a:defRPr b="1">
-                <a:solidFill>
-                  <a:schemeClr val="tx1"/>
-                </a:solidFill>
-                <a:latin typeface="Verdana" panose="020B0604030504040204" pitchFamily="34" charset="0"/>
-              </a:defRPr>
-            </a:lvl5pPr>
-            <a:lvl6pPr marL="2514600" indent="-228600" algn="ctr" eaLnBrk="0" fontAlgn="base" hangingPunct="0">
-              <a:spcBef>
-                <a:spcPct val="0"/>
-              </a:spcBef>
-              <a:spcAft>
-                <a:spcPct val="0"/>
-              </a:spcAft>
-              <a:defRPr b="1">
-                <a:solidFill>
-                  <a:schemeClr val="tx1"/>
-                </a:solidFill>
-                <a:latin typeface="Verdana" panose="020B0604030504040204" pitchFamily="34" charset="0"/>
-              </a:defRPr>
-            </a:lvl6pPr>
-            <a:lvl7pPr marL="2971800" indent="-228600" algn="ctr" eaLnBrk="0" fontAlgn="base" hangingPunct="0">
-              <a:spcBef>
-                <a:spcPct val="0"/>
-              </a:spcBef>
-              <a:spcAft>
-                <a:spcPct val="0"/>
-              </a:spcAft>
-              <a:defRPr b="1">
-                <a:solidFill>
-                  <a:schemeClr val="tx1"/>
-                </a:solidFill>
-                <a:latin typeface="Verdana" panose="020B0604030504040204" pitchFamily="34" charset="0"/>
-              </a:defRPr>
-            </a:lvl7pPr>
-            <a:lvl8pPr marL="3429000" indent="-228600" algn="ctr" eaLnBrk="0" fontAlgn="base" hangingPunct="0">
-              <a:spcBef>
-                <a:spcPct val="0"/>
-              </a:spcBef>
-              <a:spcAft>
-                <a:spcPct val="0"/>
-              </a:spcAft>
-              <a:defRPr b="1">
-                <a:solidFill>
-                  <a:schemeClr val="tx1"/>
-                </a:solidFill>
-                <a:latin typeface="Verdana" panose="020B0604030504040204" pitchFamily="34" charset="0"/>
-              </a:defRPr>
-            </a:lvl8pPr>
-            <a:lvl9pPr marL="3886200" indent="-228600" algn="ctr" eaLnBrk="0" fontAlgn="base" hangingPunct="0">
-              <a:spcBef>
-                <a:spcPct val="0"/>
-              </a:spcBef>
-              <a:spcAft>
-                <a:spcPct val="0"/>
-              </a:spcAft>
-              <a:defRPr b="1">
-                <a:solidFill>
-                  <a:schemeClr val="tx1"/>
-                </a:solidFill>
-                <a:latin typeface="Verdana" panose="020B0604030504040204" pitchFamily="34" charset="0"/>
-              </a:defRPr>
-            </a:lvl9pPr>
-          </a:lstStyle>
-          <a:p>
-            <a:fld id="{AC09600A-78B9-415E-9730-67A896F23237}" type="slidenum">
-              <a:rPr lang="en-US" b="0">
-                <a:latin typeface="Arial" panose="020B0604020202020204" pitchFamily="34" charset="0"/>
-              </a:rPr>
-            </a:fld>
-            <a:endParaRPr lang="en-US" b="0">
-              <a:latin typeface="Arial" panose="020B0604020202020204" pitchFamily="34" charset="0"/>
-            </a:endParaRPr>
-          </a:p>
-        </p:txBody>
-      </p:sp>
-      <p:sp>
-        <p:nvSpPr>
-          <p:cNvPr id="48133" name="Rectangle 2"/>
-          <p:cNvSpPr>
-            <a:spLocks noGrp="true" noRot="true" noChangeAspect="true" noChangeArrowheads="true" noTextEdit="true"/>
-          </p:cNvSpPr>
-          <p:nvPr>
-            <p:ph type="sldImg"/>
-          </p:nvPr>
-        </p:nvSpPr>
-        <p:spPr/>
-      </p:sp>
-      <p:sp>
-        <p:nvSpPr>
-          <p:cNvPr id="48134" name="Rectangle 3"/>
-          <p:cNvSpPr>
-            <a:spLocks noGrp="true" noChangeArrowheads="true"/>
-          </p:cNvSpPr>
-          <p:nvPr>
-            <p:ph type="body" idx="1"/>
-          </p:nvPr>
-        </p:nvSpPr>
-        <p:spPr>
-          <a:xfrm>
-            <a:off x="314325" y="2230438"/>
-            <a:ext cx="6286500" cy="6797675"/>
-          </a:xfrm>
-          <a:noFill/>
-          <a:extLst>
-            <a:ext uri="{909E8E84-426E-40DD-AFC4-6F175D3DCCD1}">
-              <a14:hiddenFill xmlns:a14="http://schemas.microsoft.com/office/drawing/2010/main">
-                <a:solidFill>
-                  <a:srgbClr val="FFFFFF"/>
-                </a:solidFill>
-              </a14:hiddenFill>
-            </a:ext>
-            <a:ext uri="{91240B29-F687-4F45-9708-019B960494DF}">
-              <a14:hiddenLine xmlns:a14="http://schemas.microsoft.com/office/drawing/2010/main" w="9525">
-                <a:solidFill>
-                  <a:srgbClr val="000000"/>
-                </a:solidFill>
-                <a:miter lim="800000"/>
-                <a:headEnd/>
-                <a:tailEnd/>
-              </a14:hiddenLine>
-            </a:ext>
-          </a:extLst>
-        </p:spPr>
-        <p:txBody>
-          <a:bodyPr/>
-          <a:lstStyle/>
-          <a:p>
-            <a:pPr eaLnBrk="1" hangingPunct="1"/>
-            <a:endParaRPr lang="en-US" dirty="0">
-              <a:latin typeface="Arial" panose="020B0604020202020204" pitchFamily="34" charset="0"/>
-            </a:endParaRPr>
-          </a:p>
-        </p:txBody>
-      </p:sp>
-    </p:spTree>
-  </p:cSld>
-  <p:clrMapOvr>
-    <a:masterClrMapping/>
-  </p:clrMapOvr>
-</p:notes>
-</file>
-
-<file path=ppt/notesSlides/notesSlide21.xml><?xml version="1.0" encoding="utf-8"?>
-<p:notes xmlns:a="http://schemas.openxmlformats.org/drawingml/2006/main" xmlns:r="http://schemas.openxmlformats.org/officeDocument/2006/relationships" xmlns:p="http://schemas.openxmlformats.org/presentationml/2006/main">
-  <p:cSld>
-    <p:spTree>
-      <p:nvGrpSpPr>
-        <p:cNvPr id="1" name=""/>
-        <p:cNvGrpSpPr/>
-        <p:nvPr/>
-      </p:nvGrpSpPr>
-      <p:grpSpPr>
-        <a:xfrm>
-          <a:off x="0" y="0"/>
-          <a:ext cx="0" cy="0"/>
-          <a:chOff x="0" y="0"/>
-          <a:chExt cx="0" cy="0"/>
-        </a:xfrm>
-      </p:grpSpPr>
-      <p:sp>
-        <p:nvSpPr>
-          <p:cNvPr id="49154" name="Rectangle 2"/>
-          <p:cNvSpPr>
-            <a:spLocks noGrp="true" noChangeArrowheads="true"/>
-          </p:cNvSpPr>
-          <p:nvPr>
-            <p:ph type="hdr" sz="quarter"/>
-          </p:nvPr>
-        </p:nvSpPr>
-        <p:spPr>
-          <a:noFill/>
-          <a:extLst>
-            <a:ext uri="{909E8E84-426E-40DD-AFC4-6F175D3DCCD1}">
-              <a14:hiddenFill xmlns:a14="http://schemas.microsoft.com/office/drawing/2010/main">
-                <a:solidFill>
-                  <a:srgbClr val="FFFFFF"/>
-                </a:solidFill>
-              </a14:hiddenFill>
-            </a:ext>
-            <a:ext uri="{91240B29-F687-4F45-9708-019B960494DF}">
-              <a14:hiddenLine xmlns:a14="http://schemas.microsoft.com/office/drawing/2010/main" w="9525">
-                <a:solidFill>
-                  <a:srgbClr val="000000"/>
-                </a:solidFill>
-                <a:miter lim="800000"/>
-                <a:headEnd/>
-                <a:tailEnd/>
-              </a14:hiddenLine>
-            </a:ext>
-          </a:extLst>
-        </p:spPr>
-        <p:txBody>
-          <a:bodyPr/>
-          <a:lstStyle>
-            <a:lvl1pPr>
-              <a:defRPr b="1">
-                <a:solidFill>
-                  <a:schemeClr val="tx1"/>
-                </a:solidFill>
-                <a:latin typeface="Verdana" panose="020B0604030504040204" pitchFamily="34" charset="0"/>
-              </a:defRPr>
-            </a:lvl1pPr>
-            <a:lvl2pPr marL="742950" indent="-285750">
-              <a:defRPr b="1">
-                <a:solidFill>
-                  <a:schemeClr val="tx1"/>
-                </a:solidFill>
-                <a:latin typeface="Verdana" panose="020B0604030504040204" pitchFamily="34" charset="0"/>
-              </a:defRPr>
-            </a:lvl2pPr>
-            <a:lvl3pPr marL="1143000" indent="-228600">
-              <a:defRPr b="1">
-                <a:solidFill>
-                  <a:schemeClr val="tx1"/>
-                </a:solidFill>
-                <a:latin typeface="Verdana" panose="020B0604030504040204" pitchFamily="34" charset="0"/>
-              </a:defRPr>
-            </a:lvl3pPr>
-            <a:lvl4pPr marL="1600200" indent="-228600">
-              <a:defRPr b="1">
-                <a:solidFill>
-                  <a:schemeClr val="tx1"/>
-                </a:solidFill>
-                <a:latin typeface="Verdana" panose="020B0604030504040204" pitchFamily="34" charset="0"/>
-              </a:defRPr>
-            </a:lvl4pPr>
-            <a:lvl5pPr marL="2057400" indent="-228600">
-              <a:defRPr b="1">
-                <a:solidFill>
-                  <a:schemeClr val="tx1"/>
-                </a:solidFill>
-                <a:latin typeface="Verdana" panose="020B0604030504040204" pitchFamily="34" charset="0"/>
-              </a:defRPr>
-            </a:lvl5pPr>
-            <a:lvl6pPr marL="2514600" indent="-228600" algn="ctr" eaLnBrk="0" fontAlgn="base" hangingPunct="0">
-              <a:spcBef>
-                <a:spcPct val="0"/>
-              </a:spcBef>
-              <a:spcAft>
-                <a:spcPct val="0"/>
-              </a:spcAft>
-              <a:defRPr b="1">
-                <a:solidFill>
-                  <a:schemeClr val="tx1"/>
-                </a:solidFill>
-                <a:latin typeface="Verdana" panose="020B0604030504040204" pitchFamily="34" charset="0"/>
-              </a:defRPr>
-            </a:lvl6pPr>
-            <a:lvl7pPr marL="2971800" indent="-228600" algn="ctr" eaLnBrk="0" fontAlgn="base" hangingPunct="0">
-              <a:spcBef>
-                <a:spcPct val="0"/>
-              </a:spcBef>
-              <a:spcAft>
-                <a:spcPct val="0"/>
-              </a:spcAft>
-              <a:defRPr b="1">
-                <a:solidFill>
-                  <a:schemeClr val="tx1"/>
-                </a:solidFill>
-                <a:latin typeface="Verdana" panose="020B0604030504040204" pitchFamily="34" charset="0"/>
-              </a:defRPr>
-            </a:lvl7pPr>
-            <a:lvl8pPr marL="3429000" indent="-228600" algn="ctr" eaLnBrk="0" fontAlgn="base" hangingPunct="0">
-              <a:spcBef>
-                <a:spcPct val="0"/>
-              </a:spcBef>
-              <a:spcAft>
-                <a:spcPct val="0"/>
-              </a:spcAft>
-              <a:defRPr b="1">
-                <a:solidFill>
-                  <a:schemeClr val="tx1"/>
-                </a:solidFill>
-                <a:latin typeface="Verdana" panose="020B0604030504040204" pitchFamily="34" charset="0"/>
-              </a:defRPr>
-            </a:lvl8pPr>
-            <a:lvl9pPr marL="3886200" indent="-228600" algn="ctr" eaLnBrk="0" fontAlgn="base" hangingPunct="0">
-              <a:spcBef>
-                <a:spcPct val="0"/>
-              </a:spcBef>
-              <a:spcAft>
-                <a:spcPct val="0"/>
-              </a:spcAft>
-              <a:defRPr b="1">
-                <a:solidFill>
-                  <a:schemeClr val="tx1"/>
-                </a:solidFill>
-                <a:latin typeface="Verdana" panose="020B0604030504040204" pitchFamily="34" charset="0"/>
-              </a:defRPr>
-            </a:lvl9pPr>
-          </a:lstStyle>
-          <a:p>
-            <a:r>
-              <a:rPr lang="en-US">
-                <a:solidFill>
-                  <a:srgbClr val="336699"/>
-                </a:solidFill>
-                <a:latin typeface="Arial" panose="020B0604020202020204" pitchFamily="34" charset="0"/>
-              </a:rPr>
-              <a:t>Module 2: Introduction to Active Directory® Domain Services</a:t>
-            </a:r>
-            <a:endParaRPr lang="en-US">
-              <a:solidFill>
-                <a:srgbClr val="336699"/>
-              </a:solidFill>
-              <a:latin typeface="Arial" panose="020B0604020202020204" pitchFamily="34" charset="0"/>
-            </a:endParaRPr>
-          </a:p>
-        </p:txBody>
-      </p:sp>
-      <p:sp>
-        <p:nvSpPr>
-          <p:cNvPr id="49155" name="Rectangle 3"/>
-          <p:cNvSpPr>
-            <a:spLocks noGrp="true" noChangeArrowheads="true"/>
-          </p:cNvSpPr>
-          <p:nvPr>
-            <p:ph type="dt" sz="quarter" idx="1"/>
-          </p:nvPr>
-        </p:nvSpPr>
-        <p:spPr>
-          <a:noFill/>
-          <a:extLst>
-            <a:ext uri="{909E8E84-426E-40DD-AFC4-6F175D3DCCD1}">
-              <a14:hiddenFill xmlns:a14="http://schemas.microsoft.com/office/drawing/2010/main">
-                <a:solidFill>
-                  <a:srgbClr val="FFFFFF"/>
-                </a:solidFill>
-              </a14:hiddenFill>
-            </a:ext>
-            <a:ext uri="{91240B29-F687-4F45-9708-019B960494DF}">
-              <a14:hiddenLine xmlns:a14="http://schemas.microsoft.com/office/drawing/2010/main" w="9525">
-                <a:solidFill>
-                  <a:srgbClr val="000000"/>
-                </a:solidFill>
-                <a:miter lim="800000"/>
-                <a:headEnd/>
-                <a:tailEnd/>
-              </a14:hiddenLine>
-            </a:ext>
-          </a:extLst>
-        </p:spPr>
-        <p:txBody>
-          <a:bodyPr/>
-          <a:lstStyle>
-            <a:lvl1pPr>
-              <a:defRPr b="1">
-                <a:solidFill>
-                  <a:schemeClr val="tx1"/>
-                </a:solidFill>
-                <a:latin typeface="Verdana" panose="020B0604030504040204" pitchFamily="34" charset="0"/>
-              </a:defRPr>
-            </a:lvl1pPr>
-            <a:lvl2pPr marL="742950" indent="-285750">
-              <a:defRPr b="1">
-                <a:solidFill>
-                  <a:schemeClr val="tx1"/>
-                </a:solidFill>
-                <a:latin typeface="Verdana" panose="020B0604030504040204" pitchFamily="34" charset="0"/>
-              </a:defRPr>
-            </a:lvl2pPr>
-            <a:lvl3pPr marL="1143000" indent="-228600">
-              <a:defRPr b="1">
-                <a:solidFill>
-                  <a:schemeClr val="tx1"/>
-                </a:solidFill>
-                <a:latin typeface="Verdana" panose="020B0604030504040204" pitchFamily="34" charset="0"/>
-              </a:defRPr>
-            </a:lvl3pPr>
-            <a:lvl4pPr marL="1600200" indent="-228600">
-              <a:defRPr b="1">
-                <a:solidFill>
-                  <a:schemeClr val="tx1"/>
-                </a:solidFill>
-                <a:latin typeface="Verdana" panose="020B0604030504040204" pitchFamily="34" charset="0"/>
-              </a:defRPr>
-            </a:lvl4pPr>
-            <a:lvl5pPr marL="2057400" indent="-228600">
-              <a:defRPr b="1">
-                <a:solidFill>
-                  <a:schemeClr val="tx1"/>
-                </a:solidFill>
-                <a:latin typeface="Verdana" panose="020B0604030504040204" pitchFamily="34" charset="0"/>
-              </a:defRPr>
-            </a:lvl5pPr>
-            <a:lvl6pPr marL="2514600" indent="-228600" algn="ctr" eaLnBrk="0" fontAlgn="base" hangingPunct="0">
-              <a:spcBef>
-                <a:spcPct val="0"/>
-              </a:spcBef>
-              <a:spcAft>
-                <a:spcPct val="0"/>
-              </a:spcAft>
-              <a:defRPr b="1">
-                <a:solidFill>
-                  <a:schemeClr val="tx1"/>
-                </a:solidFill>
-                <a:latin typeface="Verdana" panose="020B0604030504040204" pitchFamily="34" charset="0"/>
-              </a:defRPr>
-            </a:lvl6pPr>
-            <a:lvl7pPr marL="2971800" indent="-228600" algn="ctr" eaLnBrk="0" fontAlgn="base" hangingPunct="0">
-              <a:spcBef>
-                <a:spcPct val="0"/>
-              </a:spcBef>
-              <a:spcAft>
-                <a:spcPct val="0"/>
-              </a:spcAft>
-              <a:defRPr b="1">
-                <a:solidFill>
-                  <a:schemeClr val="tx1"/>
-                </a:solidFill>
-                <a:latin typeface="Verdana" panose="020B0604030504040204" pitchFamily="34" charset="0"/>
-              </a:defRPr>
-            </a:lvl7pPr>
-            <a:lvl8pPr marL="3429000" indent="-228600" algn="ctr" eaLnBrk="0" fontAlgn="base" hangingPunct="0">
-              <a:spcBef>
-                <a:spcPct val="0"/>
-              </a:spcBef>
-              <a:spcAft>
-                <a:spcPct val="0"/>
-              </a:spcAft>
-              <a:defRPr b="1">
-                <a:solidFill>
-                  <a:schemeClr val="tx1"/>
-                </a:solidFill>
-                <a:latin typeface="Verdana" panose="020B0604030504040204" pitchFamily="34" charset="0"/>
-              </a:defRPr>
-            </a:lvl8pPr>
-            <a:lvl9pPr marL="3886200" indent="-228600" algn="ctr" eaLnBrk="0" fontAlgn="base" hangingPunct="0">
-              <a:spcBef>
-                <a:spcPct val="0"/>
-              </a:spcBef>
-              <a:spcAft>
-                <a:spcPct val="0"/>
-              </a:spcAft>
-              <a:defRPr b="1">
-                <a:solidFill>
-                  <a:schemeClr val="tx1"/>
-                </a:solidFill>
-                <a:latin typeface="Verdana" panose="020B0604030504040204" pitchFamily="34" charset="0"/>
-              </a:defRPr>
-            </a:lvl9pPr>
-          </a:lstStyle>
-          <a:p>
-            <a:r>
-              <a:rPr lang="en-US">
-                <a:latin typeface="Arial" panose="020B0604020202020204" pitchFamily="34" charset="0"/>
-              </a:rPr>
-              <a:t>Course 6424A</a:t>
-            </a:r>
-            <a:endParaRPr lang="en-US">
-              <a:latin typeface="Arial" panose="020B0604020202020204" pitchFamily="34" charset="0"/>
-            </a:endParaRPr>
-          </a:p>
-        </p:txBody>
-      </p:sp>
-      <p:sp>
-        <p:nvSpPr>
-          <p:cNvPr id="49156" name="Rectangle 7"/>
-          <p:cNvSpPr>
-            <a:spLocks noGrp="true" noChangeArrowheads="true"/>
-          </p:cNvSpPr>
-          <p:nvPr>
-            <p:ph type="sldNum" sz="quarter" idx="5"/>
-          </p:nvPr>
-        </p:nvSpPr>
-        <p:spPr>
-          <a:noFill/>
-          <a:extLst>
-            <a:ext uri="{909E8E84-426E-40DD-AFC4-6F175D3DCCD1}">
-              <a14:hiddenFill xmlns:a14="http://schemas.microsoft.com/office/drawing/2010/main">
-                <a:solidFill>
-                  <a:srgbClr val="FFFFFF"/>
-                </a:solidFill>
-              </a14:hiddenFill>
-            </a:ext>
-            <a:ext uri="{91240B29-F687-4F45-9708-019B960494DF}">
-              <a14:hiddenLine xmlns:a14="http://schemas.microsoft.com/office/drawing/2010/main" w="9525">
-                <a:solidFill>
-                  <a:srgbClr val="000000"/>
-                </a:solidFill>
-                <a:miter lim="800000"/>
-                <a:headEnd/>
-                <a:tailEnd/>
-              </a14:hiddenLine>
-            </a:ext>
-          </a:extLst>
-        </p:spPr>
-        <p:txBody>
-          <a:bodyPr/>
-          <a:lstStyle>
-            <a:lvl1pPr>
-              <a:defRPr b="1">
-                <a:solidFill>
-                  <a:schemeClr val="tx1"/>
-                </a:solidFill>
-                <a:latin typeface="Verdana" panose="020B0604030504040204" pitchFamily="34" charset="0"/>
-              </a:defRPr>
-            </a:lvl1pPr>
-            <a:lvl2pPr marL="742950" indent="-285750">
-              <a:defRPr b="1">
-                <a:solidFill>
-                  <a:schemeClr val="tx1"/>
-                </a:solidFill>
-                <a:latin typeface="Verdana" panose="020B0604030504040204" pitchFamily="34" charset="0"/>
-              </a:defRPr>
-            </a:lvl2pPr>
-            <a:lvl3pPr marL="1143000" indent="-228600">
-              <a:defRPr b="1">
-                <a:solidFill>
-                  <a:schemeClr val="tx1"/>
-                </a:solidFill>
-                <a:latin typeface="Verdana" panose="020B0604030504040204" pitchFamily="34" charset="0"/>
-              </a:defRPr>
-            </a:lvl3pPr>
-            <a:lvl4pPr marL="1600200" indent="-228600">
-              <a:defRPr b="1">
-                <a:solidFill>
-                  <a:schemeClr val="tx1"/>
-                </a:solidFill>
-                <a:latin typeface="Verdana" panose="020B0604030504040204" pitchFamily="34" charset="0"/>
-              </a:defRPr>
-            </a:lvl4pPr>
-            <a:lvl5pPr marL="2057400" indent="-228600">
-              <a:defRPr b="1">
-                <a:solidFill>
-                  <a:schemeClr val="tx1"/>
-                </a:solidFill>
-                <a:latin typeface="Verdana" panose="020B0604030504040204" pitchFamily="34" charset="0"/>
-              </a:defRPr>
-            </a:lvl5pPr>
-            <a:lvl6pPr marL="2514600" indent="-228600" algn="ctr" eaLnBrk="0" fontAlgn="base" hangingPunct="0">
-              <a:spcBef>
-                <a:spcPct val="0"/>
-              </a:spcBef>
-              <a:spcAft>
-                <a:spcPct val="0"/>
-              </a:spcAft>
-              <a:defRPr b="1">
-                <a:solidFill>
-                  <a:schemeClr val="tx1"/>
-                </a:solidFill>
-                <a:latin typeface="Verdana" panose="020B0604030504040204" pitchFamily="34" charset="0"/>
-              </a:defRPr>
-            </a:lvl6pPr>
-            <a:lvl7pPr marL="2971800" indent="-228600" algn="ctr" eaLnBrk="0" fontAlgn="base" hangingPunct="0">
-              <a:spcBef>
-                <a:spcPct val="0"/>
-              </a:spcBef>
-              <a:spcAft>
-                <a:spcPct val="0"/>
-              </a:spcAft>
-              <a:defRPr b="1">
-                <a:solidFill>
-                  <a:schemeClr val="tx1"/>
-                </a:solidFill>
-                <a:latin typeface="Verdana" panose="020B0604030504040204" pitchFamily="34" charset="0"/>
-              </a:defRPr>
-            </a:lvl7pPr>
-            <a:lvl8pPr marL="3429000" indent="-228600" algn="ctr" eaLnBrk="0" fontAlgn="base" hangingPunct="0">
-              <a:spcBef>
-                <a:spcPct val="0"/>
-              </a:spcBef>
-              <a:spcAft>
-                <a:spcPct val="0"/>
-              </a:spcAft>
-              <a:defRPr b="1">
-                <a:solidFill>
-                  <a:schemeClr val="tx1"/>
-                </a:solidFill>
-                <a:latin typeface="Verdana" panose="020B0604030504040204" pitchFamily="34" charset="0"/>
-              </a:defRPr>
-            </a:lvl8pPr>
-            <a:lvl9pPr marL="3886200" indent="-228600" algn="ctr" eaLnBrk="0" fontAlgn="base" hangingPunct="0">
-              <a:spcBef>
-                <a:spcPct val="0"/>
-              </a:spcBef>
-              <a:spcAft>
-                <a:spcPct val="0"/>
-              </a:spcAft>
-              <a:defRPr b="1">
-                <a:solidFill>
-                  <a:schemeClr val="tx1"/>
-                </a:solidFill>
-                <a:latin typeface="Verdana" panose="020B0604030504040204" pitchFamily="34" charset="0"/>
-              </a:defRPr>
-            </a:lvl9pPr>
-          </a:lstStyle>
-          <a:p>
-            <a:fld id="{457E2E87-27B9-4272-8FA7-016B44B20A03}" type="slidenum">
-              <a:rPr lang="en-US" b="0">
-                <a:latin typeface="Arial" panose="020B0604020202020204" pitchFamily="34" charset="0"/>
-              </a:rPr>
-            </a:fld>
-            <a:endParaRPr lang="en-US" b="0">
-              <a:latin typeface="Arial" panose="020B0604020202020204" pitchFamily="34" charset="0"/>
-            </a:endParaRPr>
-          </a:p>
-        </p:txBody>
-      </p:sp>
-      <p:sp>
-        <p:nvSpPr>
-          <p:cNvPr id="49157" name="Rectangle 2"/>
-          <p:cNvSpPr>
-            <a:spLocks noGrp="true" noRot="true" noChangeAspect="true" noChangeArrowheads="true" noTextEdit="true"/>
-          </p:cNvSpPr>
-          <p:nvPr>
-            <p:ph type="sldImg"/>
-          </p:nvPr>
-        </p:nvSpPr>
-        <p:spPr/>
-      </p:sp>
-      <p:sp>
-        <p:nvSpPr>
-          <p:cNvPr id="49158" name="Rectangle 3"/>
-          <p:cNvSpPr>
-            <a:spLocks noGrp="true" noChangeArrowheads="true"/>
-          </p:cNvSpPr>
-          <p:nvPr>
-            <p:ph type="body" idx="1"/>
-          </p:nvPr>
-        </p:nvSpPr>
-        <p:spPr>
-          <a:xfrm>
-            <a:off x="314325" y="2230438"/>
-            <a:ext cx="6286500" cy="6797675"/>
-          </a:xfrm>
-          <a:noFill/>
-          <a:extLst>
-            <a:ext uri="{909E8E84-426E-40DD-AFC4-6F175D3DCCD1}">
-              <a14:hiddenFill xmlns:a14="http://schemas.microsoft.com/office/drawing/2010/main">
-                <a:solidFill>
-                  <a:srgbClr val="FFFFFF"/>
-                </a:solidFill>
-              </a14:hiddenFill>
-            </a:ext>
-            <a:ext uri="{91240B29-F687-4F45-9708-019B960494DF}">
-              <a14:hiddenLine xmlns:a14="http://schemas.microsoft.com/office/drawing/2010/main" w="9525">
-                <a:solidFill>
-                  <a:srgbClr val="000000"/>
-                </a:solidFill>
-                <a:miter lim="800000"/>
-                <a:headEnd/>
-                <a:tailEnd/>
-              </a14:hiddenLine>
-            </a:ext>
-          </a:extLst>
-        </p:spPr>
-        <p:txBody>
-          <a:bodyPr/>
-          <a:lstStyle/>
-          <a:p>
-            <a:pPr eaLnBrk="1" hangingPunct="1"/>
-            <a:endParaRPr lang="en-US" dirty="0">
-              <a:latin typeface="Arial" panose="020B0604020202020204" pitchFamily="34" charset="0"/>
-            </a:endParaRPr>
-          </a:p>
-        </p:txBody>
-      </p:sp>
-    </p:spTree>
-  </p:cSld>
-  <p:clrMapOvr>
-    <a:masterClrMapping/>
-  </p:clrMapOvr>
-</p:notes>
-</file>
-
-<file path=ppt/notesSlides/notesSlide22.xml><?xml version="1.0" encoding="utf-8"?>
-<p:notes xmlns:a="http://schemas.openxmlformats.org/drawingml/2006/main" xmlns:r="http://schemas.openxmlformats.org/officeDocument/2006/relationships" xmlns:p="http://schemas.openxmlformats.org/presentationml/2006/main">
-  <p:cSld>
-    <p:spTree>
-      <p:nvGrpSpPr>
-        <p:cNvPr id="1" name=""/>
-        <p:cNvGrpSpPr/>
-        <p:nvPr/>
-      </p:nvGrpSpPr>
-      <p:grpSpPr>
-        <a:xfrm>
-          <a:off x="0" y="0"/>
-          <a:ext cx="0" cy="0"/>
-          <a:chOff x="0" y="0"/>
-          <a:chExt cx="0" cy="0"/>
-        </a:xfrm>
-      </p:grpSpPr>
-      <p:sp>
-        <p:nvSpPr>
-          <p:cNvPr id="51202" name="Rectangle 2"/>
-          <p:cNvSpPr>
-            <a:spLocks noGrp="true" noChangeArrowheads="true"/>
-          </p:cNvSpPr>
-          <p:nvPr>
-            <p:ph type="hdr" sz="quarter"/>
-          </p:nvPr>
-        </p:nvSpPr>
-        <p:spPr>
-          <a:noFill/>
-          <a:extLst>
-            <a:ext uri="{909E8E84-426E-40DD-AFC4-6F175D3DCCD1}">
-              <a14:hiddenFill xmlns:a14="http://schemas.microsoft.com/office/drawing/2010/main">
-                <a:solidFill>
-                  <a:srgbClr val="FFFFFF"/>
-                </a:solidFill>
-              </a14:hiddenFill>
-            </a:ext>
-            <a:ext uri="{91240B29-F687-4F45-9708-019B960494DF}">
-              <a14:hiddenLine xmlns:a14="http://schemas.microsoft.com/office/drawing/2010/main" w="9525">
-                <a:solidFill>
-                  <a:srgbClr val="000000"/>
-                </a:solidFill>
-                <a:miter lim="800000"/>
-                <a:headEnd/>
-                <a:tailEnd/>
-              </a14:hiddenLine>
-            </a:ext>
-          </a:extLst>
-        </p:spPr>
-        <p:txBody>
-          <a:bodyPr/>
-          <a:lstStyle>
-            <a:lvl1pPr>
-              <a:defRPr b="1">
-                <a:solidFill>
-                  <a:schemeClr val="tx1"/>
-                </a:solidFill>
-                <a:latin typeface="Verdana" panose="020B0604030504040204" pitchFamily="34" charset="0"/>
-              </a:defRPr>
-            </a:lvl1pPr>
-            <a:lvl2pPr marL="742950" indent="-285750">
-              <a:defRPr b="1">
-                <a:solidFill>
-                  <a:schemeClr val="tx1"/>
-                </a:solidFill>
-                <a:latin typeface="Verdana" panose="020B0604030504040204" pitchFamily="34" charset="0"/>
-              </a:defRPr>
-            </a:lvl2pPr>
-            <a:lvl3pPr marL="1143000" indent="-228600">
-              <a:defRPr b="1">
-                <a:solidFill>
-                  <a:schemeClr val="tx1"/>
-                </a:solidFill>
-                <a:latin typeface="Verdana" panose="020B0604030504040204" pitchFamily="34" charset="0"/>
-              </a:defRPr>
-            </a:lvl3pPr>
-            <a:lvl4pPr marL="1600200" indent="-228600">
-              <a:defRPr b="1">
-                <a:solidFill>
-                  <a:schemeClr val="tx1"/>
-                </a:solidFill>
-                <a:latin typeface="Verdana" panose="020B0604030504040204" pitchFamily="34" charset="0"/>
-              </a:defRPr>
-            </a:lvl4pPr>
-            <a:lvl5pPr marL="2057400" indent="-228600">
-              <a:defRPr b="1">
-                <a:solidFill>
-                  <a:schemeClr val="tx1"/>
-                </a:solidFill>
-                <a:latin typeface="Verdana" panose="020B0604030504040204" pitchFamily="34" charset="0"/>
-              </a:defRPr>
-            </a:lvl5pPr>
-            <a:lvl6pPr marL="2514600" indent="-228600" algn="ctr" eaLnBrk="0" fontAlgn="base" hangingPunct="0">
-              <a:spcBef>
-                <a:spcPct val="0"/>
-              </a:spcBef>
-              <a:spcAft>
-                <a:spcPct val="0"/>
-              </a:spcAft>
-              <a:defRPr b="1">
-                <a:solidFill>
-                  <a:schemeClr val="tx1"/>
-                </a:solidFill>
-                <a:latin typeface="Verdana" panose="020B0604030504040204" pitchFamily="34" charset="0"/>
-              </a:defRPr>
-            </a:lvl6pPr>
-            <a:lvl7pPr marL="2971800" indent="-228600" algn="ctr" eaLnBrk="0" fontAlgn="base" hangingPunct="0">
-              <a:spcBef>
-                <a:spcPct val="0"/>
-              </a:spcBef>
-              <a:spcAft>
-                <a:spcPct val="0"/>
-              </a:spcAft>
-              <a:defRPr b="1">
-                <a:solidFill>
-                  <a:schemeClr val="tx1"/>
-                </a:solidFill>
-                <a:latin typeface="Verdana" panose="020B0604030504040204" pitchFamily="34" charset="0"/>
-              </a:defRPr>
-            </a:lvl7pPr>
-            <a:lvl8pPr marL="3429000" indent="-228600" algn="ctr" eaLnBrk="0" fontAlgn="base" hangingPunct="0">
-              <a:spcBef>
-                <a:spcPct val="0"/>
-              </a:spcBef>
-              <a:spcAft>
-                <a:spcPct val="0"/>
-              </a:spcAft>
-              <a:defRPr b="1">
-                <a:solidFill>
-                  <a:schemeClr val="tx1"/>
-                </a:solidFill>
-                <a:latin typeface="Verdana" panose="020B0604030504040204" pitchFamily="34" charset="0"/>
-              </a:defRPr>
-            </a:lvl8pPr>
-            <a:lvl9pPr marL="3886200" indent="-228600" algn="ctr" eaLnBrk="0" fontAlgn="base" hangingPunct="0">
-              <a:spcBef>
-                <a:spcPct val="0"/>
-              </a:spcBef>
-              <a:spcAft>
-                <a:spcPct val="0"/>
-              </a:spcAft>
-              <a:defRPr b="1">
-                <a:solidFill>
-                  <a:schemeClr val="tx1"/>
-                </a:solidFill>
-                <a:latin typeface="Verdana" panose="020B0604030504040204" pitchFamily="34" charset="0"/>
-              </a:defRPr>
-            </a:lvl9pPr>
-          </a:lstStyle>
-          <a:p>
-            <a:r>
-              <a:rPr lang="en-US">
-                <a:solidFill>
-                  <a:srgbClr val="336699"/>
-                </a:solidFill>
-                <a:latin typeface="Arial" panose="020B0604020202020204" pitchFamily="34" charset="0"/>
-              </a:rPr>
-              <a:t>Module 2: Introduction to Active Directory® Domain Services</a:t>
-            </a:r>
-            <a:endParaRPr lang="en-US">
-              <a:solidFill>
-                <a:srgbClr val="336699"/>
-              </a:solidFill>
-              <a:latin typeface="Arial" panose="020B0604020202020204" pitchFamily="34" charset="0"/>
-            </a:endParaRPr>
-          </a:p>
-        </p:txBody>
-      </p:sp>
-      <p:sp>
-        <p:nvSpPr>
-          <p:cNvPr id="51203" name="Rectangle 3"/>
-          <p:cNvSpPr>
-            <a:spLocks noGrp="true" noChangeArrowheads="true"/>
-          </p:cNvSpPr>
-          <p:nvPr>
-            <p:ph type="dt" sz="quarter" idx="1"/>
-          </p:nvPr>
-        </p:nvSpPr>
-        <p:spPr>
-          <a:noFill/>
-          <a:extLst>
-            <a:ext uri="{909E8E84-426E-40DD-AFC4-6F175D3DCCD1}">
-              <a14:hiddenFill xmlns:a14="http://schemas.microsoft.com/office/drawing/2010/main">
-                <a:solidFill>
-                  <a:srgbClr val="FFFFFF"/>
-                </a:solidFill>
-              </a14:hiddenFill>
-            </a:ext>
-            <a:ext uri="{91240B29-F687-4F45-9708-019B960494DF}">
-              <a14:hiddenLine xmlns:a14="http://schemas.microsoft.com/office/drawing/2010/main" w="9525">
-                <a:solidFill>
-                  <a:srgbClr val="000000"/>
-                </a:solidFill>
-                <a:miter lim="800000"/>
-                <a:headEnd/>
-                <a:tailEnd/>
-              </a14:hiddenLine>
-            </a:ext>
-          </a:extLst>
-        </p:spPr>
-        <p:txBody>
-          <a:bodyPr/>
-          <a:lstStyle>
-            <a:lvl1pPr>
-              <a:defRPr b="1">
-                <a:solidFill>
-                  <a:schemeClr val="tx1"/>
-                </a:solidFill>
-                <a:latin typeface="Verdana" panose="020B0604030504040204" pitchFamily="34" charset="0"/>
-              </a:defRPr>
-            </a:lvl1pPr>
-            <a:lvl2pPr marL="742950" indent="-285750">
-              <a:defRPr b="1">
-                <a:solidFill>
-                  <a:schemeClr val="tx1"/>
-                </a:solidFill>
-                <a:latin typeface="Verdana" panose="020B0604030504040204" pitchFamily="34" charset="0"/>
-              </a:defRPr>
-            </a:lvl2pPr>
-            <a:lvl3pPr marL="1143000" indent="-228600">
-              <a:defRPr b="1">
-                <a:solidFill>
-                  <a:schemeClr val="tx1"/>
-                </a:solidFill>
-                <a:latin typeface="Verdana" panose="020B0604030504040204" pitchFamily="34" charset="0"/>
-              </a:defRPr>
-            </a:lvl3pPr>
-            <a:lvl4pPr marL="1600200" indent="-228600">
-              <a:defRPr b="1">
-                <a:solidFill>
-                  <a:schemeClr val="tx1"/>
-                </a:solidFill>
-                <a:latin typeface="Verdana" panose="020B0604030504040204" pitchFamily="34" charset="0"/>
-              </a:defRPr>
-            </a:lvl4pPr>
-            <a:lvl5pPr marL="2057400" indent="-228600">
-              <a:defRPr b="1">
-                <a:solidFill>
-                  <a:schemeClr val="tx1"/>
-                </a:solidFill>
-                <a:latin typeface="Verdana" panose="020B0604030504040204" pitchFamily="34" charset="0"/>
-              </a:defRPr>
-            </a:lvl5pPr>
-            <a:lvl6pPr marL="2514600" indent="-228600" algn="ctr" eaLnBrk="0" fontAlgn="base" hangingPunct="0">
-              <a:spcBef>
-                <a:spcPct val="0"/>
-              </a:spcBef>
-              <a:spcAft>
-                <a:spcPct val="0"/>
-              </a:spcAft>
-              <a:defRPr b="1">
-                <a:solidFill>
-                  <a:schemeClr val="tx1"/>
-                </a:solidFill>
-                <a:latin typeface="Verdana" panose="020B0604030504040204" pitchFamily="34" charset="0"/>
-              </a:defRPr>
-            </a:lvl6pPr>
-            <a:lvl7pPr marL="2971800" indent="-228600" algn="ctr" eaLnBrk="0" fontAlgn="base" hangingPunct="0">
-              <a:spcBef>
-                <a:spcPct val="0"/>
-              </a:spcBef>
-              <a:spcAft>
-                <a:spcPct val="0"/>
-              </a:spcAft>
-              <a:defRPr b="1">
-                <a:solidFill>
-                  <a:schemeClr val="tx1"/>
-                </a:solidFill>
-                <a:latin typeface="Verdana" panose="020B0604030504040204" pitchFamily="34" charset="0"/>
-              </a:defRPr>
-            </a:lvl7pPr>
-            <a:lvl8pPr marL="3429000" indent="-228600" algn="ctr" eaLnBrk="0" fontAlgn="base" hangingPunct="0">
-              <a:spcBef>
-                <a:spcPct val="0"/>
-              </a:spcBef>
-              <a:spcAft>
-                <a:spcPct val="0"/>
-              </a:spcAft>
-              <a:defRPr b="1">
-                <a:solidFill>
-                  <a:schemeClr val="tx1"/>
-                </a:solidFill>
-                <a:latin typeface="Verdana" panose="020B0604030504040204" pitchFamily="34" charset="0"/>
-              </a:defRPr>
-            </a:lvl8pPr>
-            <a:lvl9pPr marL="3886200" indent="-228600" algn="ctr" eaLnBrk="0" fontAlgn="base" hangingPunct="0">
-              <a:spcBef>
-                <a:spcPct val="0"/>
-              </a:spcBef>
-              <a:spcAft>
-                <a:spcPct val="0"/>
-              </a:spcAft>
-              <a:defRPr b="1">
-                <a:solidFill>
-                  <a:schemeClr val="tx1"/>
-                </a:solidFill>
-                <a:latin typeface="Verdana" panose="020B0604030504040204" pitchFamily="34" charset="0"/>
-              </a:defRPr>
-            </a:lvl9pPr>
-          </a:lstStyle>
-          <a:p>
-            <a:r>
-              <a:rPr lang="en-US">
-                <a:latin typeface="Arial" panose="020B0604020202020204" pitchFamily="34" charset="0"/>
-              </a:rPr>
-              <a:t>Course 6424A</a:t>
-            </a:r>
-            <a:endParaRPr lang="en-US">
-              <a:latin typeface="Arial" panose="020B0604020202020204" pitchFamily="34" charset="0"/>
-            </a:endParaRPr>
-          </a:p>
-        </p:txBody>
-      </p:sp>
-      <p:sp>
-        <p:nvSpPr>
-          <p:cNvPr id="51204" name="Rectangle 7"/>
-          <p:cNvSpPr>
-            <a:spLocks noGrp="true" noChangeArrowheads="true"/>
-          </p:cNvSpPr>
-          <p:nvPr>
-            <p:ph type="sldNum" sz="quarter" idx="5"/>
-          </p:nvPr>
-        </p:nvSpPr>
-        <p:spPr>
-          <a:noFill/>
-          <a:extLst>
-            <a:ext uri="{909E8E84-426E-40DD-AFC4-6F175D3DCCD1}">
-              <a14:hiddenFill xmlns:a14="http://schemas.microsoft.com/office/drawing/2010/main">
-                <a:solidFill>
-                  <a:srgbClr val="FFFFFF"/>
-                </a:solidFill>
-              </a14:hiddenFill>
-            </a:ext>
-            <a:ext uri="{91240B29-F687-4F45-9708-019B960494DF}">
-              <a14:hiddenLine xmlns:a14="http://schemas.microsoft.com/office/drawing/2010/main" w="9525">
-                <a:solidFill>
-                  <a:srgbClr val="000000"/>
-                </a:solidFill>
-                <a:miter lim="800000"/>
-                <a:headEnd/>
-                <a:tailEnd/>
-              </a14:hiddenLine>
-            </a:ext>
-          </a:extLst>
-        </p:spPr>
-        <p:txBody>
-          <a:bodyPr/>
-          <a:lstStyle>
-            <a:lvl1pPr>
-              <a:defRPr b="1">
-                <a:solidFill>
-                  <a:schemeClr val="tx1"/>
-                </a:solidFill>
-                <a:latin typeface="Verdana" panose="020B0604030504040204" pitchFamily="34" charset="0"/>
-              </a:defRPr>
-            </a:lvl1pPr>
-            <a:lvl2pPr marL="742950" indent="-285750">
-              <a:defRPr b="1">
-                <a:solidFill>
-                  <a:schemeClr val="tx1"/>
-                </a:solidFill>
-                <a:latin typeface="Verdana" panose="020B0604030504040204" pitchFamily="34" charset="0"/>
-              </a:defRPr>
-            </a:lvl2pPr>
-            <a:lvl3pPr marL="1143000" indent="-228600">
-              <a:defRPr b="1">
-                <a:solidFill>
-                  <a:schemeClr val="tx1"/>
-                </a:solidFill>
-                <a:latin typeface="Verdana" panose="020B0604030504040204" pitchFamily="34" charset="0"/>
-              </a:defRPr>
-            </a:lvl3pPr>
-            <a:lvl4pPr marL="1600200" indent="-228600">
-              <a:defRPr b="1">
-                <a:solidFill>
-                  <a:schemeClr val="tx1"/>
-                </a:solidFill>
-                <a:latin typeface="Verdana" panose="020B0604030504040204" pitchFamily="34" charset="0"/>
-              </a:defRPr>
-            </a:lvl4pPr>
-            <a:lvl5pPr marL="2057400" indent="-228600">
-              <a:defRPr b="1">
-                <a:solidFill>
-                  <a:schemeClr val="tx1"/>
-                </a:solidFill>
-                <a:latin typeface="Verdana" panose="020B0604030504040204" pitchFamily="34" charset="0"/>
-              </a:defRPr>
-            </a:lvl5pPr>
-            <a:lvl6pPr marL="2514600" indent="-228600" algn="ctr" eaLnBrk="0" fontAlgn="base" hangingPunct="0">
-              <a:spcBef>
-                <a:spcPct val="0"/>
-              </a:spcBef>
-              <a:spcAft>
-                <a:spcPct val="0"/>
-              </a:spcAft>
-              <a:defRPr b="1">
-                <a:solidFill>
-                  <a:schemeClr val="tx1"/>
-                </a:solidFill>
-                <a:latin typeface="Verdana" panose="020B0604030504040204" pitchFamily="34" charset="0"/>
-              </a:defRPr>
-            </a:lvl6pPr>
-            <a:lvl7pPr marL="2971800" indent="-228600" algn="ctr" eaLnBrk="0" fontAlgn="base" hangingPunct="0">
-              <a:spcBef>
-                <a:spcPct val="0"/>
-              </a:spcBef>
-              <a:spcAft>
-                <a:spcPct val="0"/>
-              </a:spcAft>
-              <a:defRPr b="1">
-                <a:solidFill>
-                  <a:schemeClr val="tx1"/>
-                </a:solidFill>
-                <a:latin typeface="Verdana" panose="020B0604030504040204" pitchFamily="34" charset="0"/>
-              </a:defRPr>
-            </a:lvl7pPr>
-            <a:lvl8pPr marL="3429000" indent="-228600" algn="ctr" eaLnBrk="0" fontAlgn="base" hangingPunct="0">
-              <a:spcBef>
-                <a:spcPct val="0"/>
-              </a:spcBef>
-              <a:spcAft>
-                <a:spcPct val="0"/>
-              </a:spcAft>
-              <a:defRPr b="1">
-                <a:solidFill>
-                  <a:schemeClr val="tx1"/>
-                </a:solidFill>
-                <a:latin typeface="Verdana" panose="020B0604030504040204" pitchFamily="34" charset="0"/>
-              </a:defRPr>
-            </a:lvl8pPr>
-            <a:lvl9pPr marL="3886200" indent="-228600" algn="ctr" eaLnBrk="0" fontAlgn="base" hangingPunct="0">
-              <a:spcBef>
-                <a:spcPct val="0"/>
-              </a:spcBef>
-              <a:spcAft>
-                <a:spcPct val="0"/>
-              </a:spcAft>
-              <a:defRPr b="1">
-                <a:solidFill>
-                  <a:schemeClr val="tx1"/>
-                </a:solidFill>
-                <a:latin typeface="Verdana" panose="020B0604030504040204" pitchFamily="34" charset="0"/>
-              </a:defRPr>
-            </a:lvl9pPr>
-          </a:lstStyle>
-          <a:p>
-            <a:fld id="{98857A4A-99AB-4327-A025-105B372079EC}" type="slidenum">
-              <a:rPr lang="en-US" b="0">
-                <a:latin typeface="Arial" panose="020B0604020202020204" pitchFamily="34" charset="0"/>
-              </a:rPr>
-            </a:fld>
-            <a:endParaRPr lang="en-US" b="0">
-              <a:latin typeface="Arial" panose="020B0604020202020204" pitchFamily="34" charset="0"/>
-            </a:endParaRPr>
-          </a:p>
-        </p:txBody>
-      </p:sp>
-      <p:sp>
-        <p:nvSpPr>
-          <p:cNvPr id="51205" name="Rectangle 2"/>
-          <p:cNvSpPr>
-            <a:spLocks noGrp="true" noRot="true" noChangeAspect="true" noChangeArrowheads="true" noTextEdit="true"/>
-          </p:cNvSpPr>
-          <p:nvPr>
-            <p:ph type="sldImg"/>
-          </p:nvPr>
-        </p:nvSpPr>
-        <p:spPr/>
-      </p:sp>
-      <p:sp>
-        <p:nvSpPr>
-          <p:cNvPr id="51206" name="Rectangle 3"/>
-          <p:cNvSpPr>
-            <a:spLocks noGrp="true" noChangeArrowheads="true"/>
-          </p:cNvSpPr>
-          <p:nvPr>
-            <p:ph type="body" idx="1"/>
-          </p:nvPr>
-        </p:nvSpPr>
-        <p:spPr>
-          <a:xfrm>
-            <a:off x="314325" y="2230438"/>
-            <a:ext cx="6286500" cy="6797675"/>
-          </a:xfrm>
-          <a:noFill/>
-          <a:extLst>
-            <a:ext uri="{909E8E84-426E-40DD-AFC4-6F175D3DCCD1}">
-              <a14:hiddenFill xmlns:a14="http://schemas.microsoft.com/office/drawing/2010/main">
-                <a:solidFill>
-                  <a:srgbClr val="FFFFFF"/>
-                </a:solidFill>
-              </a14:hiddenFill>
-            </a:ext>
-            <a:ext uri="{91240B29-F687-4F45-9708-019B960494DF}">
-              <a14:hiddenLine xmlns:a14="http://schemas.microsoft.com/office/drawing/2010/main" w="9525">
-                <a:solidFill>
-                  <a:srgbClr val="000000"/>
-                </a:solidFill>
-                <a:miter lim="800000"/>
-                <a:headEnd/>
-                <a:tailEnd/>
-              </a14:hiddenLine>
-            </a:ext>
-          </a:extLst>
-        </p:spPr>
-        <p:txBody>
-          <a:bodyPr/>
-          <a:lstStyle/>
-          <a:p>
-            <a:pPr eaLnBrk="1" hangingPunct="1"/>
-            <a:endParaRPr lang="en-US" i="1" dirty="0">
-              <a:latin typeface="Arial" panose="020B0604020202020204" pitchFamily="34" charset="0"/>
-            </a:endParaRPr>
-          </a:p>
-        </p:txBody>
-      </p:sp>
-    </p:spTree>
-  </p:cSld>
-  <p:clrMapOvr>
-    <a:masterClrMapping/>
-  </p:clrMapOvr>
-</p:notes>
-</file>
-
 <file path=ppt/notesSlides/notesSlide3.xml><?xml version="1.0" encoding="utf-8"?>
 <p:notes xmlns:a="http://schemas.openxmlformats.org/drawingml/2006/main" xmlns:r="http://schemas.openxmlformats.org/officeDocument/2006/relationships" xmlns:p="http://schemas.openxmlformats.org/presentationml/2006/main">
   <p:cSld>
@@ -7685,84 +5589,6 @@
       </p:grpSpPr>
       <p:sp>
         <p:nvSpPr>
-          <p:cNvPr id="2" name="Slide Image Placeholder 1"/>
-          <p:cNvSpPr>
-            <a:spLocks noGrp="true" noRot="true" noChangeAspect="true"/>
-          </p:cNvSpPr>
-          <p:nvPr>
-            <p:ph type="sldImg"/>
-          </p:nvPr>
-        </p:nvSpPr>
-        <p:spPr/>
-      </p:sp>
-      <p:sp>
-        <p:nvSpPr>
-          <p:cNvPr id="3" name="Notes Placeholder 2"/>
-          <p:cNvSpPr>
-            <a:spLocks noGrp="true"/>
-          </p:cNvSpPr>
-          <p:nvPr>
-            <p:ph type="body" idx="1"/>
-          </p:nvPr>
-        </p:nvSpPr>
-        <p:spPr/>
-        <p:txBody>
-          <a:bodyPr/>
-          <a:lstStyle/>
-          <a:p>
-            <a:endParaRPr lang="en-US" dirty="0"/>
-          </a:p>
-        </p:txBody>
-      </p:sp>
-      <p:sp>
-        <p:nvSpPr>
-          <p:cNvPr id="4" name="Slide Number Placeholder 3"/>
-          <p:cNvSpPr>
-            <a:spLocks noGrp="true"/>
-          </p:cNvSpPr>
-          <p:nvPr>
-            <p:ph type="sldNum" sz="quarter" idx="10"/>
-          </p:nvPr>
-        </p:nvSpPr>
-        <p:spPr/>
-        <p:txBody>
-          <a:bodyPr/>
-          <a:lstStyle/>
-          <a:p>
-            <a:fld id="{4CFD207A-07DF-40AD-A916-9872E089CE7A}" type="slidenum">
-              <a:rPr lang="en-US" smtClean="0"/>
-            </a:fld>
-            <a:endParaRPr lang="en-US"/>
-          </a:p>
-        </p:txBody>
-      </p:sp>
-    </p:spTree>
-  </p:cSld>
-  <p:clrMapOvr>
-    <a:masterClrMapping/>
-  </p:clrMapOvr>
-</p:notes>
-</file>
-
-<file path=ppt/notesSlides/notesSlide5.xml><?xml version="1.0" encoding="utf-8"?>
-<p:notes xmlns:a="http://schemas.openxmlformats.org/drawingml/2006/main" xmlns:r="http://schemas.openxmlformats.org/officeDocument/2006/relationships" xmlns:p="http://schemas.openxmlformats.org/presentationml/2006/main">
-  <p:cSld>
-    <p:spTree>
-      <p:nvGrpSpPr>
-        <p:cNvPr id="1" name=""/>
-        <p:cNvGrpSpPr/>
-        <p:nvPr/>
-      </p:nvGrpSpPr>
-      <p:grpSpPr>
-        <a:xfrm>
-          <a:off x="0" y="0"/>
-          <a:ext cx="0" cy="0"/>
-          <a:chOff x="0" y="0"/>
-          <a:chExt cx="0" cy="0"/>
-        </a:xfrm>
-      </p:grpSpPr>
-      <p:sp>
-        <p:nvSpPr>
           <p:cNvPr id="38914" name="Rectangle 2"/>
           <p:cNvSpPr>
             <a:spLocks noGrp="true" noChangeArrowheads="true"/>
@@ -8268,7 +6094,7 @@
 </p:notes>
 </file>
 
-<file path=ppt/notesSlides/notesSlide6.xml><?xml version="1.0" encoding="utf-8"?>
+<file path=ppt/notesSlides/notesSlide5.xml><?xml version="1.0" encoding="utf-8"?>
 <p:notes xmlns:a="http://schemas.openxmlformats.org/drawingml/2006/main" xmlns:r="http://schemas.openxmlformats.org/officeDocument/2006/relationships" xmlns:p="http://schemas.openxmlformats.org/presentationml/2006/main">
   <p:cSld>
     <p:spTree>
@@ -8792,7 +6618,7 @@
 </p:notes>
 </file>
 
-<file path=ppt/notesSlides/notesSlide7.xml><?xml version="1.0" encoding="utf-8"?>
+<file path=ppt/notesSlides/notesSlide6.xml><?xml version="1.0" encoding="utf-8"?>
 <p:notes xmlns:a="http://schemas.openxmlformats.org/drawingml/2006/main" xmlns:r="http://schemas.openxmlformats.org/officeDocument/2006/relationships" xmlns:p="http://schemas.openxmlformats.org/presentationml/2006/main">
   <p:cSld>
     <p:spTree>
@@ -9316,7 +7142,7 @@
 </p:notes>
 </file>
 
-<file path=ppt/notesSlides/notesSlide8.xml><?xml version="1.0" encoding="utf-8"?>
+<file path=ppt/notesSlides/notesSlide7.xml><?xml version="1.0" encoding="utf-8"?>
 <p:notes xmlns:a="http://schemas.openxmlformats.org/drawingml/2006/main" xmlns:r="http://schemas.openxmlformats.org/officeDocument/2006/relationships" xmlns:p="http://schemas.openxmlformats.org/presentationml/2006/main">
   <p:cSld>
     <p:spTree>
@@ -9840,7 +7666,7 @@
 </p:notes>
 </file>
 
-<file path=ppt/notesSlides/notesSlide9.xml><?xml version="1.0" encoding="utf-8"?>
+<file path=ppt/notesSlides/notesSlide8.xml><?xml version="1.0" encoding="utf-8"?>
 <p:notes xmlns:a="http://schemas.openxmlformats.org/drawingml/2006/main" xmlns:r="http://schemas.openxmlformats.org/officeDocument/2006/relationships" xmlns:p="http://schemas.openxmlformats.org/presentationml/2006/main">
   <p:cSld>
     <p:spTree>
@@ -10351,6 +8177,526 @@
           <a:p>
             <a:pPr eaLnBrk="1" hangingPunct="1"/>
             <a:endParaRPr lang="en-US" i="1" dirty="0">
+              <a:latin typeface="Arial" panose="020B0604020202020204" pitchFamily="34" charset="0"/>
+            </a:endParaRPr>
+          </a:p>
+        </p:txBody>
+      </p:sp>
+    </p:spTree>
+  </p:cSld>
+  <p:clrMapOvr>
+    <a:masterClrMapping/>
+  </p:clrMapOvr>
+</p:notes>
+</file>
+
+<file path=ppt/notesSlides/notesSlide9.xml><?xml version="1.0" encoding="utf-8"?>
+<p:notes xmlns:a="http://schemas.openxmlformats.org/drawingml/2006/main" xmlns:r="http://schemas.openxmlformats.org/officeDocument/2006/relationships" xmlns:p="http://schemas.openxmlformats.org/presentationml/2006/main">
+  <p:cSld>
+    <p:spTree>
+      <p:nvGrpSpPr>
+        <p:cNvPr id="1" name=""/>
+        <p:cNvGrpSpPr/>
+        <p:nvPr/>
+      </p:nvGrpSpPr>
+      <p:grpSpPr>
+        <a:xfrm>
+          <a:off x="0" y="0"/>
+          <a:ext cx="0" cy="0"/>
+          <a:chOff x="0" y="0"/>
+          <a:chExt cx="0" cy="0"/>
+        </a:xfrm>
+      </p:grpSpPr>
+      <p:sp>
+        <p:nvSpPr>
+          <p:cNvPr id="53250" name="Rectangle 2"/>
+          <p:cNvSpPr>
+            <a:spLocks noGrp="true" noChangeArrowheads="true"/>
+          </p:cNvSpPr>
+          <p:nvPr>
+            <p:ph type="hdr" sz="quarter"/>
+          </p:nvPr>
+        </p:nvSpPr>
+        <p:spPr>
+          <a:noFill/>
+          <a:extLst>
+            <a:ext uri="{909E8E84-426E-40DD-AFC4-6F175D3DCCD1}">
+              <a14:hiddenFill xmlns:a14="http://schemas.microsoft.com/office/drawing/2010/main">
+                <a:solidFill>
+                  <a:srgbClr val="FFFFFF"/>
+                </a:solidFill>
+              </a14:hiddenFill>
+            </a:ext>
+            <a:ext uri="{91240B29-F687-4F45-9708-019B960494DF}">
+              <a14:hiddenLine xmlns:a14="http://schemas.microsoft.com/office/drawing/2010/main" w="9525">
+                <a:solidFill>
+                  <a:srgbClr val="000000"/>
+                </a:solidFill>
+                <a:miter lim="800000"/>
+                <a:headEnd/>
+                <a:tailEnd/>
+              </a14:hiddenLine>
+            </a:ext>
+          </a:extLst>
+        </p:spPr>
+        <p:txBody>
+          <a:bodyPr/>
+          <a:lstStyle>
+            <a:lvl1pPr>
+              <a:defRPr b="1">
+                <a:solidFill>
+                  <a:schemeClr val="tx1"/>
+                </a:solidFill>
+                <a:latin typeface="Verdana" panose="020B0604030504040204" pitchFamily="34" charset="0"/>
+              </a:defRPr>
+            </a:lvl1pPr>
+            <a:lvl2pPr marL="742950" indent="-285750">
+              <a:defRPr b="1">
+                <a:solidFill>
+                  <a:schemeClr val="tx1"/>
+                </a:solidFill>
+                <a:latin typeface="Verdana" panose="020B0604030504040204" pitchFamily="34" charset="0"/>
+              </a:defRPr>
+            </a:lvl2pPr>
+            <a:lvl3pPr marL="1143000" indent="-228600">
+              <a:defRPr b="1">
+                <a:solidFill>
+                  <a:schemeClr val="tx1"/>
+                </a:solidFill>
+                <a:latin typeface="Verdana" panose="020B0604030504040204" pitchFamily="34" charset="0"/>
+              </a:defRPr>
+            </a:lvl3pPr>
+            <a:lvl4pPr marL="1600200" indent="-228600">
+              <a:defRPr b="1">
+                <a:solidFill>
+                  <a:schemeClr val="tx1"/>
+                </a:solidFill>
+                <a:latin typeface="Verdana" panose="020B0604030504040204" pitchFamily="34" charset="0"/>
+              </a:defRPr>
+            </a:lvl4pPr>
+            <a:lvl5pPr marL="2057400" indent="-228600">
+              <a:defRPr b="1">
+                <a:solidFill>
+                  <a:schemeClr val="tx1"/>
+                </a:solidFill>
+                <a:latin typeface="Verdana" panose="020B0604030504040204" pitchFamily="34" charset="0"/>
+              </a:defRPr>
+            </a:lvl5pPr>
+            <a:lvl6pPr marL="2514600" indent="-228600" algn="ctr" eaLnBrk="0" fontAlgn="base" hangingPunct="0">
+              <a:spcBef>
+                <a:spcPct val="0"/>
+              </a:spcBef>
+              <a:spcAft>
+                <a:spcPct val="0"/>
+              </a:spcAft>
+              <a:defRPr b="1">
+                <a:solidFill>
+                  <a:schemeClr val="tx1"/>
+                </a:solidFill>
+                <a:latin typeface="Verdana" panose="020B0604030504040204" pitchFamily="34" charset="0"/>
+              </a:defRPr>
+            </a:lvl6pPr>
+            <a:lvl7pPr marL="2971800" indent="-228600" algn="ctr" eaLnBrk="0" fontAlgn="base" hangingPunct="0">
+              <a:spcBef>
+                <a:spcPct val="0"/>
+              </a:spcBef>
+              <a:spcAft>
+                <a:spcPct val="0"/>
+              </a:spcAft>
+              <a:defRPr b="1">
+                <a:solidFill>
+                  <a:schemeClr val="tx1"/>
+                </a:solidFill>
+                <a:latin typeface="Verdana" panose="020B0604030504040204" pitchFamily="34" charset="0"/>
+              </a:defRPr>
+            </a:lvl7pPr>
+            <a:lvl8pPr marL="3429000" indent="-228600" algn="ctr" eaLnBrk="0" fontAlgn="base" hangingPunct="0">
+              <a:spcBef>
+                <a:spcPct val="0"/>
+              </a:spcBef>
+              <a:spcAft>
+                <a:spcPct val="0"/>
+              </a:spcAft>
+              <a:defRPr b="1">
+                <a:solidFill>
+                  <a:schemeClr val="tx1"/>
+                </a:solidFill>
+                <a:latin typeface="Verdana" panose="020B0604030504040204" pitchFamily="34" charset="0"/>
+              </a:defRPr>
+            </a:lvl8pPr>
+            <a:lvl9pPr marL="3886200" indent="-228600" algn="ctr" eaLnBrk="0" fontAlgn="base" hangingPunct="0">
+              <a:spcBef>
+                <a:spcPct val="0"/>
+              </a:spcBef>
+              <a:spcAft>
+                <a:spcPct val="0"/>
+              </a:spcAft>
+              <a:defRPr b="1">
+                <a:solidFill>
+                  <a:schemeClr val="tx1"/>
+                </a:solidFill>
+                <a:latin typeface="Verdana" panose="020B0604030504040204" pitchFamily="34" charset="0"/>
+              </a:defRPr>
+            </a:lvl9pPr>
+          </a:lstStyle>
+          <a:p>
+            <a:r>
+              <a:rPr lang="en-US">
+                <a:solidFill>
+                  <a:srgbClr val="336699"/>
+                </a:solidFill>
+                <a:latin typeface="Arial" panose="020B0604020202020204" pitchFamily="34" charset="0"/>
+              </a:rPr>
+              <a:t>Module 2: Introduction to Active Directory® Domain Services</a:t>
+            </a:r>
+            <a:endParaRPr lang="en-US">
+              <a:solidFill>
+                <a:srgbClr val="336699"/>
+              </a:solidFill>
+              <a:latin typeface="Arial" panose="020B0604020202020204" pitchFamily="34" charset="0"/>
+            </a:endParaRPr>
+          </a:p>
+        </p:txBody>
+      </p:sp>
+      <p:sp>
+        <p:nvSpPr>
+          <p:cNvPr id="53251" name="Rectangle 3"/>
+          <p:cNvSpPr>
+            <a:spLocks noGrp="true" noChangeArrowheads="true"/>
+          </p:cNvSpPr>
+          <p:nvPr>
+            <p:ph type="dt" sz="quarter" idx="1"/>
+          </p:nvPr>
+        </p:nvSpPr>
+        <p:spPr>
+          <a:noFill/>
+          <a:extLst>
+            <a:ext uri="{909E8E84-426E-40DD-AFC4-6F175D3DCCD1}">
+              <a14:hiddenFill xmlns:a14="http://schemas.microsoft.com/office/drawing/2010/main">
+                <a:solidFill>
+                  <a:srgbClr val="FFFFFF"/>
+                </a:solidFill>
+              </a14:hiddenFill>
+            </a:ext>
+            <a:ext uri="{91240B29-F687-4F45-9708-019B960494DF}">
+              <a14:hiddenLine xmlns:a14="http://schemas.microsoft.com/office/drawing/2010/main" w="9525">
+                <a:solidFill>
+                  <a:srgbClr val="000000"/>
+                </a:solidFill>
+                <a:miter lim="800000"/>
+                <a:headEnd/>
+                <a:tailEnd/>
+              </a14:hiddenLine>
+            </a:ext>
+          </a:extLst>
+        </p:spPr>
+        <p:txBody>
+          <a:bodyPr/>
+          <a:lstStyle>
+            <a:lvl1pPr>
+              <a:defRPr b="1">
+                <a:solidFill>
+                  <a:schemeClr val="tx1"/>
+                </a:solidFill>
+                <a:latin typeface="Verdana" panose="020B0604030504040204" pitchFamily="34" charset="0"/>
+              </a:defRPr>
+            </a:lvl1pPr>
+            <a:lvl2pPr marL="742950" indent="-285750">
+              <a:defRPr b="1">
+                <a:solidFill>
+                  <a:schemeClr val="tx1"/>
+                </a:solidFill>
+                <a:latin typeface="Verdana" panose="020B0604030504040204" pitchFamily="34" charset="0"/>
+              </a:defRPr>
+            </a:lvl2pPr>
+            <a:lvl3pPr marL="1143000" indent="-228600">
+              <a:defRPr b="1">
+                <a:solidFill>
+                  <a:schemeClr val="tx1"/>
+                </a:solidFill>
+                <a:latin typeface="Verdana" panose="020B0604030504040204" pitchFamily="34" charset="0"/>
+              </a:defRPr>
+            </a:lvl3pPr>
+            <a:lvl4pPr marL="1600200" indent="-228600">
+              <a:defRPr b="1">
+                <a:solidFill>
+                  <a:schemeClr val="tx1"/>
+                </a:solidFill>
+                <a:latin typeface="Verdana" panose="020B0604030504040204" pitchFamily="34" charset="0"/>
+              </a:defRPr>
+            </a:lvl4pPr>
+            <a:lvl5pPr marL="2057400" indent="-228600">
+              <a:defRPr b="1">
+                <a:solidFill>
+                  <a:schemeClr val="tx1"/>
+                </a:solidFill>
+                <a:latin typeface="Verdana" panose="020B0604030504040204" pitchFamily="34" charset="0"/>
+              </a:defRPr>
+            </a:lvl5pPr>
+            <a:lvl6pPr marL="2514600" indent="-228600" algn="ctr" eaLnBrk="0" fontAlgn="base" hangingPunct="0">
+              <a:spcBef>
+                <a:spcPct val="0"/>
+              </a:spcBef>
+              <a:spcAft>
+                <a:spcPct val="0"/>
+              </a:spcAft>
+              <a:defRPr b="1">
+                <a:solidFill>
+                  <a:schemeClr val="tx1"/>
+                </a:solidFill>
+                <a:latin typeface="Verdana" panose="020B0604030504040204" pitchFamily="34" charset="0"/>
+              </a:defRPr>
+            </a:lvl6pPr>
+            <a:lvl7pPr marL="2971800" indent="-228600" algn="ctr" eaLnBrk="0" fontAlgn="base" hangingPunct="0">
+              <a:spcBef>
+                <a:spcPct val="0"/>
+              </a:spcBef>
+              <a:spcAft>
+                <a:spcPct val="0"/>
+              </a:spcAft>
+              <a:defRPr b="1">
+                <a:solidFill>
+                  <a:schemeClr val="tx1"/>
+                </a:solidFill>
+                <a:latin typeface="Verdana" panose="020B0604030504040204" pitchFamily="34" charset="0"/>
+              </a:defRPr>
+            </a:lvl7pPr>
+            <a:lvl8pPr marL="3429000" indent="-228600" algn="ctr" eaLnBrk="0" fontAlgn="base" hangingPunct="0">
+              <a:spcBef>
+                <a:spcPct val="0"/>
+              </a:spcBef>
+              <a:spcAft>
+                <a:spcPct val="0"/>
+              </a:spcAft>
+              <a:defRPr b="1">
+                <a:solidFill>
+                  <a:schemeClr val="tx1"/>
+                </a:solidFill>
+                <a:latin typeface="Verdana" panose="020B0604030504040204" pitchFamily="34" charset="0"/>
+              </a:defRPr>
+            </a:lvl8pPr>
+            <a:lvl9pPr marL="3886200" indent="-228600" algn="ctr" eaLnBrk="0" fontAlgn="base" hangingPunct="0">
+              <a:spcBef>
+                <a:spcPct val="0"/>
+              </a:spcBef>
+              <a:spcAft>
+                <a:spcPct val="0"/>
+              </a:spcAft>
+              <a:defRPr b="1">
+                <a:solidFill>
+                  <a:schemeClr val="tx1"/>
+                </a:solidFill>
+                <a:latin typeface="Verdana" panose="020B0604030504040204" pitchFamily="34" charset="0"/>
+              </a:defRPr>
+            </a:lvl9pPr>
+          </a:lstStyle>
+          <a:p>
+            <a:r>
+              <a:rPr lang="en-US">
+                <a:latin typeface="Arial" panose="020B0604020202020204" pitchFamily="34" charset="0"/>
+              </a:rPr>
+              <a:t>Course 6424A</a:t>
+            </a:r>
+            <a:endParaRPr lang="en-US">
+              <a:latin typeface="Arial" panose="020B0604020202020204" pitchFamily="34" charset="0"/>
+            </a:endParaRPr>
+          </a:p>
+        </p:txBody>
+      </p:sp>
+      <p:sp>
+        <p:nvSpPr>
+          <p:cNvPr id="53252" name="Rectangle 7"/>
+          <p:cNvSpPr>
+            <a:spLocks noGrp="true" noChangeArrowheads="true"/>
+          </p:cNvSpPr>
+          <p:nvPr>
+            <p:ph type="sldNum" sz="quarter" idx="5"/>
+          </p:nvPr>
+        </p:nvSpPr>
+        <p:spPr>
+          <a:noFill/>
+          <a:extLst>
+            <a:ext uri="{909E8E84-426E-40DD-AFC4-6F175D3DCCD1}">
+              <a14:hiddenFill xmlns:a14="http://schemas.microsoft.com/office/drawing/2010/main">
+                <a:solidFill>
+                  <a:srgbClr val="FFFFFF"/>
+                </a:solidFill>
+              </a14:hiddenFill>
+            </a:ext>
+            <a:ext uri="{91240B29-F687-4F45-9708-019B960494DF}">
+              <a14:hiddenLine xmlns:a14="http://schemas.microsoft.com/office/drawing/2010/main" w="9525">
+                <a:solidFill>
+                  <a:srgbClr val="000000"/>
+                </a:solidFill>
+                <a:miter lim="800000"/>
+                <a:headEnd/>
+                <a:tailEnd/>
+              </a14:hiddenLine>
+            </a:ext>
+          </a:extLst>
+        </p:spPr>
+        <p:txBody>
+          <a:bodyPr/>
+          <a:lstStyle>
+            <a:lvl1pPr>
+              <a:defRPr b="1">
+                <a:solidFill>
+                  <a:schemeClr val="tx1"/>
+                </a:solidFill>
+                <a:latin typeface="Verdana" panose="020B0604030504040204" pitchFamily="34" charset="0"/>
+              </a:defRPr>
+            </a:lvl1pPr>
+            <a:lvl2pPr marL="742950" indent="-285750">
+              <a:defRPr b="1">
+                <a:solidFill>
+                  <a:schemeClr val="tx1"/>
+                </a:solidFill>
+                <a:latin typeface="Verdana" panose="020B0604030504040204" pitchFamily="34" charset="0"/>
+              </a:defRPr>
+            </a:lvl2pPr>
+            <a:lvl3pPr marL="1143000" indent="-228600">
+              <a:defRPr b="1">
+                <a:solidFill>
+                  <a:schemeClr val="tx1"/>
+                </a:solidFill>
+                <a:latin typeface="Verdana" panose="020B0604030504040204" pitchFamily="34" charset="0"/>
+              </a:defRPr>
+            </a:lvl3pPr>
+            <a:lvl4pPr marL="1600200" indent="-228600">
+              <a:defRPr b="1">
+                <a:solidFill>
+                  <a:schemeClr val="tx1"/>
+                </a:solidFill>
+                <a:latin typeface="Verdana" panose="020B0604030504040204" pitchFamily="34" charset="0"/>
+              </a:defRPr>
+            </a:lvl4pPr>
+            <a:lvl5pPr marL="2057400" indent="-228600">
+              <a:defRPr b="1">
+                <a:solidFill>
+                  <a:schemeClr val="tx1"/>
+                </a:solidFill>
+                <a:latin typeface="Verdana" panose="020B0604030504040204" pitchFamily="34" charset="0"/>
+              </a:defRPr>
+            </a:lvl5pPr>
+            <a:lvl6pPr marL="2514600" indent="-228600" algn="ctr" eaLnBrk="0" fontAlgn="base" hangingPunct="0">
+              <a:spcBef>
+                <a:spcPct val="0"/>
+              </a:spcBef>
+              <a:spcAft>
+                <a:spcPct val="0"/>
+              </a:spcAft>
+              <a:defRPr b="1">
+                <a:solidFill>
+                  <a:schemeClr val="tx1"/>
+                </a:solidFill>
+                <a:latin typeface="Verdana" panose="020B0604030504040204" pitchFamily="34" charset="0"/>
+              </a:defRPr>
+            </a:lvl6pPr>
+            <a:lvl7pPr marL="2971800" indent="-228600" algn="ctr" eaLnBrk="0" fontAlgn="base" hangingPunct="0">
+              <a:spcBef>
+                <a:spcPct val="0"/>
+              </a:spcBef>
+              <a:spcAft>
+                <a:spcPct val="0"/>
+              </a:spcAft>
+              <a:defRPr b="1">
+                <a:solidFill>
+                  <a:schemeClr val="tx1"/>
+                </a:solidFill>
+                <a:latin typeface="Verdana" panose="020B0604030504040204" pitchFamily="34" charset="0"/>
+              </a:defRPr>
+            </a:lvl7pPr>
+            <a:lvl8pPr marL="3429000" indent="-228600" algn="ctr" eaLnBrk="0" fontAlgn="base" hangingPunct="0">
+              <a:spcBef>
+                <a:spcPct val="0"/>
+              </a:spcBef>
+              <a:spcAft>
+                <a:spcPct val="0"/>
+              </a:spcAft>
+              <a:defRPr b="1">
+                <a:solidFill>
+                  <a:schemeClr val="tx1"/>
+                </a:solidFill>
+                <a:latin typeface="Verdana" panose="020B0604030504040204" pitchFamily="34" charset="0"/>
+              </a:defRPr>
+            </a:lvl8pPr>
+            <a:lvl9pPr marL="3886200" indent="-228600" algn="ctr" eaLnBrk="0" fontAlgn="base" hangingPunct="0">
+              <a:spcBef>
+                <a:spcPct val="0"/>
+              </a:spcBef>
+              <a:spcAft>
+                <a:spcPct val="0"/>
+              </a:spcAft>
+              <a:defRPr b="1">
+                <a:solidFill>
+                  <a:schemeClr val="tx1"/>
+                </a:solidFill>
+                <a:latin typeface="Verdana" panose="020B0604030504040204" pitchFamily="34" charset="0"/>
+              </a:defRPr>
+            </a:lvl9pPr>
+          </a:lstStyle>
+          <a:p>
+            <a:fld id="{22CF148A-AF3A-4E0E-BED7-BEA6E66DA6F3}" type="slidenum">
+              <a:rPr lang="en-US" b="0">
+                <a:latin typeface="Arial" panose="020B0604020202020204" pitchFamily="34" charset="0"/>
+              </a:rPr>
+            </a:fld>
+            <a:endParaRPr lang="en-US" b="0">
+              <a:latin typeface="Arial" panose="020B0604020202020204" pitchFamily="34" charset="0"/>
+            </a:endParaRPr>
+          </a:p>
+        </p:txBody>
+      </p:sp>
+      <p:sp>
+        <p:nvSpPr>
+          <p:cNvPr id="53253" name="Rectangle 2"/>
+          <p:cNvSpPr>
+            <a:spLocks noGrp="true" noRot="true" noChangeAspect="true" noChangeArrowheads="true" noTextEdit="true"/>
+          </p:cNvSpPr>
+          <p:nvPr>
+            <p:ph type="sldImg"/>
+          </p:nvPr>
+        </p:nvSpPr>
+        <p:spPr/>
+      </p:sp>
+      <p:sp>
+        <p:nvSpPr>
+          <p:cNvPr id="53254" name="Rectangle 3"/>
+          <p:cNvSpPr>
+            <a:spLocks noGrp="true" noChangeArrowheads="true"/>
+          </p:cNvSpPr>
+          <p:nvPr>
+            <p:ph type="body" idx="1"/>
+          </p:nvPr>
+        </p:nvSpPr>
+        <p:spPr>
+          <a:noFill/>
+          <a:extLst>
+            <a:ext uri="{909E8E84-426E-40DD-AFC4-6F175D3DCCD1}">
+              <a14:hiddenFill xmlns:a14="http://schemas.microsoft.com/office/drawing/2010/main">
+                <a:solidFill>
+                  <a:srgbClr val="FFFFFF"/>
+                </a:solidFill>
+              </a14:hiddenFill>
+            </a:ext>
+            <a:ext uri="{91240B29-F687-4F45-9708-019B960494DF}">
+              <a14:hiddenLine xmlns:a14="http://schemas.microsoft.com/office/drawing/2010/main" w="9525">
+                <a:solidFill>
+                  <a:srgbClr val="000000"/>
+                </a:solidFill>
+                <a:miter lim="800000"/>
+                <a:headEnd/>
+                <a:tailEnd/>
+              </a14:hiddenLine>
+            </a:ext>
+          </a:extLst>
+        </p:spPr>
+        <p:txBody>
+          <a:bodyPr/>
+          <a:lstStyle/>
+          <a:p>
+            <a:pPr eaLnBrk="1" hangingPunct="1"/>
+            <a:endParaRPr lang="en-US">
               <a:latin typeface="Arial" panose="020B0604020202020204" pitchFamily="34" charset="0"/>
             </a:endParaRPr>
           </a:p>
@@ -16473,1191 +14819,6 @@
           <a:chExt cx="0" cy="0"/>
         </a:xfrm>
       </p:grpSpPr>
-      <p:pic>
-        <p:nvPicPr>
-          <p:cNvPr id="933973" name="Picture 85"/>
-          <p:cNvPicPr>
-            <a:picLocks noChangeAspect="true" noChangeArrowheads="true"/>
-          </p:cNvPicPr>
-          <p:nvPr/>
-        </p:nvPicPr>
-        <p:blipFill>
-          <a:blip r:embed="rId1"/>
-          <a:srcRect/>
-          <a:stretch>
-            <a:fillRect/>
-          </a:stretch>
-        </p:blipFill>
-        <p:spPr bwMode="auto">
-          <a:xfrm>
-            <a:off x="2602954" y="1040962"/>
-            <a:ext cx="8647113" cy="5316538"/>
-          </a:xfrm>
-          <a:prstGeom prst="rect">
-            <a:avLst/>
-          </a:prstGeom>
-          <a:noFill/>
-          <a:ln w="9525" cap="flat" cmpd="sng" algn="ctr">
-            <a:noFill/>
-            <a:prstDash val="solid"/>
-            <a:miter lim="800000"/>
-            <a:headEnd/>
-            <a:tailEnd/>
-          </a:ln>
-          <a:effectLst>
-            <a:outerShdw dist="35921" dir="2700000" algn="ctr" rotWithShape="0">
-              <a:srgbClr val="AFAFAF"/>
-            </a:outerShdw>
-          </a:effectLst>
-        </p:spPr>
-      </p:pic>
-      <p:graphicFrame>
-        <p:nvGraphicFramePr>
-          <p:cNvPr id="933969" name="Group 81"/>
-          <p:cNvGraphicFramePr>
-            <a:graphicFrameLocks noGrp="true"/>
-          </p:cNvGraphicFramePr>
-          <p:nvPr>
-            <p:ph type="tbl" idx="1"/>
-          </p:nvPr>
-        </p:nvGraphicFramePr>
-        <p:xfrm>
-          <a:off x="3270966" y="2189163"/>
-          <a:ext cx="7246937" cy="3657600"/>
-        </p:xfrm>
-        <a:graphic>
-          <a:graphicData uri="http://schemas.openxmlformats.org/drawingml/2006/table">
-            <a:tbl>
-              <a:tblPr/>
-              <a:tblGrid>
-                <a:gridCol w="3550621"/>
-                <a:gridCol w="3696316"/>
-              </a:tblGrid>
-              <a:tr h="482600">
-                <a:tc>
-                  <a:txBody>
-                    <a:bodyPr/>
-                    <a:lstStyle/>
-                    <a:p>
-                      <a:pPr marL="0" marR="0" lvl="0" indent="0" algn="ctr" defTabSz="914400" rtl="0" eaLnBrk="1" fontAlgn="base" latinLnBrk="0" hangingPunct="1">
-                        <a:lnSpc>
-                          <a:spcPct val="90000"/>
-                        </a:lnSpc>
-                        <a:spcBef>
-                          <a:spcPct val="70000"/>
-                        </a:spcBef>
-                        <a:spcAft>
-                          <a:spcPct val="0"/>
-                        </a:spcAft>
-                        <a:buClrTx/>
-                        <a:buSzTx/>
-                        <a:buFontTx/>
-                        <a:buNone/>
-                      </a:pPr>
-                      <a:r>
-                        <a:rPr kumimoji="0" lang="en-US" sz="1800" b="0" i="0" u="none" strike="noStrike" cap="none" normalizeH="0" baseline="0" dirty="0">
-                          <a:ln>
-                            <a:noFill/>
-                          </a:ln>
-                          <a:solidFill>
-                            <a:schemeClr val="tx1"/>
-                          </a:solidFill>
-                          <a:effectLst/>
-                          <a:latin typeface="Segoe UI Light" panose="020B0502040204020203" pitchFamily="34" charset="0"/>
-                          <a:cs typeface="Segoe UI Light" panose="020B0502040204020203" pitchFamily="34" charset="0"/>
-                        </a:rPr>
-                        <a:t>Physical Components</a:t>
-                      </a:r>
-                      <a:endParaRPr kumimoji="0" lang="en-US" sz="1800" b="0" i="0" u="none" strike="noStrike" cap="none" normalizeH="0" baseline="0" dirty="0">
-                        <a:ln>
-                          <a:noFill/>
-                        </a:ln>
-                        <a:solidFill>
-                          <a:schemeClr val="tx1"/>
-                        </a:solidFill>
-                        <a:effectLst/>
-                        <a:latin typeface="Segoe UI Light" panose="020B0502040204020203" pitchFamily="34" charset="0"/>
-                        <a:cs typeface="Segoe UI Light" panose="020B0502040204020203" pitchFamily="34" charset="0"/>
-                      </a:endParaRPr>
-                    </a:p>
-                  </a:txBody>
-                  <a:tcPr marT="91440" marB="91440" anchor="ctr" horzOverflow="overflow">
-                    <a:lnL w="12700" cap="flat" cmpd="sng" algn="ctr">
-                      <a:solidFill>
-                        <a:srgbClr val="D2AC56"/>
-                      </a:solidFill>
-                      <a:prstDash val="solid"/>
-                      <a:round/>
-                      <a:headEnd type="none" w="med" len="med"/>
-                      <a:tailEnd type="none" w="med" len="med"/>
-                    </a:lnL>
-                    <a:lnR w="12700" cap="flat" cmpd="sng" algn="ctr">
-                      <a:solidFill>
-                        <a:srgbClr val="D2AC56"/>
-                      </a:solidFill>
-                      <a:prstDash val="solid"/>
-                      <a:round/>
-                      <a:headEnd type="none" w="med" len="med"/>
-                      <a:tailEnd type="none" w="med" len="med"/>
-                    </a:lnR>
-                    <a:lnT w="12700" cap="flat" cmpd="sng" algn="ctr">
-                      <a:solidFill>
-                        <a:srgbClr val="D2AC56"/>
-                      </a:solidFill>
-                      <a:prstDash val="solid"/>
-                      <a:round/>
-                      <a:headEnd type="none" w="med" len="med"/>
-                      <a:tailEnd type="none" w="med" len="med"/>
-                    </a:lnT>
-                    <a:lnB w="12700" cap="flat" cmpd="sng" algn="ctr">
-                      <a:solidFill>
-                        <a:srgbClr val="D2AC56"/>
-                      </a:solidFill>
-                      <a:prstDash val="solid"/>
-                      <a:round/>
-                      <a:headEnd type="none" w="med" len="med"/>
-                      <a:tailEnd type="none" w="med" len="med"/>
-                    </a:lnB>
-                    <a:lnTlToBr>
-                      <a:noFill/>
-                    </a:lnTlToBr>
-                    <a:lnBlToTr>
-                      <a:noFill/>
-                    </a:lnBlToTr>
-                    <a:solidFill>
-                      <a:srgbClr val="E4CD9A"/>
-                    </a:solidFill>
-                  </a:tcPr>
-                </a:tc>
-                <a:tc>
-                  <a:txBody>
-                    <a:bodyPr/>
-                    <a:lstStyle/>
-                    <a:p>
-                      <a:pPr marL="0" marR="0" lvl="0" indent="0" algn="ctr" defTabSz="914400" rtl="0" eaLnBrk="1" fontAlgn="base" latinLnBrk="0" hangingPunct="1">
-                        <a:lnSpc>
-                          <a:spcPct val="90000"/>
-                        </a:lnSpc>
-                        <a:spcBef>
-                          <a:spcPct val="70000"/>
-                        </a:spcBef>
-                        <a:spcAft>
-                          <a:spcPct val="0"/>
-                        </a:spcAft>
-                        <a:buClrTx/>
-                        <a:buSzTx/>
-                        <a:buFontTx/>
-                        <a:buNone/>
-                      </a:pPr>
-                      <a:r>
-                        <a:rPr kumimoji="0" lang="en-US" sz="1800" b="0" i="0" u="none" strike="noStrike" cap="none" normalizeH="0" baseline="0" dirty="0">
-                          <a:ln>
-                            <a:noFill/>
-                          </a:ln>
-                          <a:solidFill>
-                            <a:schemeClr val="tx1"/>
-                          </a:solidFill>
-                          <a:effectLst/>
-                          <a:latin typeface="Segoe UI Light" panose="020B0502040204020203" pitchFamily="34" charset="0"/>
-                          <a:cs typeface="Segoe UI Light" panose="020B0502040204020203" pitchFamily="34" charset="0"/>
-                        </a:rPr>
-                        <a:t>Logical Components</a:t>
-                      </a:r>
-                      <a:endParaRPr kumimoji="0" lang="en-US" sz="1800" b="0" i="0" u="none" strike="noStrike" cap="none" normalizeH="0" baseline="0" dirty="0">
-                        <a:ln>
-                          <a:noFill/>
-                        </a:ln>
-                        <a:solidFill>
-                          <a:schemeClr val="tx1"/>
-                        </a:solidFill>
-                        <a:effectLst/>
-                        <a:latin typeface="Segoe UI Light" panose="020B0502040204020203" pitchFamily="34" charset="0"/>
-                        <a:cs typeface="Segoe UI Light" panose="020B0502040204020203" pitchFamily="34" charset="0"/>
-                      </a:endParaRPr>
-                    </a:p>
-                  </a:txBody>
-                  <a:tcPr marT="91440" marB="91440" anchor="ctr" horzOverflow="overflow">
-                    <a:lnL w="12700" cap="flat" cmpd="sng" algn="ctr">
-                      <a:solidFill>
-                        <a:srgbClr val="D2AC56"/>
-                      </a:solidFill>
-                      <a:prstDash val="solid"/>
-                      <a:round/>
-                      <a:headEnd type="none" w="med" len="med"/>
-                      <a:tailEnd type="none" w="med" len="med"/>
-                    </a:lnL>
-                    <a:lnR w="12700" cap="flat" cmpd="sng" algn="ctr">
-                      <a:solidFill>
-                        <a:srgbClr val="D2AC56"/>
-                      </a:solidFill>
-                      <a:prstDash val="solid"/>
-                      <a:round/>
-                      <a:headEnd type="none" w="med" len="med"/>
-                      <a:tailEnd type="none" w="med" len="med"/>
-                    </a:lnR>
-                    <a:lnT w="12700" cap="flat" cmpd="sng" algn="ctr">
-                      <a:solidFill>
-                        <a:srgbClr val="D2AC56"/>
-                      </a:solidFill>
-                      <a:prstDash val="solid"/>
-                      <a:round/>
-                      <a:headEnd type="none" w="med" len="med"/>
-                      <a:tailEnd type="none" w="med" len="med"/>
-                    </a:lnT>
-                    <a:lnB w="12700" cap="flat" cmpd="sng" algn="ctr">
-                      <a:solidFill>
-                        <a:srgbClr val="D2AC56"/>
-                      </a:solidFill>
-                      <a:prstDash val="solid"/>
-                      <a:round/>
-                      <a:headEnd type="none" w="med" len="med"/>
-                      <a:tailEnd type="none" w="med" len="med"/>
-                    </a:lnB>
-                    <a:lnTlToBr>
-                      <a:noFill/>
-                    </a:lnTlToBr>
-                    <a:lnBlToTr>
-                      <a:noFill/>
-                    </a:lnBlToTr>
-                    <a:solidFill>
-                      <a:srgbClr val="E4CD9A"/>
-                    </a:solidFill>
-                  </a:tcPr>
-                </a:tc>
-              </a:tr>
-              <a:tr h="3175000">
-                <a:tc>
-                  <a:txBody>
-                    <a:bodyPr/>
-                    <a:lstStyle/>
-                    <a:p>
-                      <a:pPr marL="233680" marR="0" lvl="0" indent="-233680" algn="l" defTabSz="914400" rtl="0" eaLnBrk="1" fontAlgn="base" latinLnBrk="0" hangingPunct="1">
-                        <a:lnSpc>
-                          <a:spcPct val="90000"/>
-                        </a:lnSpc>
-                        <a:spcBef>
-                          <a:spcPct val="70000"/>
-                        </a:spcBef>
-                        <a:spcAft>
-                          <a:spcPct val="0"/>
-                        </a:spcAft>
-                        <a:buClr>
-                          <a:schemeClr val="hlink"/>
-                        </a:buClr>
-                        <a:buSzPct val="90000"/>
-                        <a:buFontTx/>
-                        <a:buChar char="•"/>
-                      </a:pPr>
-                      <a:r>
-                        <a:rPr kumimoji="0" lang="en-US" sz="1800" b="0" i="0" u="none" strike="noStrike" cap="none" normalizeH="0" baseline="0" dirty="0">
-                          <a:ln>
-                            <a:noFill/>
-                          </a:ln>
-                          <a:solidFill>
-                            <a:schemeClr val="tx1"/>
-                          </a:solidFill>
-                          <a:effectLst/>
-                          <a:latin typeface="Segoe UI Light" panose="020B0502040204020203" pitchFamily="34" charset="0"/>
-                          <a:cs typeface="Segoe UI Light" panose="020B0502040204020203" pitchFamily="34" charset="0"/>
-                        </a:rPr>
-                        <a:t>Data store</a:t>
-                      </a:r>
-                      <a:endParaRPr kumimoji="0" lang="en-US" sz="1800" b="0" i="0" u="none" strike="noStrike" cap="none" normalizeH="0" baseline="0" dirty="0">
-                        <a:ln>
-                          <a:noFill/>
-                        </a:ln>
-                        <a:solidFill>
-                          <a:schemeClr val="tx1"/>
-                        </a:solidFill>
-                        <a:effectLst/>
-                        <a:latin typeface="Segoe UI Light" panose="020B0502040204020203" pitchFamily="34" charset="0"/>
-                        <a:cs typeface="Segoe UI Light" panose="020B0502040204020203" pitchFamily="34" charset="0"/>
-                      </a:endParaRPr>
-                    </a:p>
-                    <a:p>
-                      <a:pPr marL="233680" marR="0" lvl="0" indent="-233680" algn="l" defTabSz="914400" rtl="0" eaLnBrk="1" fontAlgn="base" latinLnBrk="0" hangingPunct="1">
-                        <a:lnSpc>
-                          <a:spcPct val="90000"/>
-                        </a:lnSpc>
-                        <a:spcBef>
-                          <a:spcPct val="70000"/>
-                        </a:spcBef>
-                        <a:spcAft>
-                          <a:spcPct val="0"/>
-                        </a:spcAft>
-                        <a:buClr>
-                          <a:schemeClr val="hlink"/>
-                        </a:buClr>
-                        <a:buSzPct val="90000"/>
-                        <a:buFontTx/>
-                        <a:buChar char="•"/>
-                      </a:pPr>
-                      <a:r>
-                        <a:rPr kumimoji="0" lang="en-US" sz="1800" b="0" i="0" u="none" strike="noStrike" cap="none" normalizeH="0" baseline="0" dirty="0">
-                          <a:ln>
-                            <a:noFill/>
-                          </a:ln>
-                          <a:solidFill>
-                            <a:schemeClr val="tx1"/>
-                          </a:solidFill>
-                          <a:effectLst/>
-                          <a:latin typeface="Segoe UI Light" panose="020B0502040204020203" pitchFamily="34" charset="0"/>
-                          <a:cs typeface="Segoe UI Light" panose="020B0502040204020203" pitchFamily="34" charset="0"/>
-                        </a:rPr>
-                        <a:t>Domain controllers </a:t>
-                      </a:r>
-                      <a:endParaRPr kumimoji="0" lang="en-US" sz="1800" b="0" i="0" u="none" strike="noStrike" cap="none" normalizeH="0" baseline="0" dirty="0">
-                        <a:ln>
-                          <a:noFill/>
-                        </a:ln>
-                        <a:solidFill>
-                          <a:schemeClr val="tx1"/>
-                        </a:solidFill>
-                        <a:effectLst/>
-                        <a:latin typeface="Segoe UI Light" panose="020B0502040204020203" pitchFamily="34" charset="0"/>
-                        <a:cs typeface="Segoe UI Light" panose="020B0502040204020203" pitchFamily="34" charset="0"/>
-                      </a:endParaRPr>
-                    </a:p>
-                    <a:p>
-                      <a:pPr marL="233680" marR="0" lvl="0" indent="-233680" algn="l" defTabSz="914400" rtl="0" eaLnBrk="1" fontAlgn="base" latinLnBrk="0" hangingPunct="1">
-                        <a:lnSpc>
-                          <a:spcPct val="90000"/>
-                        </a:lnSpc>
-                        <a:spcBef>
-                          <a:spcPct val="70000"/>
-                        </a:spcBef>
-                        <a:spcAft>
-                          <a:spcPct val="0"/>
-                        </a:spcAft>
-                        <a:buClr>
-                          <a:schemeClr val="hlink"/>
-                        </a:buClr>
-                        <a:buSzPct val="90000"/>
-                        <a:buFontTx/>
-                        <a:buChar char="•"/>
-                      </a:pPr>
-                      <a:r>
-                        <a:rPr kumimoji="0" lang="en-US" sz="1800" b="0" i="0" u="none" strike="noStrike" cap="none" normalizeH="0" baseline="0" dirty="0">
-                          <a:ln>
-                            <a:noFill/>
-                          </a:ln>
-                          <a:solidFill>
-                            <a:schemeClr val="tx1"/>
-                          </a:solidFill>
-                          <a:effectLst/>
-                          <a:latin typeface="Segoe UI Light" panose="020B0502040204020203" pitchFamily="34" charset="0"/>
-                          <a:cs typeface="Segoe UI Light" panose="020B0502040204020203" pitchFamily="34" charset="0"/>
-                        </a:rPr>
-                        <a:t>Global catalog server</a:t>
-                      </a:r>
-                      <a:endParaRPr kumimoji="0" lang="en-US" sz="1800" b="0" i="0" u="none" strike="noStrike" cap="none" normalizeH="0" baseline="0" dirty="0">
-                        <a:ln>
-                          <a:noFill/>
-                        </a:ln>
-                        <a:solidFill>
-                          <a:schemeClr val="tx1"/>
-                        </a:solidFill>
-                        <a:effectLst/>
-                        <a:latin typeface="Segoe UI Light" panose="020B0502040204020203" pitchFamily="34" charset="0"/>
-                        <a:cs typeface="Segoe UI Light" panose="020B0502040204020203" pitchFamily="34" charset="0"/>
-                      </a:endParaRPr>
-                    </a:p>
-                    <a:p>
-                      <a:pPr marL="233680" marR="0" lvl="0" indent="-233680" algn="l" defTabSz="914400" rtl="0" eaLnBrk="1" fontAlgn="base" latinLnBrk="0" hangingPunct="1">
-                        <a:lnSpc>
-                          <a:spcPct val="90000"/>
-                        </a:lnSpc>
-                        <a:spcBef>
-                          <a:spcPct val="70000"/>
-                        </a:spcBef>
-                        <a:spcAft>
-                          <a:spcPct val="0"/>
-                        </a:spcAft>
-                        <a:buClr>
-                          <a:schemeClr val="hlink"/>
-                        </a:buClr>
-                        <a:buSzPct val="90000"/>
-                        <a:buFontTx/>
-                        <a:buChar char="•"/>
-                      </a:pPr>
-                      <a:r>
-                        <a:rPr kumimoji="0" lang="en-US" sz="1800" b="0" i="0" u="none" strike="noStrike" cap="none" normalizeH="0" baseline="0" dirty="0">
-                          <a:ln>
-                            <a:noFill/>
-                          </a:ln>
-                          <a:solidFill>
-                            <a:schemeClr val="tx1"/>
-                          </a:solidFill>
-                          <a:effectLst/>
-                          <a:latin typeface="Segoe UI Light" panose="020B0502040204020203" pitchFamily="34" charset="0"/>
-                          <a:cs typeface="Segoe UI Light" panose="020B0502040204020203" pitchFamily="34" charset="0"/>
-                        </a:rPr>
-                        <a:t>Read-Only Domain Controller (RODC)</a:t>
-                      </a:r>
-                      <a:endParaRPr kumimoji="0" lang="en-US" sz="1800" b="0" i="0" u="none" strike="noStrike" cap="none" normalizeH="0" baseline="0" dirty="0">
-                        <a:ln>
-                          <a:noFill/>
-                        </a:ln>
-                        <a:solidFill>
-                          <a:schemeClr val="tx1"/>
-                        </a:solidFill>
-                        <a:effectLst/>
-                        <a:latin typeface="Segoe UI Light" panose="020B0502040204020203" pitchFamily="34" charset="0"/>
-                        <a:cs typeface="Segoe UI Light" panose="020B0502040204020203" pitchFamily="34" charset="0"/>
-                      </a:endParaRPr>
-                    </a:p>
-                    <a:p>
-                      <a:pPr marL="233680" marR="0" lvl="0" indent="-233680" algn="l" defTabSz="914400" rtl="0" eaLnBrk="1" fontAlgn="base" latinLnBrk="0" hangingPunct="1">
-                        <a:lnSpc>
-                          <a:spcPct val="90000"/>
-                        </a:lnSpc>
-                        <a:spcBef>
-                          <a:spcPct val="70000"/>
-                        </a:spcBef>
-                        <a:spcAft>
-                          <a:spcPct val="0"/>
-                        </a:spcAft>
-                        <a:buClr>
-                          <a:schemeClr val="hlink"/>
-                        </a:buClr>
-                        <a:buSzPct val="90000"/>
-                        <a:buFontTx/>
-                        <a:buNone/>
-                      </a:pPr>
-                      <a:endParaRPr kumimoji="0" lang="en-US" sz="1800" b="0" i="0" u="none" strike="noStrike" cap="none" normalizeH="0" baseline="0" dirty="0">
-                        <a:ln>
-                          <a:noFill/>
-                        </a:ln>
-                        <a:solidFill>
-                          <a:schemeClr val="tx1"/>
-                        </a:solidFill>
-                        <a:effectLst/>
-                        <a:latin typeface="Segoe UI Light" panose="020B0502040204020203" pitchFamily="34" charset="0"/>
-                        <a:cs typeface="Segoe UI Light" panose="020B0502040204020203" pitchFamily="34" charset="0"/>
-                      </a:endParaRPr>
-                    </a:p>
-                  </a:txBody>
-                  <a:tcPr marT="91440" marB="91440" horzOverflow="overflow">
-                    <a:lnL w="12700" cap="flat" cmpd="sng" algn="ctr">
-                      <a:solidFill>
-                        <a:srgbClr val="D2AC56"/>
-                      </a:solidFill>
-                      <a:prstDash val="solid"/>
-                      <a:round/>
-                      <a:headEnd type="none" w="med" len="med"/>
-                      <a:tailEnd type="none" w="med" len="med"/>
-                    </a:lnL>
-                    <a:lnR w="12700" cap="flat" cmpd="sng" algn="ctr">
-                      <a:solidFill>
-                        <a:srgbClr val="D2AC56"/>
-                      </a:solidFill>
-                      <a:prstDash val="solid"/>
-                      <a:round/>
-                      <a:headEnd type="none" w="med" len="med"/>
-                      <a:tailEnd type="none" w="med" len="med"/>
-                    </a:lnR>
-                    <a:lnT w="12700" cap="flat" cmpd="sng" algn="ctr">
-                      <a:solidFill>
-                        <a:srgbClr val="D2AC56"/>
-                      </a:solidFill>
-                      <a:prstDash val="solid"/>
-                      <a:round/>
-                      <a:headEnd type="none" w="med" len="med"/>
-                      <a:tailEnd type="none" w="med" len="med"/>
-                    </a:lnT>
-                    <a:lnB w="12700" cap="flat" cmpd="sng" algn="ctr">
-                      <a:solidFill>
-                        <a:srgbClr val="D2AC56"/>
-                      </a:solidFill>
-                      <a:prstDash val="solid"/>
-                      <a:round/>
-                      <a:headEnd type="none" w="med" len="med"/>
-                      <a:tailEnd type="none" w="med" len="med"/>
-                    </a:lnB>
-                    <a:lnTlToBr>
-                      <a:noFill/>
-                    </a:lnTlToBr>
-                    <a:lnBlToTr>
-                      <a:noFill/>
-                    </a:lnBlToTr>
-                    <a:solidFill>
-                      <a:schemeClr val="bg1"/>
-                    </a:solidFill>
-                  </a:tcPr>
-                </a:tc>
-                <a:tc>
-                  <a:txBody>
-                    <a:bodyPr/>
-                    <a:lstStyle/>
-                    <a:p>
-                      <a:pPr marL="233680" marR="0" lvl="0" indent="-233680" algn="l" defTabSz="914400" rtl="0" eaLnBrk="1" fontAlgn="base" latinLnBrk="0" hangingPunct="1">
-                        <a:lnSpc>
-                          <a:spcPct val="90000"/>
-                        </a:lnSpc>
-                        <a:spcBef>
-                          <a:spcPct val="70000"/>
-                        </a:spcBef>
-                        <a:spcAft>
-                          <a:spcPct val="0"/>
-                        </a:spcAft>
-                        <a:buClr>
-                          <a:schemeClr val="hlink"/>
-                        </a:buClr>
-                        <a:buSzPct val="90000"/>
-                        <a:buFontTx/>
-                        <a:buChar char="•"/>
-                      </a:pPr>
-                      <a:r>
-                        <a:rPr kumimoji="0" lang="en-US" sz="1800" b="0" i="0" u="none" strike="noStrike" cap="none" normalizeH="0" baseline="0" dirty="0">
-                          <a:ln>
-                            <a:noFill/>
-                          </a:ln>
-                          <a:solidFill>
-                            <a:schemeClr val="tx1"/>
-                          </a:solidFill>
-                          <a:effectLst/>
-                          <a:latin typeface="Segoe UI Light" panose="020B0502040204020203" pitchFamily="34" charset="0"/>
-                          <a:cs typeface="Segoe UI Light" panose="020B0502040204020203" pitchFamily="34" charset="0"/>
-                        </a:rPr>
-                        <a:t>Partitions</a:t>
-                      </a:r>
-                      <a:endParaRPr kumimoji="0" lang="en-US" sz="1800" b="0" i="0" u="none" strike="noStrike" cap="none" normalizeH="0" baseline="0" dirty="0">
-                        <a:ln>
-                          <a:noFill/>
-                        </a:ln>
-                        <a:solidFill>
-                          <a:schemeClr val="tx1"/>
-                        </a:solidFill>
-                        <a:effectLst/>
-                        <a:latin typeface="Segoe UI Light" panose="020B0502040204020203" pitchFamily="34" charset="0"/>
-                        <a:cs typeface="Segoe UI Light" panose="020B0502040204020203" pitchFamily="34" charset="0"/>
-                      </a:endParaRPr>
-                    </a:p>
-                    <a:p>
-                      <a:pPr marL="233680" marR="0" lvl="0" indent="-233680" algn="l" defTabSz="914400" rtl="0" eaLnBrk="1" fontAlgn="base" latinLnBrk="0" hangingPunct="1">
-                        <a:lnSpc>
-                          <a:spcPct val="90000"/>
-                        </a:lnSpc>
-                        <a:spcBef>
-                          <a:spcPct val="70000"/>
-                        </a:spcBef>
-                        <a:spcAft>
-                          <a:spcPct val="0"/>
-                        </a:spcAft>
-                        <a:buClr>
-                          <a:schemeClr val="hlink"/>
-                        </a:buClr>
-                        <a:buSzPct val="90000"/>
-                        <a:buFontTx/>
-                        <a:buChar char="•"/>
-                      </a:pPr>
-                      <a:r>
-                        <a:rPr kumimoji="0" lang="en-US" sz="1800" b="0" i="0" u="none" strike="noStrike" cap="none" normalizeH="0" baseline="0" dirty="0">
-                          <a:ln>
-                            <a:noFill/>
-                          </a:ln>
-                          <a:solidFill>
-                            <a:schemeClr val="tx1"/>
-                          </a:solidFill>
-                          <a:effectLst/>
-                          <a:latin typeface="Segoe UI Light" panose="020B0502040204020203" pitchFamily="34" charset="0"/>
-                          <a:cs typeface="Segoe UI Light" panose="020B0502040204020203" pitchFamily="34" charset="0"/>
-                        </a:rPr>
-                        <a:t>Schema</a:t>
-                      </a:r>
-                      <a:endParaRPr kumimoji="0" lang="en-US" sz="1800" b="0" i="0" u="none" strike="noStrike" cap="none" normalizeH="0" baseline="0" dirty="0">
-                        <a:ln>
-                          <a:noFill/>
-                        </a:ln>
-                        <a:solidFill>
-                          <a:schemeClr val="tx1"/>
-                        </a:solidFill>
-                        <a:effectLst/>
-                        <a:latin typeface="Segoe UI Light" panose="020B0502040204020203" pitchFamily="34" charset="0"/>
-                        <a:cs typeface="Segoe UI Light" panose="020B0502040204020203" pitchFamily="34" charset="0"/>
-                      </a:endParaRPr>
-                    </a:p>
-                    <a:p>
-                      <a:pPr marL="233680" marR="0" lvl="0" indent="-233680" algn="l" defTabSz="914400" rtl="0" eaLnBrk="1" fontAlgn="base" latinLnBrk="0" hangingPunct="1">
-                        <a:lnSpc>
-                          <a:spcPct val="90000"/>
-                        </a:lnSpc>
-                        <a:spcBef>
-                          <a:spcPct val="70000"/>
-                        </a:spcBef>
-                        <a:spcAft>
-                          <a:spcPct val="0"/>
-                        </a:spcAft>
-                        <a:buClr>
-                          <a:schemeClr val="hlink"/>
-                        </a:buClr>
-                        <a:buSzPct val="90000"/>
-                        <a:buFontTx/>
-                        <a:buChar char="•"/>
-                      </a:pPr>
-                      <a:r>
-                        <a:rPr kumimoji="0" lang="en-US" sz="1800" b="0" i="0" u="none" strike="noStrike" cap="none" normalizeH="0" baseline="0" dirty="0">
-                          <a:ln>
-                            <a:noFill/>
-                          </a:ln>
-                          <a:solidFill>
-                            <a:schemeClr val="tx1"/>
-                          </a:solidFill>
-                          <a:effectLst/>
-                          <a:latin typeface="Segoe UI Light" panose="020B0502040204020203" pitchFamily="34" charset="0"/>
-                          <a:cs typeface="Segoe UI Light" panose="020B0502040204020203" pitchFamily="34" charset="0"/>
-                        </a:rPr>
-                        <a:t>Domains</a:t>
-                      </a:r>
-                      <a:endParaRPr kumimoji="0" lang="en-US" sz="1800" b="0" i="0" u="none" strike="noStrike" cap="none" normalizeH="0" baseline="0" dirty="0">
-                        <a:ln>
-                          <a:noFill/>
-                        </a:ln>
-                        <a:solidFill>
-                          <a:schemeClr val="tx1"/>
-                        </a:solidFill>
-                        <a:effectLst/>
-                        <a:latin typeface="Segoe UI Light" panose="020B0502040204020203" pitchFamily="34" charset="0"/>
-                        <a:cs typeface="Segoe UI Light" panose="020B0502040204020203" pitchFamily="34" charset="0"/>
-                      </a:endParaRPr>
-                    </a:p>
-                    <a:p>
-                      <a:pPr marL="233680" marR="0" lvl="0" indent="-233680" algn="l" defTabSz="914400" rtl="0" eaLnBrk="1" fontAlgn="base" latinLnBrk="0" hangingPunct="1">
-                        <a:lnSpc>
-                          <a:spcPct val="90000"/>
-                        </a:lnSpc>
-                        <a:spcBef>
-                          <a:spcPct val="70000"/>
-                        </a:spcBef>
-                        <a:spcAft>
-                          <a:spcPct val="0"/>
-                        </a:spcAft>
-                        <a:buClr>
-                          <a:schemeClr val="hlink"/>
-                        </a:buClr>
-                        <a:buSzPct val="90000"/>
-                        <a:buFontTx/>
-                        <a:buChar char="•"/>
-                      </a:pPr>
-                      <a:r>
-                        <a:rPr kumimoji="0" lang="en-US" sz="1800" b="0" i="0" u="none" strike="noStrike" cap="none" normalizeH="0" baseline="0" dirty="0">
-                          <a:ln>
-                            <a:noFill/>
-                          </a:ln>
-                          <a:solidFill>
-                            <a:schemeClr val="tx1"/>
-                          </a:solidFill>
-                          <a:effectLst/>
-                          <a:latin typeface="Segoe UI Light" panose="020B0502040204020203" pitchFamily="34" charset="0"/>
-                          <a:cs typeface="Segoe UI Light" panose="020B0502040204020203" pitchFamily="34" charset="0"/>
-                        </a:rPr>
-                        <a:t>Domain trees</a:t>
-                      </a:r>
-                      <a:endParaRPr kumimoji="0" lang="en-US" sz="1800" b="0" i="0" u="none" strike="noStrike" cap="none" normalizeH="0" baseline="0" dirty="0">
-                        <a:ln>
-                          <a:noFill/>
-                        </a:ln>
-                        <a:solidFill>
-                          <a:schemeClr val="tx1"/>
-                        </a:solidFill>
-                        <a:effectLst/>
-                        <a:latin typeface="Segoe UI Light" panose="020B0502040204020203" pitchFamily="34" charset="0"/>
-                        <a:cs typeface="Segoe UI Light" panose="020B0502040204020203" pitchFamily="34" charset="0"/>
-                      </a:endParaRPr>
-                    </a:p>
-                    <a:p>
-                      <a:pPr marL="233680" marR="0" lvl="0" indent="-233680" algn="l" defTabSz="914400" rtl="0" eaLnBrk="1" fontAlgn="base" latinLnBrk="0" hangingPunct="1">
-                        <a:lnSpc>
-                          <a:spcPct val="90000"/>
-                        </a:lnSpc>
-                        <a:spcBef>
-                          <a:spcPct val="70000"/>
-                        </a:spcBef>
-                        <a:spcAft>
-                          <a:spcPct val="0"/>
-                        </a:spcAft>
-                        <a:buClr>
-                          <a:schemeClr val="hlink"/>
-                        </a:buClr>
-                        <a:buSzPct val="90000"/>
-                        <a:buFontTx/>
-                        <a:buChar char="•"/>
-                      </a:pPr>
-                      <a:r>
-                        <a:rPr kumimoji="0" lang="en-US" sz="1800" b="0" i="0" u="none" strike="noStrike" cap="none" normalizeH="0" baseline="0" dirty="0">
-                          <a:ln>
-                            <a:noFill/>
-                          </a:ln>
-                          <a:solidFill>
-                            <a:schemeClr val="tx1"/>
-                          </a:solidFill>
-                          <a:effectLst/>
-                          <a:latin typeface="Segoe UI Light" panose="020B0502040204020203" pitchFamily="34" charset="0"/>
-                          <a:cs typeface="Segoe UI Light" panose="020B0502040204020203" pitchFamily="34" charset="0"/>
-                        </a:rPr>
-                        <a:t>Forests</a:t>
-                      </a:r>
-                      <a:endParaRPr kumimoji="0" lang="en-US" sz="1800" b="0" i="0" u="none" strike="noStrike" cap="none" normalizeH="0" baseline="0" dirty="0">
-                        <a:ln>
-                          <a:noFill/>
-                        </a:ln>
-                        <a:solidFill>
-                          <a:schemeClr val="tx1"/>
-                        </a:solidFill>
-                        <a:effectLst/>
-                        <a:latin typeface="Segoe UI Light" panose="020B0502040204020203" pitchFamily="34" charset="0"/>
-                        <a:cs typeface="Segoe UI Light" panose="020B0502040204020203" pitchFamily="34" charset="0"/>
-                      </a:endParaRPr>
-                    </a:p>
-                    <a:p>
-                      <a:pPr marL="233680" marR="0" lvl="0" indent="-233680" algn="l" defTabSz="914400" rtl="0" eaLnBrk="1" fontAlgn="base" latinLnBrk="0" hangingPunct="1">
-                        <a:lnSpc>
-                          <a:spcPct val="90000"/>
-                        </a:lnSpc>
-                        <a:spcBef>
-                          <a:spcPct val="70000"/>
-                        </a:spcBef>
-                        <a:spcAft>
-                          <a:spcPct val="0"/>
-                        </a:spcAft>
-                        <a:buClr>
-                          <a:schemeClr val="hlink"/>
-                        </a:buClr>
-                        <a:buSzPct val="90000"/>
-                        <a:buFontTx/>
-                        <a:buChar char="•"/>
-                      </a:pPr>
-                      <a:r>
-                        <a:rPr kumimoji="0" lang="en-US" sz="1800" b="0" i="0" u="none" strike="noStrike" cap="none" normalizeH="0" baseline="0" dirty="0">
-                          <a:ln>
-                            <a:noFill/>
-                          </a:ln>
-                          <a:solidFill>
-                            <a:schemeClr val="tx1"/>
-                          </a:solidFill>
-                          <a:effectLst/>
-                          <a:latin typeface="Segoe UI Light" panose="020B0502040204020203" pitchFamily="34" charset="0"/>
-                          <a:cs typeface="Segoe UI Light" panose="020B0502040204020203" pitchFamily="34" charset="0"/>
-                        </a:rPr>
-                        <a:t>Sites</a:t>
-                      </a:r>
-                      <a:endParaRPr kumimoji="0" lang="en-US" sz="1800" b="0" i="0" u="none" strike="noStrike" cap="none" normalizeH="0" baseline="0" dirty="0">
-                        <a:ln>
-                          <a:noFill/>
-                        </a:ln>
-                        <a:solidFill>
-                          <a:schemeClr val="tx1"/>
-                        </a:solidFill>
-                        <a:effectLst/>
-                        <a:latin typeface="Segoe UI Light" panose="020B0502040204020203" pitchFamily="34" charset="0"/>
-                        <a:cs typeface="Segoe UI Light" panose="020B0502040204020203" pitchFamily="34" charset="0"/>
-                      </a:endParaRPr>
-                    </a:p>
-                    <a:p>
-                      <a:pPr marL="233680" marR="0" lvl="0" indent="-233680" algn="l" defTabSz="914400" rtl="0" eaLnBrk="1" fontAlgn="base" latinLnBrk="0" hangingPunct="1">
-                        <a:lnSpc>
-                          <a:spcPct val="90000"/>
-                        </a:lnSpc>
-                        <a:spcBef>
-                          <a:spcPct val="70000"/>
-                        </a:spcBef>
-                        <a:spcAft>
-                          <a:spcPct val="0"/>
-                        </a:spcAft>
-                        <a:buClr>
-                          <a:schemeClr val="hlink"/>
-                        </a:buClr>
-                        <a:buSzPct val="90000"/>
-                        <a:buFontTx/>
-                        <a:buChar char="•"/>
-                      </a:pPr>
-                      <a:r>
-                        <a:rPr kumimoji="0" lang="en-US" sz="1800" b="0" i="0" u="none" strike="noStrike" cap="none" normalizeH="0" baseline="0" dirty="0">
-                          <a:ln>
-                            <a:noFill/>
-                          </a:ln>
-                          <a:solidFill>
-                            <a:schemeClr val="tx1"/>
-                          </a:solidFill>
-                          <a:effectLst/>
-                          <a:latin typeface="Segoe UI Light" panose="020B0502040204020203" pitchFamily="34" charset="0"/>
-                          <a:cs typeface="Segoe UI Light" panose="020B0502040204020203" pitchFamily="34" charset="0"/>
-                        </a:rPr>
-                        <a:t>Organizational units (</a:t>
-                      </a:r>
-                      <a:r>
-                        <a:rPr kumimoji="0" lang="en-US" sz="1800" b="0" i="0" u="none" strike="noStrike" cap="none" normalizeH="0" baseline="0" dirty="0" err="1">
-                          <a:ln>
-                            <a:noFill/>
-                          </a:ln>
-                          <a:solidFill>
-                            <a:schemeClr val="tx1"/>
-                          </a:solidFill>
-                          <a:effectLst/>
-                          <a:latin typeface="Segoe UI Light" panose="020B0502040204020203" pitchFamily="34" charset="0"/>
-                          <a:cs typeface="Segoe UI Light" panose="020B0502040204020203" pitchFamily="34" charset="0"/>
-                        </a:rPr>
-                        <a:t>OUs</a:t>
-                      </a:r>
-                      <a:r>
-                        <a:rPr kumimoji="0" lang="en-US" sz="1800" b="0" i="0" u="none" strike="noStrike" cap="none" normalizeH="0" baseline="0" dirty="0">
-                          <a:ln>
-                            <a:noFill/>
-                          </a:ln>
-                          <a:solidFill>
-                            <a:schemeClr val="tx1"/>
-                          </a:solidFill>
-                          <a:effectLst/>
-                          <a:latin typeface="Segoe UI Light" panose="020B0502040204020203" pitchFamily="34" charset="0"/>
-                          <a:cs typeface="Segoe UI Light" panose="020B0502040204020203" pitchFamily="34" charset="0"/>
-                        </a:rPr>
-                        <a:t>)</a:t>
-                      </a:r>
-                      <a:endParaRPr kumimoji="0" lang="en-US" sz="1800" b="0" i="0" u="none" strike="noStrike" cap="none" normalizeH="0" baseline="0" dirty="0">
-                        <a:ln>
-                          <a:noFill/>
-                        </a:ln>
-                        <a:solidFill>
-                          <a:schemeClr val="tx1"/>
-                        </a:solidFill>
-                        <a:effectLst/>
-                        <a:latin typeface="Segoe UI Light" panose="020B0502040204020203" pitchFamily="34" charset="0"/>
-                        <a:cs typeface="Segoe UI Light" panose="020B0502040204020203" pitchFamily="34" charset="0"/>
-                      </a:endParaRPr>
-                    </a:p>
-                  </a:txBody>
-                  <a:tcPr marT="91440" marB="91440" horzOverflow="overflow">
-                    <a:lnL w="12700" cap="flat" cmpd="sng" algn="ctr">
-                      <a:solidFill>
-                        <a:srgbClr val="D2AC56"/>
-                      </a:solidFill>
-                      <a:prstDash val="solid"/>
-                      <a:round/>
-                      <a:headEnd type="none" w="med" len="med"/>
-                      <a:tailEnd type="none" w="med" len="med"/>
-                    </a:lnL>
-                    <a:lnR w="12700" cap="flat" cmpd="sng" algn="ctr">
-                      <a:solidFill>
-                        <a:srgbClr val="D2AC56"/>
-                      </a:solidFill>
-                      <a:prstDash val="solid"/>
-                      <a:round/>
-                      <a:headEnd type="none" w="med" len="med"/>
-                      <a:tailEnd type="none" w="med" len="med"/>
-                    </a:lnR>
-                    <a:lnT w="12700" cap="flat" cmpd="sng" algn="ctr">
-                      <a:solidFill>
-                        <a:srgbClr val="D2AC56"/>
-                      </a:solidFill>
-                      <a:prstDash val="solid"/>
-                      <a:round/>
-                      <a:headEnd type="none" w="med" len="med"/>
-                      <a:tailEnd type="none" w="med" len="med"/>
-                    </a:lnT>
-                    <a:lnB w="12700" cap="flat" cmpd="sng" algn="ctr">
-                      <a:solidFill>
-                        <a:srgbClr val="D2AC56"/>
-                      </a:solidFill>
-                      <a:prstDash val="solid"/>
-                      <a:round/>
-                      <a:headEnd type="none" w="med" len="med"/>
-                      <a:tailEnd type="none" w="med" len="med"/>
-                    </a:lnB>
-                    <a:lnTlToBr>
-                      <a:noFill/>
-                    </a:lnTlToBr>
-                    <a:lnBlToTr>
-                      <a:noFill/>
-                    </a:lnBlToTr>
-                    <a:solidFill>
-                      <a:schemeClr val="bg1"/>
-                    </a:solidFill>
-                  </a:tcPr>
-                </a:tc>
-              </a:tr>
-            </a:tbl>
-          </a:graphicData>
-        </a:graphic>
-      </p:graphicFrame>
-      <p:sp>
-        <p:nvSpPr>
-          <p:cNvPr id="933917" name="AutoShape 29"/>
-          <p:cNvSpPr>
-            <a:spLocks noChangeArrowheads="true"/>
-          </p:cNvSpPr>
-          <p:nvPr/>
-        </p:nvSpPr>
-        <p:spPr bwMode="auto">
-          <a:xfrm>
-            <a:off x="2851866" y="1387625"/>
-            <a:ext cx="8078787" cy="461665"/>
-          </a:xfrm>
-          <a:prstGeom prst="rect">
-            <a:avLst/>
-          </a:prstGeom>
-          <a:solidFill>
-            <a:schemeClr val="accent2">
-              <a:lumMod val="40000"/>
-              <a:lumOff val="60000"/>
-            </a:schemeClr>
-          </a:solidFill>
-          <a:ln w="9525" algn="ctr">
-            <a:solidFill>
-              <a:srgbClr val="808080"/>
-            </a:solidFill>
-            <a:round/>
-          </a:ln>
-          <a:effectLst>
-            <a:outerShdw dist="35921" dir="2700000" algn="ctr" rotWithShape="0">
-              <a:srgbClr val="C0C0C0"/>
-            </a:outerShdw>
-          </a:effectLst>
-        </p:spPr>
-        <p:txBody>
-          <a:bodyPr tIns="91440" bIns="91440" anchor="ctr">
-            <a:spAutoFit/>
-          </a:bodyPr>
-          <a:lstStyle/>
-          <a:p>
-            <a:pPr algn="l">
-              <a:defRPr/>
-            </a:pPr>
-            <a:r>
-              <a:rPr lang="en-US" dirty="0">
-                <a:latin typeface="Segoe UI Light" panose="020B0502040204020203" pitchFamily="34" charset="0"/>
-                <a:cs typeface="Segoe UI Light" panose="020B0502040204020203" pitchFamily="34" charset="0"/>
-              </a:rPr>
-              <a:t>AD DS is composed of both physical and logical components</a:t>
-            </a:r>
-            <a:endParaRPr lang="en-US" dirty="0">
-              <a:latin typeface="Segoe UI Light" panose="020B0502040204020203" pitchFamily="34" charset="0"/>
-              <a:cs typeface="Segoe UI Light" panose="020B0502040204020203" pitchFamily="34" charset="0"/>
-            </a:endParaRPr>
-          </a:p>
-        </p:txBody>
-      </p:sp>
-      <p:sp>
-        <p:nvSpPr>
-          <p:cNvPr id="7" name="Rectangle 2"/>
-          <p:cNvSpPr txBox="true">
-            <a:spLocks noChangeArrowheads="true"/>
-          </p:cNvSpPr>
-          <p:nvPr/>
-        </p:nvSpPr>
-        <p:spPr>
-          <a:xfrm>
-            <a:off x="4622337" y="232550"/>
-            <a:ext cx="4773337" cy="518873"/>
-          </a:xfrm>
-          <a:prstGeom prst="rect">
-            <a:avLst/>
-          </a:prstGeom>
-        </p:spPr>
-        <p:txBody>
-          <a:bodyPr vert="horz" lIns="91409" tIns="45705" rIns="91409" bIns="45705" rtlCol="0" anchor="t" anchorCtr="false">
-            <a:normAutofit fontScale="85000" lnSpcReduction="10000"/>
-          </a:bodyPr>
-          <a:lstStyle>
-            <a:lvl1pPr algn="l" defTabSz="914400" rtl="0" eaLnBrk="1" latinLnBrk="0" hangingPunct="1">
-              <a:lnSpc>
-                <a:spcPct val="80000"/>
-              </a:lnSpc>
-              <a:spcBef>
-                <a:spcPct val="0"/>
-              </a:spcBef>
-              <a:buNone/>
-              <a:defRPr sz="4400" kern="1200">
-                <a:solidFill>
-                  <a:schemeClr val="tx1"/>
-                </a:solidFill>
-                <a:latin typeface="Segoe UI Light" panose="020B0502040204020203" pitchFamily="34" charset="0"/>
-                <a:ea typeface="Segoe UI Light" panose="020B0502040204020203" pitchFamily="34" charset="0"/>
-                <a:cs typeface="Segoe UI Light" panose="020B0502040204020203" pitchFamily="34" charset="0"/>
-              </a:defRPr>
-            </a:lvl1pPr>
-          </a:lstStyle>
-          <a:p>
-            <a:r>
-              <a:rPr lang="en-US" dirty="0"/>
-              <a:t>Component Overview</a:t>
-            </a:r>
-            <a:endParaRPr lang="en-US" dirty="0"/>
-          </a:p>
-        </p:txBody>
-      </p:sp>
-    </p:spTree>
-  </p:cSld>
-  <p:clrMapOvr>
-    <a:masterClrMapping/>
-  </p:clrMapOvr>
-</p:sld>
-</file>
-
-<file path=ppt/slides/slide11.xml><?xml version="1.0" encoding="utf-8"?>
-<p:sld xmlns:a="http://schemas.openxmlformats.org/drawingml/2006/main" xmlns:r="http://schemas.openxmlformats.org/officeDocument/2006/relationships" xmlns:p="http://schemas.openxmlformats.org/presentationml/2006/main">
-  <p:cSld>
-    <p:spTree>
-      <p:nvGrpSpPr>
-        <p:cNvPr id="1" name=""/>
-        <p:cNvGrpSpPr/>
-        <p:nvPr/>
-      </p:nvGrpSpPr>
-      <p:grpSpPr>
-        <a:xfrm>
-          <a:off x="0" y="0"/>
-          <a:ext cx="0" cy="0"/>
-          <a:chOff x="0" y="0"/>
-          <a:chExt cx="0" cy="0"/>
-        </a:xfrm>
-      </p:grpSpPr>
-      <p:sp>
-        <p:nvSpPr>
-          <p:cNvPr id="21506" name="Rectangle 2"/>
-          <p:cNvSpPr>
-            <a:spLocks noGrp="true" noChangeArrowheads="true"/>
-          </p:cNvSpPr>
-          <p:nvPr>
-            <p:ph type="title"/>
-          </p:nvPr>
-        </p:nvSpPr>
-        <p:spPr>
-          <a:xfrm>
-            <a:off x="2927220" y="459298"/>
-            <a:ext cx="7122794" cy="1193334"/>
-          </a:xfrm>
-        </p:spPr>
-        <p:txBody>
-          <a:bodyPr>
-            <a:normAutofit/>
-          </a:bodyPr>
-          <a:lstStyle/>
-          <a:p>
-            <a:pPr eaLnBrk="1" hangingPunct="1"/>
-            <a:r>
-              <a:rPr lang="en-US" dirty="0"/>
-              <a:t>2</a:t>
-            </a:r>
-            <a:r>
-              <a:rPr lang="x-none" altLang="en-US" dirty="0"/>
-              <a:t>. </a:t>
-            </a:r>
-            <a:r>
-              <a:rPr lang="en-US" dirty="0"/>
-              <a:t>AD DS Physical Components</a:t>
-            </a:r>
-            <a:endParaRPr lang="en-US" dirty="0"/>
-          </a:p>
-        </p:txBody>
-      </p:sp>
-      <p:sp>
-        <p:nvSpPr>
-          <p:cNvPr id="4" name="Content Placeholder 6"/>
-          <p:cNvSpPr>
-            <a:spLocks noGrp="true"/>
-          </p:cNvSpPr>
-          <p:nvPr>
-            <p:ph sz="quarter" idx="10"/>
-          </p:nvPr>
-        </p:nvSpPr>
-        <p:spPr>
-          <a:xfrm>
-            <a:off x="2834640" y="1880235"/>
-            <a:ext cx="6027420" cy="3964940"/>
-          </a:xfrm>
-        </p:spPr>
-        <p:txBody>
-          <a:bodyPr>
-            <a:noAutofit/>
-          </a:bodyPr>
-          <a:lstStyle/>
-          <a:p>
-            <a:r>
-              <a:rPr lang="en-US" sz="3600" dirty="0">
-                <a:latin typeface="Arial" panose="020B0604020202020204" pitchFamily="34" charset="0"/>
-                <a:cs typeface="Arial" panose="020B0604020202020204" pitchFamily="34" charset="0"/>
-              </a:rPr>
-              <a:t>Domain Controllers</a:t>
-            </a:r>
-            <a:endParaRPr lang="en-US" sz="3600" dirty="0">
-              <a:latin typeface="Arial" panose="020B0604020202020204" pitchFamily="34" charset="0"/>
-              <a:cs typeface="Arial" panose="020B0604020202020204" pitchFamily="34" charset="0"/>
-            </a:endParaRPr>
-          </a:p>
-          <a:p>
-            <a:r>
-              <a:rPr lang="en-US" sz="3600" dirty="0">
-                <a:latin typeface="Arial" panose="020B0604020202020204" pitchFamily="34" charset="0"/>
-                <a:cs typeface="Arial" panose="020B0604020202020204" pitchFamily="34" charset="0"/>
-              </a:rPr>
-              <a:t>Global Catalog Servers</a:t>
-            </a:r>
-            <a:endParaRPr lang="en-US" sz="3600" dirty="0">
-              <a:latin typeface="Arial" panose="020B0604020202020204" pitchFamily="34" charset="0"/>
-              <a:cs typeface="Arial" panose="020B0604020202020204" pitchFamily="34" charset="0"/>
-            </a:endParaRPr>
-          </a:p>
-          <a:p>
-            <a:r>
-              <a:rPr lang="en-US" sz="3600" dirty="0">
-                <a:latin typeface="Arial" panose="020B0604020202020204" pitchFamily="34" charset="0"/>
-                <a:cs typeface="Arial" panose="020B0604020202020204" pitchFamily="34" charset="0"/>
-              </a:rPr>
-              <a:t>Data Store</a:t>
-            </a:r>
-            <a:endParaRPr lang="en-US" sz="3600" dirty="0">
-              <a:latin typeface="Arial" panose="020B0604020202020204" pitchFamily="34" charset="0"/>
-              <a:cs typeface="Arial" panose="020B0604020202020204" pitchFamily="34" charset="0"/>
-            </a:endParaRPr>
-          </a:p>
-          <a:p>
-            <a:r>
-              <a:rPr lang="en-US" sz="3600" dirty="0">
-                <a:latin typeface="Arial" panose="020B0604020202020204" pitchFamily="34" charset="0"/>
-                <a:cs typeface="Arial" panose="020B0604020202020204" pitchFamily="34" charset="0"/>
-              </a:rPr>
-              <a:t>Replication</a:t>
-            </a:r>
-            <a:endParaRPr lang="en-US" sz="3600" dirty="0">
-              <a:latin typeface="Arial" panose="020B0604020202020204" pitchFamily="34" charset="0"/>
-              <a:cs typeface="Arial" panose="020B0604020202020204" pitchFamily="34" charset="0"/>
-            </a:endParaRPr>
-          </a:p>
-          <a:p>
-            <a:pPr marL="0" indent="0">
-              <a:buNone/>
-            </a:pPr>
-            <a:endParaRPr lang="en-US" sz="3600" dirty="0">
-              <a:latin typeface="Arial" panose="020B0604020202020204" pitchFamily="34" charset="0"/>
-              <a:cs typeface="Arial" panose="020B0604020202020204" pitchFamily="34" charset="0"/>
-            </a:endParaRPr>
-          </a:p>
-        </p:txBody>
-      </p:sp>
-    </p:spTree>
-  </p:cSld>
-  <p:clrMapOvr>
-    <a:masterClrMapping/>
-  </p:clrMapOvr>
-</p:sld>
-</file>
-
-<file path=ppt/slides/slide12.xml><?xml version="1.0" encoding="utf-8"?>
-<p:sld xmlns:a="http://schemas.openxmlformats.org/drawingml/2006/main" xmlns:r="http://schemas.openxmlformats.org/officeDocument/2006/relationships" xmlns:p="http://schemas.openxmlformats.org/presentationml/2006/main">
-  <p:cSld>
-    <p:spTree>
-      <p:nvGrpSpPr>
-        <p:cNvPr id="1" name=""/>
-        <p:cNvGrpSpPr/>
-        <p:nvPr/>
-      </p:nvGrpSpPr>
-      <p:grpSpPr>
-        <a:xfrm>
-          <a:off x="0" y="0"/>
-          <a:ext cx="0" cy="0"/>
-          <a:chOff x="0" y="0"/>
-          <a:chExt cx="0" cy="0"/>
-        </a:xfrm>
-      </p:grpSpPr>
       <p:sp>
         <p:nvSpPr>
           <p:cNvPr id="22530" name="Rectangle 2"/>
@@ -17670,7 +14831,7 @@
         </p:nvSpPr>
         <p:spPr>
           <a:xfrm>
-            <a:off x="4353883" y="-94377"/>
+            <a:off x="4374838" y="239633"/>
             <a:ext cx="3978099" cy="667757"/>
           </a:xfrm>
         </p:spPr>
@@ -18512,7 +15673,7 @@
 </p:sld>
 </file>
 
-<file path=ppt/slides/slide13.xml><?xml version="1.0" encoding="utf-8"?>
+<file path=ppt/slides/slide11.xml><?xml version="1.0" encoding="utf-8"?>
 <p:sld xmlns:a="http://schemas.openxmlformats.org/drawingml/2006/main" xmlns:r="http://schemas.openxmlformats.org/officeDocument/2006/relationships" xmlns:p="http://schemas.openxmlformats.org/presentationml/2006/main">
   <p:cSld>
     <p:spTree>
@@ -18569,8 +15730,8 @@
         </p:nvSpPr>
         <p:spPr>
           <a:xfrm>
-            <a:off x="2301338" y="3225131"/>
-            <a:ext cx="2883059" cy="468313"/>
+            <a:off x="2133600" y="2742565"/>
+            <a:ext cx="2882900" cy="1040130"/>
           </a:xfrm>
           <a:prstGeom prst="rect">
             <a:avLst/>
@@ -19222,7 +16383,7 @@
 </p:sld>
 </file>
 
-<file path=ppt/slides/slide14.xml><?xml version="1.0" encoding="utf-8"?>
+<file path=ppt/slides/slide12.xml><?xml version="1.0" encoding="utf-8"?>
 <p:sld xmlns:a="http://schemas.openxmlformats.org/drawingml/2006/main" xmlns:r="http://schemas.openxmlformats.org/officeDocument/2006/relationships" xmlns:p="http://schemas.openxmlformats.org/presentationml/2006/main">
   <p:cSld>
     <p:spTree>
@@ -19859,7 +17020,7 @@
 </p:sld>
 </file>
 
-<file path=ppt/slides/slide15.xml><?xml version="1.0" encoding="utf-8"?>
+<file path=ppt/slides/slide13.xml><?xml version="1.0" encoding="utf-8"?>
 <p:sld xmlns:a="http://schemas.openxmlformats.org/drawingml/2006/main" xmlns:r="http://schemas.openxmlformats.org/officeDocument/2006/relationships" xmlns:p="http://schemas.openxmlformats.org/presentationml/2006/main">
   <p:cSld>
     <p:spTree>
@@ -20656,7 +17817,7 @@
 </p:sld>
 </file>
 
-<file path=ppt/slides/slide16.xml><?xml version="1.0" encoding="utf-8"?>
+<file path=ppt/slides/slide14.xml><?xml version="1.0" encoding="utf-8"?>
 <p:sld xmlns:a="http://schemas.openxmlformats.org/drawingml/2006/main" xmlns:r="http://schemas.openxmlformats.org/officeDocument/2006/relationships" xmlns:p="http://schemas.openxmlformats.org/presentationml/2006/main">
   <p:cSld>
     <p:spTree>
@@ -20698,7 +17859,15 @@
             <a:pPr eaLnBrk="1" hangingPunct="1"/>
             <a:r>
               <a:rPr lang="en-US" dirty="0"/>
-              <a:t>Lesson 3: Overview of AD DS Logical Components </a:t>
+              <a:t>3</a:t>
+            </a:r>
+            <a:r>
+              <a:rPr lang="x-none" altLang="en-US" dirty="0"/>
+              <a:t>. </a:t>
+            </a:r>
+            <a:r>
+              <a:rPr lang="en-US" dirty="0"/>
+              <a:t>AD DS Logical Components </a:t>
             </a:r>
             <a:endParaRPr lang="en-US" dirty="0"/>
           </a:p>
@@ -20740,11 +17909,24 @@
           </a:p>
           <a:p>
             <a:r>
-              <a:rPr lang="en-US" dirty="0">
+              <a:rPr lang="x-none" altLang="en-US" dirty="0">
                 <a:latin typeface="Arial" panose="020B0604020202020204" pitchFamily="34" charset="0"/>
                 <a:cs typeface="Arial" panose="020B0604020202020204" pitchFamily="34" charset="0"/>
               </a:rPr>
-              <a:t>The Basics</a:t>
+              <a:t>Domains</a:t>
+            </a:r>
+            <a:endParaRPr lang="x-none" altLang="en-US" dirty="0">
+              <a:latin typeface="Arial" panose="020B0604020202020204" pitchFamily="34" charset="0"/>
+              <a:cs typeface="Arial" panose="020B0604020202020204" pitchFamily="34" charset="0"/>
+            </a:endParaRPr>
+          </a:p>
+          <a:p>
+            <a:r>
+              <a:rPr lang="x-none" altLang="en-US" dirty="0">
+                <a:latin typeface="Arial" panose="020B0604020202020204" pitchFamily="34" charset="0"/>
+                <a:cs typeface="Arial" panose="020B0604020202020204" pitchFamily="34" charset="0"/>
+              </a:rPr>
+              <a:t>Trees</a:t>
             </a:r>
             <a:endParaRPr lang="en-US" dirty="0">
               <a:latin typeface="Arial" panose="020B0604020202020204" pitchFamily="34" charset="0"/>
@@ -20787,7 +17969,7 @@
 </p:sld>
 </file>
 
-<file path=ppt/slides/slide17.xml><?xml version="1.0" encoding="utf-8"?>
+<file path=ppt/slides/slide15.xml><?xml version="1.0" encoding="utf-8"?>
 <p:sld xmlns:a="http://schemas.openxmlformats.org/drawingml/2006/main" xmlns:r="http://schemas.openxmlformats.org/officeDocument/2006/relationships" xmlns:p="http://schemas.openxmlformats.org/presentationml/2006/main">
   <p:cSld>
     <p:spTree>
@@ -21901,7 +19083,7 @@
 </p:sld>
 </file>
 
-<file path=ppt/slides/slide18.xml><?xml version="1.0" encoding="utf-8"?>
+<file path=ppt/slides/slide16.xml><?xml version="1.0" encoding="utf-8"?>
 <p:sld xmlns:a="http://schemas.openxmlformats.org/drawingml/2006/main" xmlns:r="http://schemas.openxmlformats.org/officeDocument/2006/relationships" xmlns:p="http://schemas.openxmlformats.org/presentationml/2006/main">
   <p:cSld>
     <p:spTree>
@@ -21941,7 +19123,7 @@
             <a:pPr eaLnBrk="1" hangingPunct="1"/>
             <a:r>
               <a:rPr lang="en-US" dirty="0"/>
-              <a:t>The Basics: Domains</a:t>
+              <a:t>Domains</a:t>
             </a:r>
             <a:endParaRPr lang="en-US" dirty="0"/>
           </a:p>
@@ -21959,8 +19141,8 @@
         </p:nvSpPr>
         <p:spPr>
           <a:xfrm>
-            <a:off x="2169836" y="2878139"/>
-            <a:ext cx="1512931" cy="498229"/>
+            <a:off x="2078990" y="2501900"/>
+            <a:ext cx="2162175" cy="498475"/>
           </a:xfrm>
           <a:prstGeom prst="rect">
             <a:avLst/>
@@ -22567,7 +19749,7 @@
 </p:sld>
 </file>
 
-<file path=ppt/slides/slide19.xml><?xml version="1.0" encoding="utf-8"?>
+<file path=ppt/slides/slide17.xml><?xml version="1.0" encoding="utf-8"?>
 <p:sld xmlns:a="http://schemas.openxmlformats.org/drawingml/2006/main" xmlns:r="http://schemas.openxmlformats.org/officeDocument/2006/relationships" xmlns:p="http://schemas.openxmlformats.org/presentationml/2006/main">
   <p:cSld>
     <p:spTree>
@@ -22626,8 +19808,8 @@
         </p:nvSpPr>
         <p:spPr>
           <a:xfrm>
-            <a:off x="2644258" y="3541828"/>
-            <a:ext cx="3060258" cy="557508"/>
+            <a:off x="2428240" y="2831465"/>
+            <a:ext cx="3060065" cy="1351280"/>
           </a:xfrm>
           <a:prstGeom prst="rect">
             <a:avLst/>
@@ -22646,7 +19828,7 @@
         </p:spPr>
         <p:txBody>
           <a:bodyPr lIns="91440" tIns="45720" rIns="91440" bIns="45720">
-            <a:normAutofit fontScale="92500"/>
+            <a:normAutofit/>
           </a:bodyPr>
           <a:lstStyle/>
           <a:p>
@@ -23682,2100 +20864,7 @@
 </p:sld>
 </file>
 
-<file path=ppt/slides/slide2.xml><?xml version="1.0" encoding="utf-8"?>
-<p:sld xmlns:a="http://schemas.openxmlformats.org/drawingml/2006/main" xmlns:r="http://schemas.openxmlformats.org/officeDocument/2006/relationships" xmlns:p="http://schemas.openxmlformats.org/presentationml/2006/main">
-  <p:cSld>
-    <p:spTree>
-      <p:nvGrpSpPr>
-        <p:cNvPr id="1" name=""/>
-        <p:cNvGrpSpPr/>
-        <p:nvPr/>
-      </p:nvGrpSpPr>
-      <p:grpSpPr>
-        <a:xfrm>
-          <a:off x="0" y="0"/>
-          <a:ext cx="0" cy="0"/>
-          <a:chOff x="0" y="0"/>
-          <a:chExt cx="0" cy="0"/>
-        </a:xfrm>
-      </p:grpSpPr>
-      <p:sp>
-        <p:nvSpPr>
-          <p:cNvPr id="2" name="Title 1"/>
-          <p:cNvSpPr>
-            <a:spLocks noGrp="true"/>
-          </p:cNvSpPr>
-          <p:nvPr>
-            <p:ph type="title"/>
-          </p:nvPr>
-        </p:nvSpPr>
-        <p:spPr>
-          <a:xfrm>
-            <a:off x="3187700" y="241300"/>
-            <a:ext cx="5687060" cy="866140"/>
-          </a:xfrm>
-        </p:spPr>
-        <p:txBody>
-          <a:bodyPr/>
-          <a:lstStyle/>
-          <a:p>
-            <a:r>
-              <a:rPr lang="x-none" altLang="en-US" sz="4000" u="sng" dirty="0"/>
-              <a:t>Points To Be Covered</a:t>
-            </a:r>
-            <a:endParaRPr lang="x-none" altLang="en-US" sz="4000" u="sng" dirty="0"/>
-          </a:p>
-        </p:txBody>
-      </p:sp>
-      <p:sp>
-        <p:nvSpPr>
-          <p:cNvPr id="7" name="Content Placeholder 6"/>
-          <p:cNvSpPr>
-            <a:spLocks noGrp="true"/>
-          </p:cNvSpPr>
-          <p:nvPr>
-            <p:ph sz="quarter" idx="10"/>
-          </p:nvPr>
-        </p:nvSpPr>
-        <p:spPr>
-          <a:xfrm>
-            <a:off x="1553872" y="2220982"/>
-            <a:ext cx="6986121" cy="1971413"/>
-          </a:xfrm>
-        </p:spPr>
-        <p:txBody>
-          <a:bodyPr>
-            <a:noAutofit/>
-          </a:bodyPr>
-          <a:lstStyle/>
-          <a:p>
-            <a:r>
-              <a:rPr lang="en-GB" sz="3600" dirty="0">
-                <a:latin typeface="Arial" panose="020B0604020202020204" pitchFamily="34" charset="0"/>
-                <a:cs typeface="Arial" panose="020B0604020202020204" pitchFamily="34" charset="0"/>
-              </a:rPr>
-              <a:t>Overview of AD DS</a:t>
-            </a:r>
-            <a:endParaRPr lang="en-GB" sz="3600" dirty="0">
-              <a:latin typeface="Arial" panose="020B0604020202020204" pitchFamily="34" charset="0"/>
-              <a:cs typeface="Arial" panose="020B0604020202020204" pitchFamily="34" charset="0"/>
-            </a:endParaRPr>
-          </a:p>
-          <a:p>
-            <a:r>
-              <a:rPr lang="en-GB" sz="3600" dirty="0">
-                <a:latin typeface="Arial" panose="020B0604020202020204" pitchFamily="34" charset="0"/>
-                <a:cs typeface="Arial" panose="020B0604020202020204" pitchFamily="34" charset="0"/>
-              </a:rPr>
-              <a:t>AD DS Physical Components</a:t>
-            </a:r>
-            <a:endParaRPr lang="en-GB" sz="3600" dirty="0">
-              <a:latin typeface="Arial" panose="020B0604020202020204" pitchFamily="34" charset="0"/>
-              <a:cs typeface="Arial" panose="020B0604020202020204" pitchFamily="34" charset="0"/>
-            </a:endParaRPr>
-          </a:p>
-          <a:p>
-            <a:r>
-              <a:rPr lang="en-GB" sz="3600" dirty="0">
-                <a:latin typeface="Arial" panose="020B0604020202020204" pitchFamily="34" charset="0"/>
-                <a:cs typeface="Arial" panose="020B0604020202020204" pitchFamily="34" charset="0"/>
-              </a:rPr>
-              <a:t>AD DS Logical Components</a:t>
-            </a:r>
-            <a:endParaRPr lang="en-GB" sz="3600" dirty="0">
-              <a:latin typeface="Arial" panose="020B0604020202020204" pitchFamily="34" charset="0"/>
-              <a:cs typeface="Arial" panose="020B0604020202020204" pitchFamily="34" charset="0"/>
-            </a:endParaRPr>
-          </a:p>
-          <a:p>
-            <a:endParaRPr lang="en-GB" sz="3600" dirty="0">
-              <a:latin typeface="Arial" panose="020B0604020202020204" pitchFamily="34" charset="0"/>
-              <a:cs typeface="Arial" panose="020B0604020202020204" pitchFamily="34" charset="0"/>
-            </a:endParaRPr>
-          </a:p>
-          <a:p>
-            <a:endParaRPr lang="en-GB" sz="3600" dirty="0">
-              <a:latin typeface="Arial" panose="020B0604020202020204" pitchFamily="34" charset="0"/>
-              <a:cs typeface="Arial" panose="020B0604020202020204" pitchFamily="34" charset="0"/>
-            </a:endParaRPr>
-          </a:p>
-        </p:txBody>
-      </p:sp>
-    </p:spTree>
-  </p:cSld>
-  <p:clrMapOvr>
-    <a:masterClrMapping/>
-  </p:clrMapOvr>
-</p:sld>
-</file>
-
-<file path=ppt/slides/slide20.xml><?xml version="1.0" encoding="utf-8"?>
-<p:sld xmlns:a="http://schemas.openxmlformats.org/drawingml/2006/main" xmlns:r="http://schemas.openxmlformats.org/officeDocument/2006/relationships" xmlns:p="http://schemas.openxmlformats.org/presentationml/2006/main">
-  <p:cSld>
-    <p:spTree>
-      <p:nvGrpSpPr>
-        <p:cNvPr id="1" name=""/>
-        <p:cNvGrpSpPr/>
-        <p:nvPr/>
-      </p:nvGrpSpPr>
-      <p:grpSpPr>
-        <a:xfrm>
-          <a:off x="0" y="0"/>
-          <a:ext cx="0" cy="0"/>
-          <a:chOff x="0" y="0"/>
-          <a:chExt cx="0" cy="0"/>
-        </a:xfrm>
-      </p:grpSpPr>
-      <p:sp>
-        <p:nvSpPr>
-          <p:cNvPr id="16386" name="Rectangle 2"/>
-          <p:cNvSpPr>
-            <a:spLocks noGrp="true" noChangeArrowheads="true"/>
-          </p:cNvSpPr>
-          <p:nvPr>
-            <p:ph type="title"/>
-          </p:nvPr>
-        </p:nvSpPr>
-        <p:spPr>
-          <a:xfrm>
-            <a:off x="4529517" y="135111"/>
-            <a:ext cx="4497039" cy="478139"/>
-          </a:xfrm>
-        </p:spPr>
-        <p:txBody>
-          <a:bodyPr>
-            <a:normAutofit fontScale="90000"/>
-          </a:bodyPr>
-          <a:lstStyle/>
-          <a:p>
-            <a:r>
-              <a:rPr lang="en-US" dirty="0"/>
-              <a:t> Forests</a:t>
-            </a:r>
-            <a:endParaRPr lang="en-US" dirty="0"/>
-          </a:p>
-        </p:txBody>
-      </p:sp>
-      <p:sp>
-        <p:nvSpPr>
-          <p:cNvPr id="16387" name="Rounded Rectangle 812098"/>
-          <p:cNvSpPr>
-            <a:spLocks noGrp="true" noChangeArrowheads="true"/>
-          </p:cNvSpPr>
-          <p:nvPr>
-            <p:ph sz="quarter" idx="10"/>
-          </p:nvPr>
-        </p:nvSpPr>
-        <p:spPr>
-          <a:xfrm>
-            <a:off x="3093813" y="3033644"/>
-            <a:ext cx="1251685" cy="538581"/>
-          </a:xfrm>
-          <a:prstGeom prst="rect">
-            <a:avLst/>
-          </a:prstGeom>
-          <a:solidFill>
-            <a:srgbClr val="DEE7F1"/>
-          </a:solidFill>
-          <a:ln cap="flat" algn="ctr">
-            <a:solidFill>
-              <a:srgbClr val="333333"/>
-            </a:solidFill>
-            <a:round/>
-            <a:headEnd type="none" w="med" len="med"/>
-            <a:tailEnd type="none" w="med" len="med"/>
-          </a:ln>
-        </p:spPr>
-        <p:txBody>
-          <a:bodyPr lIns="91440" tIns="45720" rIns="91440" bIns="45720"/>
-          <a:lstStyle/>
-          <a:p>
-            <a:pPr marL="0" indent="0">
-              <a:spcBef>
-                <a:spcPct val="0"/>
-              </a:spcBef>
-              <a:buNone/>
-            </a:pPr>
-            <a:r>
-              <a:rPr lang="en-US" b="0"/>
-              <a:t>Forests:</a:t>
-            </a:r>
-            <a:endParaRPr lang="en-US" b="0"/>
-          </a:p>
-        </p:txBody>
-      </p:sp>
-      <p:sp>
-        <p:nvSpPr>
-          <p:cNvPr id="16388" name="Rounded Rectangle 844806"/>
-          <p:cNvSpPr>
-            <a:spLocks noChangeArrowheads="true"/>
-          </p:cNvSpPr>
-          <p:nvPr/>
-        </p:nvSpPr>
-        <p:spPr bwMode="auto">
-          <a:xfrm>
-            <a:off x="3074087" y="3772731"/>
-            <a:ext cx="7920038" cy="355600"/>
-          </a:xfrm>
-          <a:prstGeom prst="roundRect">
-            <a:avLst>
-              <a:gd name="adj" fmla="val 4167"/>
-            </a:avLst>
-          </a:prstGeom>
-          <a:solidFill>
-            <a:srgbClr val="F2E7CE"/>
-          </a:solidFill>
-          <a:ln w="9525" algn="ctr">
-            <a:solidFill>
-              <a:srgbClr val="333333"/>
-            </a:solidFill>
-            <a:round/>
-          </a:ln>
-        </p:spPr>
-        <p:txBody>
-          <a:bodyPr anchor="ctr">
-            <a:spAutoFit/>
-          </a:bodyPr>
-          <a:lstStyle>
-            <a:lvl1pPr marL="228600" indent="-228600">
-              <a:defRPr b="1">
-                <a:solidFill>
-                  <a:schemeClr val="tx1"/>
-                </a:solidFill>
-                <a:latin typeface="Verdana" panose="020B0604030504040204" pitchFamily="34" charset="0"/>
-              </a:defRPr>
-            </a:lvl1pPr>
-            <a:lvl2pPr marL="742950" indent="-285750">
-              <a:defRPr b="1">
-                <a:solidFill>
-                  <a:schemeClr val="tx1"/>
-                </a:solidFill>
-                <a:latin typeface="Verdana" panose="020B0604030504040204" pitchFamily="34" charset="0"/>
-              </a:defRPr>
-            </a:lvl2pPr>
-            <a:lvl3pPr marL="1143000" indent="-228600">
-              <a:defRPr b="1">
-                <a:solidFill>
-                  <a:schemeClr val="tx1"/>
-                </a:solidFill>
-                <a:latin typeface="Verdana" panose="020B0604030504040204" pitchFamily="34" charset="0"/>
-              </a:defRPr>
-            </a:lvl3pPr>
-            <a:lvl4pPr marL="1600200" indent="-228600">
-              <a:defRPr b="1">
-                <a:solidFill>
-                  <a:schemeClr val="tx1"/>
-                </a:solidFill>
-                <a:latin typeface="Verdana" panose="020B0604030504040204" pitchFamily="34" charset="0"/>
-              </a:defRPr>
-            </a:lvl4pPr>
-            <a:lvl5pPr marL="2057400" indent="-228600">
-              <a:defRPr b="1">
-                <a:solidFill>
-                  <a:schemeClr val="tx1"/>
-                </a:solidFill>
-                <a:latin typeface="Verdana" panose="020B0604030504040204" pitchFamily="34" charset="0"/>
-              </a:defRPr>
-            </a:lvl5pPr>
-            <a:lvl6pPr marL="2514600" indent="-228600" algn="ctr" eaLnBrk="0" fontAlgn="base" hangingPunct="0">
-              <a:spcBef>
-                <a:spcPct val="0"/>
-              </a:spcBef>
-              <a:spcAft>
-                <a:spcPct val="0"/>
-              </a:spcAft>
-              <a:defRPr b="1">
-                <a:solidFill>
-                  <a:schemeClr val="tx1"/>
-                </a:solidFill>
-                <a:latin typeface="Verdana" panose="020B0604030504040204" pitchFamily="34" charset="0"/>
-              </a:defRPr>
-            </a:lvl6pPr>
-            <a:lvl7pPr marL="2971800" indent="-228600" algn="ctr" eaLnBrk="0" fontAlgn="base" hangingPunct="0">
-              <a:spcBef>
-                <a:spcPct val="0"/>
-              </a:spcBef>
-              <a:spcAft>
-                <a:spcPct val="0"/>
-              </a:spcAft>
-              <a:defRPr b="1">
-                <a:solidFill>
-                  <a:schemeClr val="tx1"/>
-                </a:solidFill>
-                <a:latin typeface="Verdana" panose="020B0604030504040204" pitchFamily="34" charset="0"/>
-              </a:defRPr>
-            </a:lvl7pPr>
-            <a:lvl8pPr marL="3429000" indent="-228600" algn="ctr" eaLnBrk="0" fontAlgn="base" hangingPunct="0">
-              <a:spcBef>
-                <a:spcPct val="0"/>
-              </a:spcBef>
-              <a:spcAft>
-                <a:spcPct val="0"/>
-              </a:spcAft>
-              <a:defRPr b="1">
-                <a:solidFill>
-                  <a:schemeClr val="tx1"/>
-                </a:solidFill>
-                <a:latin typeface="Verdana" panose="020B0604030504040204" pitchFamily="34" charset="0"/>
-              </a:defRPr>
-            </a:lvl8pPr>
-            <a:lvl9pPr marL="3886200" indent="-228600" algn="ctr" eaLnBrk="0" fontAlgn="base" hangingPunct="0">
-              <a:spcBef>
-                <a:spcPct val="0"/>
-              </a:spcBef>
-              <a:spcAft>
-                <a:spcPct val="0"/>
-              </a:spcAft>
-              <a:defRPr b="1">
-                <a:solidFill>
-                  <a:schemeClr val="tx1"/>
-                </a:solidFill>
-                <a:latin typeface="Verdana" panose="020B0604030504040204" pitchFamily="34" charset="0"/>
-              </a:defRPr>
-            </a:lvl9pPr>
-          </a:lstStyle>
-          <a:p>
-            <a:pPr algn="l">
-              <a:lnSpc>
-                <a:spcPct val="90000"/>
-              </a:lnSpc>
-              <a:spcBef>
-                <a:spcPct val="40000"/>
-              </a:spcBef>
-              <a:buClr>
-                <a:srgbClr val="006699"/>
-              </a:buClr>
-              <a:buFontTx/>
-              <a:buChar char="•"/>
-            </a:pPr>
-            <a:r>
-              <a:rPr lang="en-US" b="0">
-                <a:latin typeface="Segoe UI Light" panose="020B0502040204020203" pitchFamily="34" charset="0"/>
-                <a:cs typeface="Segoe UI Light" panose="020B0502040204020203" pitchFamily="34" charset="0"/>
-              </a:rPr>
-              <a:t>Share a common schema</a:t>
-            </a:r>
-            <a:endParaRPr lang="en-US" b="0">
-              <a:latin typeface="Segoe UI Light" panose="020B0502040204020203" pitchFamily="34" charset="0"/>
-              <a:cs typeface="Segoe UI Light" panose="020B0502040204020203" pitchFamily="34" charset="0"/>
-            </a:endParaRPr>
-          </a:p>
-        </p:txBody>
-      </p:sp>
-      <p:sp>
-        <p:nvSpPr>
-          <p:cNvPr id="16389" name="Rounded Rectangle 844808"/>
-          <p:cNvSpPr>
-            <a:spLocks noChangeArrowheads="true"/>
-          </p:cNvSpPr>
-          <p:nvPr/>
-        </p:nvSpPr>
-        <p:spPr bwMode="auto">
-          <a:xfrm>
-            <a:off x="3066148" y="4283906"/>
-            <a:ext cx="7927976" cy="347662"/>
-          </a:xfrm>
-          <a:prstGeom prst="roundRect">
-            <a:avLst>
-              <a:gd name="adj" fmla="val 4167"/>
-            </a:avLst>
-          </a:prstGeom>
-          <a:solidFill>
-            <a:srgbClr val="F2E7CE"/>
-          </a:solidFill>
-          <a:ln w="9525" algn="ctr">
-            <a:solidFill>
-              <a:srgbClr val="333333"/>
-            </a:solidFill>
-            <a:round/>
-          </a:ln>
-        </p:spPr>
-        <p:txBody>
-          <a:bodyPr wrap="square" anchor="ctr">
-            <a:spAutoFit/>
-          </a:bodyPr>
-          <a:lstStyle>
-            <a:lvl1pPr marL="228600" indent="-228600">
-              <a:defRPr b="1">
-                <a:solidFill>
-                  <a:schemeClr val="tx1"/>
-                </a:solidFill>
-                <a:latin typeface="Verdana" panose="020B0604030504040204" pitchFamily="34" charset="0"/>
-              </a:defRPr>
-            </a:lvl1pPr>
-            <a:lvl2pPr marL="742950" indent="-285750">
-              <a:defRPr b="1">
-                <a:solidFill>
-                  <a:schemeClr val="tx1"/>
-                </a:solidFill>
-                <a:latin typeface="Verdana" panose="020B0604030504040204" pitchFamily="34" charset="0"/>
-              </a:defRPr>
-            </a:lvl2pPr>
-            <a:lvl3pPr marL="1143000" indent="-228600">
-              <a:defRPr b="1">
-                <a:solidFill>
-                  <a:schemeClr val="tx1"/>
-                </a:solidFill>
-                <a:latin typeface="Verdana" panose="020B0604030504040204" pitchFamily="34" charset="0"/>
-              </a:defRPr>
-            </a:lvl3pPr>
-            <a:lvl4pPr marL="1600200" indent="-228600">
-              <a:defRPr b="1">
-                <a:solidFill>
-                  <a:schemeClr val="tx1"/>
-                </a:solidFill>
-                <a:latin typeface="Verdana" panose="020B0604030504040204" pitchFamily="34" charset="0"/>
-              </a:defRPr>
-            </a:lvl4pPr>
-            <a:lvl5pPr marL="2057400" indent="-228600">
-              <a:defRPr b="1">
-                <a:solidFill>
-                  <a:schemeClr val="tx1"/>
-                </a:solidFill>
-                <a:latin typeface="Verdana" panose="020B0604030504040204" pitchFamily="34" charset="0"/>
-              </a:defRPr>
-            </a:lvl5pPr>
-            <a:lvl6pPr marL="2514600" indent="-228600" algn="ctr" eaLnBrk="0" fontAlgn="base" hangingPunct="0">
-              <a:spcBef>
-                <a:spcPct val="0"/>
-              </a:spcBef>
-              <a:spcAft>
-                <a:spcPct val="0"/>
-              </a:spcAft>
-              <a:defRPr b="1">
-                <a:solidFill>
-                  <a:schemeClr val="tx1"/>
-                </a:solidFill>
-                <a:latin typeface="Verdana" panose="020B0604030504040204" pitchFamily="34" charset="0"/>
-              </a:defRPr>
-            </a:lvl6pPr>
-            <a:lvl7pPr marL="2971800" indent="-228600" algn="ctr" eaLnBrk="0" fontAlgn="base" hangingPunct="0">
-              <a:spcBef>
-                <a:spcPct val="0"/>
-              </a:spcBef>
-              <a:spcAft>
-                <a:spcPct val="0"/>
-              </a:spcAft>
-              <a:defRPr b="1">
-                <a:solidFill>
-                  <a:schemeClr val="tx1"/>
-                </a:solidFill>
-                <a:latin typeface="Verdana" panose="020B0604030504040204" pitchFamily="34" charset="0"/>
-              </a:defRPr>
-            </a:lvl7pPr>
-            <a:lvl8pPr marL="3429000" indent="-228600" algn="ctr" eaLnBrk="0" fontAlgn="base" hangingPunct="0">
-              <a:spcBef>
-                <a:spcPct val="0"/>
-              </a:spcBef>
-              <a:spcAft>
-                <a:spcPct val="0"/>
-              </a:spcAft>
-              <a:defRPr b="1">
-                <a:solidFill>
-                  <a:schemeClr val="tx1"/>
-                </a:solidFill>
-                <a:latin typeface="Verdana" panose="020B0604030504040204" pitchFamily="34" charset="0"/>
-              </a:defRPr>
-            </a:lvl8pPr>
-            <a:lvl9pPr marL="3886200" indent="-228600" algn="ctr" eaLnBrk="0" fontAlgn="base" hangingPunct="0">
-              <a:spcBef>
-                <a:spcPct val="0"/>
-              </a:spcBef>
-              <a:spcAft>
-                <a:spcPct val="0"/>
-              </a:spcAft>
-              <a:defRPr b="1">
-                <a:solidFill>
-                  <a:schemeClr val="tx1"/>
-                </a:solidFill>
-                <a:latin typeface="Verdana" panose="020B0604030504040204" pitchFamily="34" charset="0"/>
-              </a:defRPr>
-            </a:lvl9pPr>
-          </a:lstStyle>
-          <a:p>
-            <a:pPr algn="l">
-              <a:lnSpc>
-                <a:spcPct val="90000"/>
-              </a:lnSpc>
-              <a:spcBef>
-                <a:spcPct val="40000"/>
-              </a:spcBef>
-              <a:buClr>
-                <a:srgbClr val="006699"/>
-              </a:buClr>
-              <a:buFontTx/>
-              <a:buChar char="•"/>
-            </a:pPr>
-            <a:r>
-              <a:rPr lang="en-US" b="0">
-                <a:latin typeface="Segoe UI Light" panose="020B0502040204020203" pitchFamily="34" charset="0"/>
-                <a:cs typeface="Segoe UI Light" panose="020B0502040204020203" pitchFamily="34" charset="0"/>
-              </a:rPr>
-              <a:t>Share a common configuration partition</a:t>
-            </a:r>
-            <a:endParaRPr lang="en-US" b="0">
-              <a:latin typeface="Segoe UI Light" panose="020B0502040204020203" pitchFamily="34" charset="0"/>
-              <a:cs typeface="Segoe UI Light" panose="020B0502040204020203" pitchFamily="34" charset="0"/>
-            </a:endParaRPr>
-          </a:p>
-        </p:txBody>
-      </p:sp>
-      <p:sp>
-        <p:nvSpPr>
-          <p:cNvPr id="16390" name="Rounded Rectangle 844808"/>
-          <p:cNvSpPr>
-            <a:spLocks noChangeArrowheads="true"/>
-          </p:cNvSpPr>
-          <p:nvPr/>
-        </p:nvSpPr>
-        <p:spPr bwMode="auto">
-          <a:xfrm>
-            <a:off x="3077262" y="4856993"/>
-            <a:ext cx="7916862" cy="355600"/>
-          </a:xfrm>
-          <a:prstGeom prst="roundRect">
-            <a:avLst>
-              <a:gd name="adj" fmla="val 4167"/>
-            </a:avLst>
-          </a:prstGeom>
-          <a:solidFill>
-            <a:srgbClr val="F2E7CE"/>
-          </a:solidFill>
-          <a:ln w="9525" algn="ctr">
-            <a:solidFill>
-              <a:srgbClr val="333333"/>
-            </a:solidFill>
-            <a:round/>
-          </a:ln>
-        </p:spPr>
-        <p:txBody>
-          <a:bodyPr wrap="square" anchor="ctr">
-            <a:spAutoFit/>
-          </a:bodyPr>
-          <a:lstStyle>
-            <a:lvl1pPr marL="228600" indent="-228600">
-              <a:defRPr b="1">
-                <a:solidFill>
-                  <a:schemeClr val="tx1"/>
-                </a:solidFill>
-                <a:latin typeface="Verdana" panose="020B0604030504040204" pitchFamily="34" charset="0"/>
-              </a:defRPr>
-            </a:lvl1pPr>
-            <a:lvl2pPr marL="742950" indent="-285750">
-              <a:defRPr b="1">
-                <a:solidFill>
-                  <a:schemeClr val="tx1"/>
-                </a:solidFill>
-                <a:latin typeface="Verdana" panose="020B0604030504040204" pitchFamily="34" charset="0"/>
-              </a:defRPr>
-            </a:lvl2pPr>
-            <a:lvl3pPr marL="1143000" indent="-228600">
-              <a:defRPr b="1">
-                <a:solidFill>
-                  <a:schemeClr val="tx1"/>
-                </a:solidFill>
-                <a:latin typeface="Verdana" panose="020B0604030504040204" pitchFamily="34" charset="0"/>
-              </a:defRPr>
-            </a:lvl3pPr>
-            <a:lvl4pPr marL="1600200" indent="-228600">
-              <a:defRPr b="1">
-                <a:solidFill>
-                  <a:schemeClr val="tx1"/>
-                </a:solidFill>
-                <a:latin typeface="Verdana" panose="020B0604030504040204" pitchFamily="34" charset="0"/>
-              </a:defRPr>
-            </a:lvl4pPr>
-            <a:lvl5pPr marL="2057400" indent="-228600">
-              <a:defRPr b="1">
-                <a:solidFill>
-                  <a:schemeClr val="tx1"/>
-                </a:solidFill>
-                <a:latin typeface="Verdana" panose="020B0604030504040204" pitchFamily="34" charset="0"/>
-              </a:defRPr>
-            </a:lvl5pPr>
-            <a:lvl6pPr marL="2514600" indent="-228600" algn="ctr" eaLnBrk="0" fontAlgn="base" hangingPunct="0">
-              <a:spcBef>
-                <a:spcPct val="0"/>
-              </a:spcBef>
-              <a:spcAft>
-                <a:spcPct val="0"/>
-              </a:spcAft>
-              <a:defRPr b="1">
-                <a:solidFill>
-                  <a:schemeClr val="tx1"/>
-                </a:solidFill>
-                <a:latin typeface="Verdana" panose="020B0604030504040204" pitchFamily="34" charset="0"/>
-              </a:defRPr>
-            </a:lvl6pPr>
-            <a:lvl7pPr marL="2971800" indent="-228600" algn="ctr" eaLnBrk="0" fontAlgn="base" hangingPunct="0">
-              <a:spcBef>
-                <a:spcPct val="0"/>
-              </a:spcBef>
-              <a:spcAft>
-                <a:spcPct val="0"/>
-              </a:spcAft>
-              <a:defRPr b="1">
-                <a:solidFill>
-                  <a:schemeClr val="tx1"/>
-                </a:solidFill>
-                <a:latin typeface="Verdana" panose="020B0604030504040204" pitchFamily="34" charset="0"/>
-              </a:defRPr>
-            </a:lvl7pPr>
-            <a:lvl8pPr marL="3429000" indent="-228600" algn="ctr" eaLnBrk="0" fontAlgn="base" hangingPunct="0">
-              <a:spcBef>
-                <a:spcPct val="0"/>
-              </a:spcBef>
-              <a:spcAft>
-                <a:spcPct val="0"/>
-              </a:spcAft>
-              <a:defRPr b="1">
-                <a:solidFill>
-                  <a:schemeClr val="tx1"/>
-                </a:solidFill>
-                <a:latin typeface="Verdana" panose="020B0604030504040204" pitchFamily="34" charset="0"/>
-              </a:defRPr>
-            </a:lvl8pPr>
-            <a:lvl9pPr marL="3886200" indent="-228600" algn="ctr" eaLnBrk="0" fontAlgn="base" hangingPunct="0">
-              <a:spcBef>
-                <a:spcPct val="0"/>
-              </a:spcBef>
-              <a:spcAft>
-                <a:spcPct val="0"/>
-              </a:spcAft>
-              <a:defRPr b="1">
-                <a:solidFill>
-                  <a:schemeClr val="tx1"/>
-                </a:solidFill>
-                <a:latin typeface="Verdana" panose="020B0604030504040204" pitchFamily="34" charset="0"/>
-              </a:defRPr>
-            </a:lvl9pPr>
-          </a:lstStyle>
-          <a:p>
-            <a:pPr algn="l">
-              <a:lnSpc>
-                <a:spcPct val="90000"/>
-              </a:lnSpc>
-              <a:spcBef>
-                <a:spcPct val="40000"/>
-              </a:spcBef>
-              <a:buClr>
-                <a:srgbClr val="006699"/>
-              </a:buClr>
-              <a:buFontTx/>
-              <a:buChar char="•"/>
-            </a:pPr>
-            <a:r>
-              <a:rPr lang="en-US" b="0">
-                <a:latin typeface="Segoe UI Light" panose="020B0502040204020203" pitchFamily="34" charset="0"/>
-                <a:cs typeface="Segoe UI Light" panose="020B0502040204020203" pitchFamily="34" charset="0"/>
-              </a:rPr>
-              <a:t>Share a common global catalog to enable searching</a:t>
-            </a:r>
-            <a:endParaRPr lang="en-US" b="0">
-              <a:latin typeface="Segoe UI Light" panose="020B0502040204020203" pitchFamily="34" charset="0"/>
-              <a:cs typeface="Segoe UI Light" panose="020B0502040204020203" pitchFamily="34" charset="0"/>
-            </a:endParaRPr>
-          </a:p>
-        </p:txBody>
-      </p:sp>
-      <p:sp>
-        <p:nvSpPr>
-          <p:cNvPr id="16392" name="Rounded Rectangle 844806"/>
-          <p:cNvSpPr>
-            <a:spLocks noChangeArrowheads="true"/>
-          </p:cNvSpPr>
-          <p:nvPr/>
-        </p:nvSpPr>
-        <p:spPr bwMode="auto">
-          <a:xfrm>
-            <a:off x="3077262" y="5452306"/>
-            <a:ext cx="7920037" cy="355600"/>
-          </a:xfrm>
-          <a:prstGeom prst="roundRect">
-            <a:avLst>
-              <a:gd name="adj" fmla="val 4167"/>
-            </a:avLst>
-          </a:prstGeom>
-          <a:solidFill>
-            <a:srgbClr val="F2E7CE"/>
-          </a:solidFill>
-          <a:ln w="9525" algn="ctr">
-            <a:solidFill>
-              <a:srgbClr val="333333"/>
-            </a:solidFill>
-            <a:round/>
-          </a:ln>
-        </p:spPr>
-        <p:txBody>
-          <a:bodyPr anchor="ctr">
-            <a:spAutoFit/>
-          </a:bodyPr>
-          <a:lstStyle>
-            <a:lvl1pPr marL="228600" indent="-228600">
-              <a:defRPr b="1">
-                <a:solidFill>
-                  <a:schemeClr val="tx1"/>
-                </a:solidFill>
-                <a:latin typeface="Verdana" panose="020B0604030504040204" pitchFamily="34" charset="0"/>
-              </a:defRPr>
-            </a:lvl1pPr>
-            <a:lvl2pPr marL="742950" indent="-285750">
-              <a:defRPr b="1">
-                <a:solidFill>
-                  <a:schemeClr val="tx1"/>
-                </a:solidFill>
-                <a:latin typeface="Verdana" panose="020B0604030504040204" pitchFamily="34" charset="0"/>
-              </a:defRPr>
-            </a:lvl2pPr>
-            <a:lvl3pPr marL="1143000" indent="-228600">
-              <a:defRPr b="1">
-                <a:solidFill>
-                  <a:schemeClr val="tx1"/>
-                </a:solidFill>
-                <a:latin typeface="Verdana" panose="020B0604030504040204" pitchFamily="34" charset="0"/>
-              </a:defRPr>
-            </a:lvl3pPr>
-            <a:lvl4pPr marL="1600200" indent="-228600">
-              <a:defRPr b="1">
-                <a:solidFill>
-                  <a:schemeClr val="tx1"/>
-                </a:solidFill>
-                <a:latin typeface="Verdana" panose="020B0604030504040204" pitchFamily="34" charset="0"/>
-              </a:defRPr>
-            </a:lvl4pPr>
-            <a:lvl5pPr marL="2057400" indent="-228600">
-              <a:defRPr b="1">
-                <a:solidFill>
-                  <a:schemeClr val="tx1"/>
-                </a:solidFill>
-                <a:latin typeface="Verdana" panose="020B0604030504040204" pitchFamily="34" charset="0"/>
-              </a:defRPr>
-            </a:lvl5pPr>
-            <a:lvl6pPr marL="2514600" indent="-228600" algn="ctr" eaLnBrk="0" fontAlgn="base" hangingPunct="0">
-              <a:spcBef>
-                <a:spcPct val="0"/>
-              </a:spcBef>
-              <a:spcAft>
-                <a:spcPct val="0"/>
-              </a:spcAft>
-              <a:defRPr b="1">
-                <a:solidFill>
-                  <a:schemeClr val="tx1"/>
-                </a:solidFill>
-                <a:latin typeface="Verdana" panose="020B0604030504040204" pitchFamily="34" charset="0"/>
-              </a:defRPr>
-            </a:lvl6pPr>
-            <a:lvl7pPr marL="2971800" indent="-228600" algn="ctr" eaLnBrk="0" fontAlgn="base" hangingPunct="0">
-              <a:spcBef>
-                <a:spcPct val="0"/>
-              </a:spcBef>
-              <a:spcAft>
-                <a:spcPct val="0"/>
-              </a:spcAft>
-              <a:defRPr b="1">
-                <a:solidFill>
-                  <a:schemeClr val="tx1"/>
-                </a:solidFill>
-                <a:latin typeface="Verdana" panose="020B0604030504040204" pitchFamily="34" charset="0"/>
-              </a:defRPr>
-            </a:lvl7pPr>
-            <a:lvl8pPr marL="3429000" indent="-228600" algn="ctr" eaLnBrk="0" fontAlgn="base" hangingPunct="0">
-              <a:spcBef>
-                <a:spcPct val="0"/>
-              </a:spcBef>
-              <a:spcAft>
-                <a:spcPct val="0"/>
-              </a:spcAft>
-              <a:defRPr b="1">
-                <a:solidFill>
-                  <a:schemeClr val="tx1"/>
-                </a:solidFill>
-                <a:latin typeface="Verdana" panose="020B0604030504040204" pitchFamily="34" charset="0"/>
-              </a:defRPr>
-            </a:lvl8pPr>
-            <a:lvl9pPr marL="3886200" indent="-228600" algn="ctr" eaLnBrk="0" fontAlgn="base" hangingPunct="0">
-              <a:spcBef>
-                <a:spcPct val="0"/>
-              </a:spcBef>
-              <a:spcAft>
-                <a:spcPct val="0"/>
-              </a:spcAft>
-              <a:defRPr b="1">
-                <a:solidFill>
-                  <a:schemeClr val="tx1"/>
-                </a:solidFill>
-                <a:latin typeface="Verdana" panose="020B0604030504040204" pitchFamily="34" charset="0"/>
-              </a:defRPr>
-            </a:lvl9pPr>
-          </a:lstStyle>
-          <a:p>
-            <a:pPr algn="l">
-              <a:lnSpc>
-                <a:spcPct val="90000"/>
-              </a:lnSpc>
-              <a:spcBef>
-                <a:spcPct val="40000"/>
-              </a:spcBef>
-              <a:buClr>
-                <a:srgbClr val="006699"/>
-              </a:buClr>
-              <a:buFontTx/>
-              <a:buChar char="•"/>
-            </a:pPr>
-            <a:r>
-              <a:rPr lang="en-US" b="0">
-                <a:latin typeface="Segoe UI Light" panose="020B0502040204020203" pitchFamily="34" charset="0"/>
-                <a:cs typeface="Segoe UI Light" panose="020B0502040204020203" pitchFamily="34" charset="0"/>
-              </a:rPr>
-              <a:t>Enable trusts between all domains in the forest</a:t>
-            </a:r>
-            <a:endParaRPr lang="en-US" b="0">
-              <a:latin typeface="Segoe UI Light" panose="020B0502040204020203" pitchFamily="34" charset="0"/>
-              <a:cs typeface="Segoe UI Light" panose="020B0502040204020203" pitchFamily="34" charset="0"/>
-            </a:endParaRPr>
-          </a:p>
-        </p:txBody>
-      </p:sp>
-      <p:sp>
-        <p:nvSpPr>
-          <p:cNvPr id="16393" name="Rounded Rectangle 844806"/>
-          <p:cNvSpPr>
-            <a:spLocks noChangeArrowheads="true"/>
-          </p:cNvSpPr>
-          <p:nvPr/>
-        </p:nvSpPr>
-        <p:spPr bwMode="auto">
-          <a:xfrm>
-            <a:off x="3074087" y="6014281"/>
-            <a:ext cx="7920037" cy="355600"/>
-          </a:xfrm>
-          <a:prstGeom prst="roundRect">
-            <a:avLst>
-              <a:gd name="adj" fmla="val 4167"/>
-            </a:avLst>
-          </a:prstGeom>
-          <a:solidFill>
-            <a:srgbClr val="F2E7CE"/>
-          </a:solidFill>
-          <a:ln w="9525" algn="ctr">
-            <a:solidFill>
-              <a:srgbClr val="333333"/>
-            </a:solidFill>
-            <a:round/>
-          </a:ln>
-        </p:spPr>
-        <p:txBody>
-          <a:bodyPr anchor="ctr">
-            <a:spAutoFit/>
-          </a:bodyPr>
-          <a:lstStyle>
-            <a:lvl1pPr marL="228600" indent="-228600">
-              <a:defRPr b="1">
-                <a:solidFill>
-                  <a:schemeClr val="tx1"/>
-                </a:solidFill>
-                <a:latin typeface="Verdana" panose="020B0604030504040204" pitchFamily="34" charset="0"/>
-              </a:defRPr>
-            </a:lvl1pPr>
-            <a:lvl2pPr marL="742950" indent="-285750">
-              <a:defRPr b="1">
-                <a:solidFill>
-                  <a:schemeClr val="tx1"/>
-                </a:solidFill>
-                <a:latin typeface="Verdana" panose="020B0604030504040204" pitchFamily="34" charset="0"/>
-              </a:defRPr>
-            </a:lvl2pPr>
-            <a:lvl3pPr marL="1143000" indent="-228600">
-              <a:defRPr b="1">
-                <a:solidFill>
-                  <a:schemeClr val="tx1"/>
-                </a:solidFill>
-                <a:latin typeface="Verdana" panose="020B0604030504040204" pitchFamily="34" charset="0"/>
-              </a:defRPr>
-            </a:lvl3pPr>
-            <a:lvl4pPr marL="1600200" indent="-228600">
-              <a:defRPr b="1">
-                <a:solidFill>
-                  <a:schemeClr val="tx1"/>
-                </a:solidFill>
-                <a:latin typeface="Verdana" panose="020B0604030504040204" pitchFamily="34" charset="0"/>
-              </a:defRPr>
-            </a:lvl4pPr>
-            <a:lvl5pPr marL="2057400" indent="-228600">
-              <a:defRPr b="1">
-                <a:solidFill>
-                  <a:schemeClr val="tx1"/>
-                </a:solidFill>
-                <a:latin typeface="Verdana" panose="020B0604030504040204" pitchFamily="34" charset="0"/>
-              </a:defRPr>
-            </a:lvl5pPr>
-            <a:lvl6pPr marL="2514600" indent="-228600" algn="ctr" eaLnBrk="0" fontAlgn="base" hangingPunct="0">
-              <a:spcBef>
-                <a:spcPct val="0"/>
-              </a:spcBef>
-              <a:spcAft>
-                <a:spcPct val="0"/>
-              </a:spcAft>
-              <a:defRPr b="1">
-                <a:solidFill>
-                  <a:schemeClr val="tx1"/>
-                </a:solidFill>
-                <a:latin typeface="Verdana" panose="020B0604030504040204" pitchFamily="34" charset="0"/>
-              </a:defRPr>
-            </a:lvl6pPr>
-            <a:lvl7pPr marL="2971800" indent="-228600" algn="ctr" eaLnBrk="0" fontAlgn="base" hangingPunct="0">
-              <a:spcBef>
-                <a:spcPct val="0"/>
-              </a:spcBef>
-              <a:spcAft>
-                <a:spcPct val="0"/>
-              </a:spcAft>
-              <a:defRPr b="1">
-                <a:solidFill>
-                  <a:schemeClr val="tx1"/>
-                </a:solidFill>
-                <a:latin typeface="Verdana" panose="020B0604030504040204" pitchFamily="34" charset="0"/>
-              </a:defRPr>
-            </a:lvl7pPr>
-            <a:lvl8pPr marL="3429000" indent="-228600" algn="ctr" eaLnBrk="0" fontAlgn="base" hangingPunct="0">
-              <a:spcBef>
-                <a:spcPct val="0"/>
-              </a:spcBef>
-              <a:spcAft>
-                <a:spcPct val="0"/>
-              </a:spcAft>
-              <a:defRPr b="1">
-                <a:solidFill>
-                  <a:schemeClr val="tx1"/>
-                </a:solidFill>
-                <a:latin typeface="Verdana" panose="020B0604030504040204" pitchFamily="34" charset="0"/>
-              </a:defRPr>
-            </a:lvl8pPr>
-            <a:lvl9pPr marL="3886200" indent="-228600" algn="ctr" eaLnBrk="0" fontAlgn="base" hangingPunct="0">
-              <a:spcBef>
-                <a:spcPct val="0"/>
-              </a:spcBef>
-              <a:spcAft>
-                <a:spcPct val="0"/>
-              </a:spcAft>
-              <a:defRPr b="1">
-                <a:solidFill>
-                  <a:schemeClr val="tx1"/>
-                </a:solidFill>
-                <a:latin typeface="Verdana" panose="020B0604030504040204" pitchFamily="34" charset="0"/>
-              </a:defRPr>
-            </a:lvl9pPr>
-          </a:lstStyle>
-          <a:p>
-            <a:pPr algn="l">
-              <a:lnSpc>
-                <a:spcPct val="90000"/>
-              </a:lnSpc>
-              <a:spcBef>
-                <a:spcPct val="40000"/>
-              </a:spcBef>
-              <a:buClr>
-                <a:srgbClr val="006699"/>
-              </a:buClr>
-              <a:buFontTx/>
-              <a:buChar char="•"/>
-            </a:pPr>
-            <a:r>
-              <a:rPr lang="en-US" b="0">
-                <a:latin typeface="Segoe UI Light" panose="020B0502040204020203" pitchFamily="34" charset="0"/>
-                <a:cs typeface="Segoe UI Light" panose="020B0502040204020203" pitchFamily="34" charset="0"/>
-              </a:rPr>
-              <a:t>Share the Enterprise Admins and Schema Admins groups</a:t>
-            </a:r>
-            <a:endParaRPr lang="en-US" b="0">
-              <a:latin typeface="Segoe UI Light" panose="020B0502040204020203" pitchFamily="34" charset="0"/>
-              <a:cs typeface="Segoe UI Light" panose="020B0502040204020203" pitchFamily="34" charset="0"/>
-            </a:endParaRPr>
-          </a:p>
-        </p:txBody>
-      </p:sp>
-      <p:grpSp>
-        <p:nvGrpSpPr>
-          <p:cNvPr id="3" name="Group 2"/>
-          <p:cNvGrpSpPr/>
-          <p:nvPr/>
-        </p:nvGrpSpPr>
-        <p:grpSpPr>
-          <a:xfrm>
-            <a:off x="3083662" y="847287"/>
-            <a:ext cx="8397875" cy="1664839"/>
-            <a:chOff x="1934369" y="1627464"/>
-            <a:chExt cx="8397875" cy="1664839"/>
-          </a:xfrm>
-        </p:grpSpPr>
-        <p:sp>
-          <p:nvSpPr>
-            <p:cNvPr id="949255" name="AutoShape 7"/>
-            <p:cNvSpPr>
-              <a:spLocks noChangeArrowheads="true"/>
-            </p:cNvSpPr>
-            <p:nvPr/>
-          </p:nvSpPr>
-          <p:spPr bwMode="auto">
-            <a:xfrm>
-              <a:off x="1934369" y="1627464"/>
-              <a:ext cx="8397875" cy="1664839"/>
-            </a:xfrm>
-            <a:prstGeom prst="rect">
-              <a:avLst/>
-            </a:prstGeom>
-            <a:solidFill>
-              <a:schemeClr val="accent2">
-                <a:lumMod val="40000"/>
-                <a:lumOff val="60000"/>
-              </a:schemeClr>
-            </a:solidFill>
-            <a:ln w="9525" algn="ctr">
-              <a:solidFill>
-                <a:srgbClr val="808080"/>
-              </a:solidFill>
-              <a:round/>
-            </a:ln>
-            <a:effectLst>
-              <a:outerShdw dist="35921" dir="2700000" algn="ctr" rotWithShape="0">
-                <a:srgbClr val="C0C0C0"/>
-              </a:outerShdw>
-            </a:effectLst>
-          </p:spPr>
-          <p:txBody>
-            <a:bodyPr anchor="ctr"/>
-            <a:lstStyle/>
-            <a:p>
-              <a:pPr algn="l" eaLnBrk="1" hangingPunct="1">
-                <a:lnSpc>
-                  <a:spcPct val="90000"/>
-                </a:lnSpc>
-                <a:spcBef>
-                  <a:spcPct val="40000"/>
-                </a:spcBef>
-                <a:defRPr/>
-              </a:pPr>
-              <a:r>
-                <a:rPr lang="en-US" dirty="0">
-                  <a:latin typeface="Segoe UI Light" panose="020B0502040204020203" pitchFamily="34" charset="0"/>
-                  <a:cs typeface="Segoe UI Light" panose="020B0502040204020203" pitchFamily="34" charset="0"/>
-                </a:rPr>
-                <a:t>A forest is a collection of </a:t>
-              </a:r>
-              <a:br>
-                <a:rPr lang="en-US" dirty="0">
-                  <a:latin typeface="Segoe UI Light" panose="020B0502040204020203" pitchFamily="34" charset="0"/>
-                  <a:cs typeface="Segoe UI Light" panose="020B0502040204020203" pitchFamily="34" charset="0"/>
-                </a:rPr>
-              </a:br>
-              <a:r>
-                <a:rPr lang="en-US" dirty="0">
-                  <a:latin typeface="Segoe UI Light" panose="020B0502040204020203" pitchFamily="34" charset="0"/>
-                  <a:cs typeface="Segoe UI Light" panose="020B0502040204020203" pitchFamily="34" charset="0"/>
-                </a:rPr>
-                <a:t>one or more domain trees</a:t>
-              </a:r>
-              <a:endParaRPr lang="en-US" dirty="0">
-                <a:latin typeface="Segoe UI Light" panose="020B0502040204020203" pitchFamily="34" charset="0"/>
-                <a:cs typeface="Segoe UI Light" panose="020B0502040204020203" pitchFamily="34" charset="0"/>
-              </a:endParaRPr>
-            </a:p>
-          </p:txBody>
-        </p:sp>
-        <p:grpSp>
-          <p:nvGrpSpPr>
-            <p:cNvPr id="16394" name="Group 17"/>
-            <p:cNvGrpSpPr/>
-            <p:nvPr/>
-          </p:nvGrpSpPr>
-          <p:grpSpPr bwMode="auto">
-            <a:xfrm>
-              <a:off x="7026275" y="1710482"/>
-              <a:ext cx="2573338" cy="1520825"/>
-              <a:chOff x="5502613" y="1047345"/>
-              <a:chExt cx="2573574" cy="1520757"/>
-            </a:xfrm>
-          </p:grpSpPr>
-          <p:cxnSp>
-            <p:nvCxnSpPr>
-              <p:cNvPr id="14" name="Straight Connector 13"/>
-              <p:cNvCxnSpPr/>
-              <p:nvPr/>
-            </p:nvCxnSpPr>
-            <p:spPr bwMode="auto">
-              <a:xfrm flipV="true">
-                <a:off x="6017010" y="1066394"/>
-                <a:ext cx="1192322" cy="517502"/>
-              </a:xfrm>
-              <a:prstGeom prst="line">
-                <a:avLst/>
-              </a:prstGeom>
-              <a:gradFill rotWithShape="true">
-                <a:gsLst>
-                  <a:gs pos="0">
-                    <a:srgbClr val="E4CD9A"/>
-                  </a:gs>
-                  <a:gs pos="100000">
-                    <a:srgbClr val="EEEFD7"/>
-                  </a:gs>
-                </a:gsLst>
-                <a:lin ang="2700000" scaled="true"/>
-              </a:gradFill>
-              <a:ln w="34925" cap="flat" cmpd="sng" algn="ctr">
-                <a:solidFill>
-                  <a:schemeClr val="accent4">
-                    <a:lumMod val="65000"/>
-                    <a:lumOff val="35000"/>
-                  </a:schemeClr>
-                </a:solidFill>
-                <a:prstDash val="solid"/>
-                <a:round/>
-                <a:headEnd type="none" w="med" len="med"/>
-                <a:tailEnd type="none" w="med" len="med"/>
-              </a:ln>
-              <a:effectLst>
-                <a:outerShdw blurRad="50800" dist="38100" dir="2700000" algn="tl" rotWithShape="0">
-                  <a:prstClr val="black">
-                    <a:alpha val="40000"/>
-                  </a:prstClr>
-                </a:outerShdw>
-              </a:effectLst>
-            </p:spPr>
-          </p:cxnSp>
-          <p:pic>
-            <p:nvPicPr>
-              <p:cNvPr id="16395" name="Picture 11"/>
-              <p:cNvPicPr>
-                <a:picLocks noChangeAspect="true" noChangeArrowheads="true"/>
-              </p:cNvPicPr>
-              <p:nvPr/>
-            </p:nvPicPr>
-            <p:blipFill>
-              <a:blip r:embed="rId1"/>
-              <a:srcRect/>
-              <a:stretch>
-                <a:fillRect/>
-              </a:stretch>
-            </p:blipFill>
-            <p:spPr bwMode="auto">
-              <a:xfrm>
-                <a:off x="6650481" y="1047345"/>
-                <a:ext cx="1425706" cy="1520757"/>
-              </a:xfrm>
-              <a:prstGeom prst="rect">
-                <a:avLst/>
-              </a:prstGeom>
-              <a:noFill/>
-              <a:ln w="9525" cap="flat" cmpd="sng" algn="ctr">
-                <a:noFill/>
-                <a:prstDash val="solid"/>
-                <a:miter lim="800000"/>
-                <a:headEnd/>
-                <a:tailEnd/>
-              </a:ln>
-              <a:effectLst>
-                <a:outerShdw dist="35921" dir="2700000" algn="ctr" rotWithShape="0">
-                  <a:srgbClr val="AFAFAF"/>
-                </a:outerShdw>
-              </a:effectLst>
-            </p:spPr>
-          </p:pic>
-          <p:pic>
-            <p:nvPicPr>
-              <p:cNvPr id="2" name="Picture 10"/>
-              <p:cNvPicPr>
-                <a:picLocks noChangeAspect="true" noChangeArrowheads="true"/>
-              </p:cNvPicPr>
-              <p:nvPr/>
-            </p:nvPicPr>
-            <p:blipFill>
-              <a:blip r:embed="rId2"/>
-              <a:srcRect/>
-              <a:stretch>
-                <a:fillRect/>
-              </a:stretch>
-            </p:blipFill>
-            <p:spPr bwMode="auto">
-              <a:xfrm>
-                <a:off x="5502613" y="1553735"/>
-                <a:ext cx="1054197" cy="917534"/>
-              </a:xfrm>
-              <a:prstGeom prst="rect">
-                <a:avLst/>
-              </a:prstGeom>
-              <a:noFill/>
-              <a:ln w="9525" cap="flat" cmpd="sng" algn="ctr">
-                <a:noFill/>
-                <a:prstDash val="solid"/>
-                <a:miter lim="800000"/>
-                <a:headEnd/>
-                <a:tailEnd/>
-              </a:ln>
-              <a:effectLst>
-                <a:outerShdw dist="35921" dir="2700000" algn="ctr" rotWithShape="0">
-                  <a:srgbClr val="AFAFAF"/>
-                </a:outerShdw>
-              </a:effectLst>
-            </p:spPr>
-          </p:pic>
-        </p:grpSp>
-      </p:grpSp>
-    </p:spTree>
-  </p:cSld>
-  <p:clrMapOvr>
-    <a:masterClrMapping/>
-  </p:clrMapOvr>
-</p:sld>
-</file>
-
-<file path=ppt/slides/slide21.xml><?xml version="1.0" encoding="utf-8"?>
-<p:sld xmlns:a="http://schemas.openxmlformats.org/drawingml/2006/main" xmlns:r="http://schemas.openxmlformats.org/officeDocument/2006/relationships" xmlns:p="http://schemas.openxmlformats.org/presentationml/2006/main">
-  <p:cSld>
-    <p:spTree>
-      <p:nvGrpSpPr>
-        <p:cNvPr id="1" name=""/>
-        <p:cNvGrpSpPr/>
-        <p:nvPr/>
-      </p:nvGrpSpPr>
-      <p:grpSpPr>
-        <a:xfrm>
-          <a:off x="0" y="0"/>
-          <a:ext cx="0" cy="0"/>
-          <a:chOff x="0" y="0"/>
-          <a:chExt cx="0" cy="0"/>
-        </a:xfrm>
-      </p:grpSpPr>
-      <p:sp>
-        <p:nvSpPr>
-          <p:cNvPr id="17410" name="Rectangle 2"/>
-          <p:cNvSpPr>
-            <a:spLocks noGrp="true" noChangeArrowheads="true"/>
-          </p:cNvSpPr>
-          <p:nvPr>
-            <p:ph type="title"/>
-          </p:nvPr>
-        </p:nvSpPr>
-        <p:spPr>
-          <a:xfrm>
-            <a:off x="2549714" y="148904"/>
-            <a:ext cx="8397875" cy="707791"/>
-          </a:xfrm>
-        </p:spPr>
-        <p:txBody>
-          <a:bodyPr/>
-          <a:lstStyle/>
-          <a:p>
-            <a:pPr eaLnBrk="1" hangingPunct="1"/>
-            <a:r>
-              <a:rPr lang="en-US" dirty="0"/>
-              <a:t> Organizational Units (OUs)</a:t>
-            </a:r>
-            <a:endParaRPr lang="en-US" dirty="0"/>
-          </a:p>
-        </p:txBody>
-      </p:sp>
-      <p:sp>
-        <p:nvSpPr>
-          <p:cNvPr id="17411" name="Rounded Rectangle 812098"/>
-          <p:cNvSpPr>
-            <a:spLocks noGrp="true" noChangeArrowheads="true"/>
-          </p:cNvSpPr>
-          <p:nvPr>
-            <p:ph sz="quarter" idx="10"/>
-          </p:nvPr>
-        </p:nvSpPr>
-        <p:spPr>
-          <a:xfrm>
-            <a:off x="2966793" y="3199539"/>
-            <a:ext cx="2335050" cy="751676"/>
-          </a:xfrm>
-          <a:prstGeom prst="rect">
-            <a:avLst/>
-          </a:prstGeom>
-          <a:solidFill>
-            <a:srgbClr val="DEE7F1"/>
-          </a:solidFill>
-          <a:ln cap="flat" algn="ctr">
-            <a:solidFill>
-              <a:srgbClr val="333333"/>
-            </a:solidFill>
-            <a:round/>
-            <a:headEnd type="none" w="med" len="med"/>
-            <a:tailEnd type="none" w="med" len="med"/>
-          </a:ln>
-        </p:spPr>
-        <p:txBody>
-          <a:bodyPr lIns="91440" tIns="45720" rIns="91440" bIns="45720"/>
-          <a:lstStyle/>
-          <a:p>
-            <a:pPr marL="0" indent="0">
-              <a:spcBef>
-                <a:spcPct val="0"/>
-              </a:spcBef>
-              <a:buNone/>
-            </a:pPr>
-            <a:r>
-              <a:rPr lang="en-US" b="0" dirty="0"/>
-              <a:t>OUs are used to:</a:t>
-            </a:r>
-            <a:endParaRPr lang="en-US" b="0" dirty="0"/>
-          </a:p>
-        </p:txBody>
-      </p:sp>
-      <p:sp>
-        <p:nvSpPr>
-          <p:cNvPr id="17412" name="Rounded Rectangle 844806"/>
-          <p:cNvSpPr>
-            <a:spLocks noChangeArrowheads="true"/>
-          </p:cNvSpPr>
-          <p:nvPr/>
-        </p:nvSpPr>
-        <p:spPr bwMode="auto">
-          <a:xfrm>
-            <a:off x="2950975" y="4264812"/>
-            <a:ext cx="7920038" cy="355600"/>
-          </a:xfrm>
-          <a:prstGeom prst="roundRect">
-            <a:avLst>
-              <a:gd name="adj" fmla="val 4167"/>
-            </a:avLst>
-          </a:prstGeom>
-          <a:solidFill>
-            <a:srgbClr val="F2E7CE"/>
-          </a:solidFill>
-          <a:ln w="9525" algn="ctr">
-            <a:solidFill>
-              <a:srgbClr val="333333"/>
-            </a:solidFill>
-            <a:round/>
-          </a:ln>
-        </p:spPr>
-        <p:txBody>
-          <a:bodyPr anchor="ctr">
-            <a:spAutoFit/>
-          </a:bodyPr>
-          <a:lstStyle>
-            <a:lvl1pPr marL="228600" indent="-228600">
-              <a:defRPr b="1">
-                <a:solidFill>
-                  <a:schemeClr val="tx1"/>
-                </a:solidFill>
-                <a:latin typeface="Verdana" panose="020B0604030504040204" pitchFamily="34" charset="0"/>
-              </a:defRPr>
-            </a:lvl1pPr>
-            <a:lvl2pPr marL="742950" indent="-285750">
-              <a:defRPr b="1">
-                <a:solidFill>
-                  <a:schemeClr val="tx1"/>
-                </a:solidFill>
-                <a:latin typeface="Verdana" panose="020B0604030504040204" pitchFamily="34" charset="0"/>
-              </a:defRPr>
-            </a:lvl2pPr>
-            <a:lvl3pPr marL="1143000" indent="-228600">
-              <a:defRPr b="1">
-                <a:solidFill>
-                  <a:schemeClr val="tx1"/>
-                </a:solidFill>
-                <a:latin typeface="Verdana" panose="020B0604030504040204" pitchFamily="34" charset="0"/>
-              </a:defRPr>
-            </a:lvl3pPr>
-            <a:lvl4pPr marL="1600200" indent="-228600">
-              <a:defRPr b="1">
-                <a:solidFill>
-                  <a:schemeClr val="tx1"/>
-                </a:solidFill>
-                <a:latin typeface="Verdana" panose="020B0604030504040204" pitchFamily="34" charset="0"/>
-              </a:defRPr>
-            </a:lvl4pPr>
-            <a:lvl5pPr marL="2057400" indent="-228600">
-              <a:defRPr b="1">
-                <a:solidFill>
-                  <a:schemeClr val="tx1"/>
-                </a:solidFill>
-                <a:latin typeface="Verdana" panose="020B0604030504040204" pitchFamily="34" charset="0"/>
-              </a:defRPr>
-            </a:lvl5pPr>
-            <a:lvl6pPr marL="2514600" indent="-228600" algn="ctr" eaLnBrk="0" fontAlgn="base" hangingPunct="0">
-              <a:spcBef>
-                <a:spcPct val="0"/>
-              </a:spcBef>
-              <a:spcAft>
-                <a:spcPct val="0"/>
-              </a:spcAft>
-              <a:defRPr b="1">
-                <a:solidFill>
-                  <a:schemeClr val="tx1"/>
-                </a:solidFill>
-                <a:latin typeface="Verdana" panose="020B0604030504040204" pitchFamily="34" charset="0"/>
-              </a:defRPr>
-            </a:lvl6pPr>
-            <a:lvl7pPr marL="2971800" indent="-228600" algn="ctr" eaLnBrk="0" fontAlgn="base" hangingPunct="0">
-              <a:spcBef>
-                <a:spcPct val="0"/>
-              </a:spcBef>
-              <a:spcAft>
-                <a:spcPct val="0"/>
-              </a:spcAft>
-              <a:defRPr b="1">
-                <a:solidFill>
-                  <a:schemeClr val="tx1"/>
-                </a:solidFill>
-                <a:latin typeface="Verdana" panose="020B0604030504040204" pitchFamily="34" charset="0"/>
-              </a:defRPr>
-            </a:lvl7pPr>
-            <a:lvl8pPr marL="3429000" indent="-228600" algn="ctr" eaLnBrk="0" fontAlgn="base" hangingPunct="0">
-              <a:spcBef>
-                <a:spcPct val="0"/>
-              </a:spcBef>
-              <a:spcAft>
-                <a:spcPct val="0"/>
-              </a:spcAft>
-              <a:defRPr b="1">
-                <a:solidFill>
-                  <a:schemeClr val="tx1"/>
-                </a:solidFill>
-                <a:latin typeface="Verdana" panose="020B0604030504040204" pitchFamily="34" charset="0"/>
-              </a:defRPr>
-            </a:lvl8pPr>
-            <a:lvl9pPr marL="3886200" indent="-228600" algn="ctr" eaLnBrk="0" fontAlgn="base" hangingPunct="0">
-              <a:spcBef>
-                <a:spcPct val="0"/>
-              </a:spcBef>
-              <a:spcAft>
-                <a:spcPct val="0"/>
-              </a:spcAft>
-              <a:defRPr b="1">
-                <a:solidFill>
-                  <a:schemeClr val="tx1"/>
-                </a:solidFill>
-                <a:latin typeface="Verdana" panose="020B0604030504040204" pitchFamily="34" charset="0"/>
-              </a:defRPr>
-            </a:lvl9pPr>
-          </a:lstStyle>
-          <a:p>
-            <a:pPr algn="l">
-              <a:lnSpc>
-                <a:spcPct val="90000"/>
-              </a:lnSpc>
-              <a:spcBef>
-                <a:spcPct val="40000"/>
-              </a:spcBef>
-              <a:buClr>
-                <a:srgbClr val="006699"/>
-              </a:buClr>
-              <a:buFontTx/>
-              <a:buChar char="•"/>
-            </a:pPr>
-            <a:r>
-              <a:rPr lang="en-US" b="0" dirty="0">
-                <a:latin typeface="Segoe UI Light" panose="020B0502040204020203" pitchFamily="34" charset="0"/>
-                <a:cs typeface="Segoe UI Light" panose="020B0502040204020203" pitchFamily="34" charset="0"/>
-              </a:rPr>
-              <a:t>Represent your organization hierarchically and logically</a:t>
-            </a:r>
-            <a:endParaRPr lang="en-US" b="0" dirty="0">
-              <a:latin typeface="Segoe UI Light" panose="020B0502040204020203" pitchFamily="34" charset="0"/>
-              <a:cs typeface="Segoe UI Light" panose="020B0502040204020203" pitchFamily="34" charset="0"/>
-            </a:endParaRPr>
-          </a:p>
-        </p:txBody>
-      </p:sp>
-      <p:sp>
-        <p:nvSpPr>
-          <p:cNvPr id="17413" name="Rounded Rectangle 844808"/>
-          <p:cNvSpPr>
-            <a:spLocks noChangeArrowheads="true"/>
-          </p:cNvSpPr>
-          <p:nvPr/>
-        </p:nvSpPr>
-        <p:spPr bwMode="auto">
-          <a:xfrm>
-            <a:off x="2931924" y="4952376"/>
-            <a:ext cx="7912100" cy="350837"/>
-          </a:xfrm>
-          <a:prstGeom prst="roundRect">
-            <a:avLst>
-              <a:gd name="adj" fmla="val 4167"/>
-            </a:avLst>
-          </a:prstGeom>
-          <a:solidFill>
-            <a:srgbClr val="F2E7CE"/>
-          </a:solidFill>
-          <a:ln w="9525" algn="ctr">
-            <a:solidFill>
-              <a:srgbClr val="333333"/>
-            </a:solidFill>
-            <a:round/>
-          </a:ln>
-        </p:spPr>
-        <p:txBody>
-          <a:bodyPr anchor="ctr">
-            <a:spAutoFit/>
-          </a:bodyPr>
-          <a:lstStyle>
-            <a:lvl1pPr marL="228600" indent="-228600">
-              <a:defRPr b="1">
-                <a:solidFill>
-                  <a:schemeClr val="tx1"/>
-                </a:solidFill>
-                <a:latin typeface="Verdana" panose="020B0604030504040204" pitchFamily="34" charset="0"/>
-              </a:defRPr>
-            </a:lvl1pPr>
-            <a:lvl2pPr marL="742950" indent="-285750">
-              <a:defRPr b="1">
-                <a:solidFill>
-                  <a:schemeClr val="tx1"/>
-                </a:solidFill>
-                <a:latin typeface="Verdana" panose="020B0604030504040204" pitchFamily="34" charset="0"/>
-              </a:defRPr>
-            </a:lvl2pPr>
-            <a:lvl3pPr marL="1143000" indent="-228600">
-              <a:defRPr b="1">
-                <a:solidFill>
-                  <a:schemeClr val="tx1"/>
-                </a:solidFill>
-                <a:latin typeface="Verdana" panose="020B0604030504040204" pitchFamily="34" charset="0"/>
-              </a:defRPr>
-            </a:lvl3pPr>
-            <a:lvl4pPr marL="1600200" indent="-228600">
-              <a:defRPr b="1">
-                <a:solidFill>
-                  <a:schemeClr val="tx1"/>
-                </a:solidFill>
-                <a:latin typeface="Verdana" panose="020B0604030504040204" pitchFamily="34" charset="0"/>
-              </a:defRPr>
-            </a:lvl4pPr>
-            <a:lvl5pPr marL="2057400" indent="-228600">
-              <a:defRPr b="1">
-                <a:solidFill>
-                  <a:schemeClr val="tx1"/>
-                </a:solidFill>
-                <a:latin typeface="Verdana" panose="020B0604030504040204" pitchFamily="34" charset="0"/>
-              </a:defRPr>
-            </a:lvl5pPr>
-            <a:lvl6pPr marL="2514600" indent="-228600" algn="ctr" eaLnBrk="0" fontAlgn="base" hangingPunct="0">
-              <a:spcBef>
-                <a:spcPct val="0"/>
-              </a:spcBef>
-              <a:spcAft>
-                <a:spcPct val="0"/>
-              </a:spcAft>
-              <a:defRPr b="1">
-                <a:solidFill>
-                  <a:schemeClr val="tx1"/>
-                </a:solidFill>
-                <a:latin typeface="Verdana" panose="020B0604030504040204" pitchFamily="34" charset="0"/>
-              </a:defRPr>
-            </a:lvl6pPr>
-            <a:lvl7pPr marL="2971800" indent="-228600" algn="ctr" eaLnBrk="0" fontAlgn="base" hangingPunct="0">
-              <a:spcBef>
-                <a:spcPct val="0"/>
-              </a:spcBef>
-              <a:spcAft>
-                <a:spcPct val="0"/>
-              </a:spcAft>
-              <a:defRPr b="1">
-                <a:solidFill>
-                  <a:schemeClr val="tx1"/>
-                </a:solidFill>
-                <a:latin typeface="Verdana" panose="020B0604030504040204" pitchFamily="34" charset="0"/>
-              </a:defRPr>
-            </a:lvl7pPr>
-            <a:lvl8pPr marL="3429000" indent="-228600" algn="ctr" eaLnBrk="0" fontAlgn="base" hangingPunct="0">
-              <a:spcBef>
-                <a:spcPct val="0"/>
-              </a:spcBef>
-              <a:spcAft>
-                <a:spcPct val="0"/>
-              </a:spcAft>
-              <a:defRPr b="1">
-                <a:solidFill>
-                  <a:schemeClr val="tx1"/>
-                </a:solidFill>
-                <a:latin typeface="Verdana" panose="020B0604030504040204" pitchFamily="34" charset="0"/>
-              </a:defRPr>
-            </a:lvl8pPr>
-            <a:lvl9pPr marL="3886200" indent="-228600" algn="ctr" eaLnBrk="0" fontAlgn="base" hangingPunct="0">
-              <a:spcBef>
-                <a:spcPct val="0"/>
-              </a:spcBef>
-              <a:spcAft>
-                <a:spcPct val="0"/>
-              </a:spcAft>
-              <a:defRPr b="1">
-                <a:solidFill>
-                  <a:schemeClr val="tx1"/>
-                </a:solidFill>
-                <a:latin typeface="Verdana" panose="020B0604030504040204" pitchFamily="34" charset="0"/>
-              </a:defRPr>
-            </a:lvl9pPr>
-          </a:lstStyle>
-          <a:p>
-            <a:pPr algn="l">
-              <a:lnSpc>
-                <a:spcPct val="90000"/>
-              </a:lnSpc>
-              <a:spcBef>
-                <a:spcPct val="40000"/>
-              </a:spcBef>
-              <a:buClr>
-                <a:srgbClr val="006699"/>
-              </a:buClr>
-              <a:buFontTx/>
-              <a:buChar char="•"/>
-            </a:pPr>
-            <a:r>
-              <a:rPr lang="en-US" b="0">
-                <a:latin typeface="Segoe UI Light" panose="020B0502040204020203" pitchFamily="34" charset="0"/>
-                <a:cs typeface="Segoe UI Light" panose="020B0502040204020203" pitchFamily="34" charset="0"/>
-              </a:rPr>
-              <a:t>Manage a collection of objects in a consistent way</a:t>
-            </a:r>
-            <a:endParaRPr lang="en-US" b="0">
-              <a:latin typeface="Segoe UI Light" panose="020B0502040204020203" pitchFamily="34" charset="0"/>
-              <a:cs typeface="Segoe UI Light" panose="020B0502040204020203" pitchFamily="34" charset="0"/>
-            </a:endParaRPr>
-          </a:p>
-        </p:txBody>
-      </p:sp>
-      <p:sp>
-        <p:nvSpPr>
-          <p:cNvPr id="17414" name="Rounded Rectangle 844808"/>
-          <p:cNvSpPr>
-            <a:spLocks noChangeArrowheads="true"/>
-          </p:cNvSpPr>
-          <p:nvPr/>
-        </p:nvSpPr>
-        <p:spPr bwMode="auto">
-          <a:xfrm>
-            <a:off x="2943038" y="5595312"/>
-            <a:ext cx="7900987" cy="355600"/>
-          </a:xfrm>
-          <a:prstGeom prst="roundRect">
-            <a:avLst>
-              <a:gd name="adj" fmla="val 4167"/>
-            </a:avLst>
-          </a:prstGeom>
-          <a:solidFill>
-            <a:srgbClr val="F2E7CE"/>
-          </a:solidFill>
-          <a:ln w="9525" algn="ctr">
-            <a:solidFill>
-              <a:srgbClr val="333333"/>
-            </a:solidFill>
-            <a:round/>
-          </a:ln>
-        </p:spPr>
-        <p:txBody>
-          <a:bodyPr anchor="ctr">
-            <a:spAutoFit/>
-          </a:bodyPr>
-          <a:lstStyle>
-            <a:lvl1pPr marL="228600" indent="-228600">
-              <a:defRPr b="1">
-                <a:solidFill>
-                  <a:schemeClr val="tx1"/>
-                </a:solidFill>
-                <a:latin typeface="Verdana" panose="020B0604030504040204" pitchFamily="34" charset="0"/>
-              </a:defRPr>
-            </a:lvl1pPr>
-            <a:lvl2pPr marL="742950" indent="-285750">
-              <a:defRPr b="1">
-                <a:solidFill>
-                  <a:schemeClr val="tx1"/>
-                </a:solidFill>
-                <a:latin typeface="Verdana" panose="020B0604030504040204" pitchFamily="34" charset="0"/>
-              </a:defRPr>
-            </a:lvl2pPr>
-            <a:lvl3pPr marL="1143000" indent="-228600">
-              <a:defRPr b="1">
-                <a:solidFill>
-                  <a:schemeClr val="tx1"/>
-                </a:solidFill>
-                <a:latin typeface="Verdana" panose="020B0604030504040204" pitchFamily="34" charset="0"/>
-              </a:defRPr>
-            </a:lvl3pPr>
-            <a:lvl4pPr marL="1600200" indent="-228600">
-              <a:defRPr b="1">
-                <a:solidFill>
-                  <a:schemeClr val="tx1"/>
-                </a:solidFill>
-                <a:latin typeface="Verdana" panose="020B0604030504040204" pitchFamily="34" charset="0"/>
-              </a:defRPr>
-            </a:lvl4pPr>
-            <a:lvl5pPr marL="2057400" indent="-228600">
-              <a:defRPr b="1">
-                <a:solidFill>
-                  <a:schemeClr val="tx1"/>
-                </a:solidFill>
-                <a:latin typeface="Verdana" panose="020B0604030504040204" pitchFamily="34" charset="0"/>
-              </a:defRPr>
-            </a:lvl5pPr>
-            <a:lvl6pPr marL="2514600" indent="-228600" algn="ctr" eaLnBrk="0" fontAlgn="base" hangingPunct="0">
-              <a:spcBef>
-                <a:spcPct val="0"/>
-              </a:spcBef>
-              <a:spcAft>
-                <a:spcPct val="0"/>
-              </a:spcAft>
-              <a:defRPr b="1">
-                <a:solidFill>
-                  <a:schemeClr val="tx1"/>
-                </a:solidFill>
-                <a:latin typeface="Verdana" panose="020B0604030504040204" pitchFamily="34" charset="0"/>
-              </a:defRPr>
-            </a:lvl6pPr>
-            <a:lvl7pPr marL="2971800" indent="-228600" algn="ctr" eaLnBrk="0" fontAlgn="base" hangingPunct="0">
-              <a:spcBef>
-                <a:spcPct val="0"/>
-              </a:spcBef>
-              <a:spcAft>
-                <a:spcPct val="0"/>
-              </a:spcAft>
-              <a:defRPr b="1">
-                <a:solidFill>
-                  <a:schemeClr val="tx1"/>
-                </a:solidFill>
-                <a:latin typeface="Verdana" panose="020B0604030504040204" pitchFamily="34" charset="0"/>
-              </a:defRPr>
-            </a:lvl7pPr>
-            <a:lvl8pPr marL="3429000" indent="-228600" algn="ctr" eaLnBrk="0" fontAlgn="base" hangingPunct="0">
-              <a:spcBef>
-                <a:spcPct val="0"/>
-              </a:spcBef>
-              <a:spcAft>
-                <a:spcPct val="0"/>
-              </a:spcAft>
-              <a:defRPr b="1">
-                <a:solidFill>
-                  <a:schemeClr val="tx1"/>
-                </a:solidFill>
-                <a:latin typeface="Verdana" panose="020B0604030504040204" pitchFamily="34" charset="0"/>
-              </a:defRPr>
-            </a:lvl8pPr>
-            <a:lvl9pPr marL="3886200" indent="-228600" algn="ctr" eaLnBrk="0" fontAlgn="base" hangingPunct="0">
-              <a:spcBef>
-                <a:spcPct val="0"/>
-              </a:spcBef>
-              <a:spcAft>
-                <a:spcPct val="0"/>
-              </a:spcAft>
-              <a:defRPr b="1">
-                <a:solidFill>
-                  <a:schemeClr val="tx1"/>
-                </a:solidFill>
-                <a:latin typeface="Verdana" panose="020B0604030504040204" pitchFamily="34" charset="0"/>
-              </a:defRPr>
-            </a:lvl9pPr>
-          </a:lstStyle>
-          <a:p>
-            <a:pPr algn="l">
-              <a:lnSpc>
-                <a:spcPct val="90000"/>
-              </a:lnSpc>
-              <a:spcBef>
-                <a:spcPct val="40000"/>
-              </a:spcBef>
-              <a:buClr>
-                <a:srgbClr val="006699"/>
-              </a:buClr>
-              <a:buFontTx/>
-              <a:buChar char="•"/>
-            </a:pPr>
-            <a:r>
-              <a:rPr lang="en-US" b="0">
-                <a:latin typeface="Segoe UI Light" panose="020B0502040204020203" pitchFamily="34" charset="0"/>
-                <a:cs typeface="Segoe UI Light" panose="020B0502040204020203" pitchFamily="34" charset="0"/>
-              </a:rPr>
-              <a:t>Delegate permissions to administer groups of objects</a:t>
-            </a:r>
-            <a:endParaRPr lang="en-US" b="0">
-              <a:latin typeface="Segoe UI Light" panose="020B0502040204020203" pitchFamily="34" charset="0"/>
-              <a:cs typeface="Segoe UI Light" panose="020B0502040204020203" pitchFamily="34" charset="0"/>
-            </a:endParaRPr>
-          </a:p>
-        </p:txBody>
-      </p:sp>
-      <p:grpSp>
-        <p:nvGrpSpPr>
-          <p:cNvPr id="2" name="Group 1"/>
-          <p:cNvGrpSpPr/>
-          <p:nvPr/>
-        </p:nvGrpSpPr>
-        <p:grpSpPr>
-          <a:xfrm>
-            <a:off x="2202081" y="1040234"/>
-            <a:ext cx="9051490" cy="1684089"/>
-            <a:chOff x="2168525" y="1272000"/>
-            <a:chExt cx="9051490" cy="2156999"/>
-          </a:xfrm>
-        </p:grpSpPr>
-        <p:sp>
-          <p:nvSpPr>
-            <p:cNvPr id="951303" name="AutoShape 7"/>
-            <p:cNvSpPr>
-              <a:spLocks noChangeArrowheads="true"/>
-            </p:cNvSpPr>
-            <p:nvPr/>
-          </p:nvSpPr>
-          <p:spPr bwMode="auto">
-            <a:xfrm>
-              <a:off x="2168525" y="1272000"/>
-              <a:ext cx="9051490" cy="2156999"/>
-            </a:xfrm>
-            <a:prstGeom prst="rect">
-              <a:avLst/>
-            </a:prstGeom>
-            <a:solidFill>
-              <a:schemeClr val="accent2">
-                <a:lumMod val="40000"/>
-                <a:lumOff val="60000"/>
-              </a:schemeClr>
-            </a:solidFill>
-            <a:ln w="9525" algn="ctr">
-              <a:solidFill>
-                <a:srgbClr val="808080"/>
-              </a:solidFill>
-              <a:round/>
-            </a:ln>
-            <a:effectLst>
-              <a:outerShdw dist="35921" dir="2700000" algn="ctr" rotWithShape="0">
-                <a:srgbClr val="C0C0C0"/>
-              </a:outerShdw>
-            </a:effectLst>
-          </p:spPr>
-          <p:txBody>
-            <a:bodyPr anchor="ctr"/>
-            <a:lstStyle/>
-            <a:p>
-              <a:pPr algn="l" eaLnBrk="1" hangingPunct="1">
-                <a:lnSpc>
-                  <a:spcPct val="90000"/>
-                </a:lnSpc>
-                <a:spcBef>
-                  <a:spcPct val="40000"/>
-                </a:spcBef>
-                <a:defRPr/>
-              </a:pPr>
-              <a:r>
-                <a:rPr lang="en-US" dirty="0">
-                  <a:latin typeface="Segoe UI Light" panose="020B0502040204020203" pitchFamily="34" charset="0"/>
-                  <a:cs typeface="Segoe UI Light" panose="020B0502040204020203" pitchFamily="34" charset="0"/>
-                </a:rPr>
-                <a:t>OUs are Active Directory containers that can contain users, groups, computers, and other OUs1</a:t>
-              </a:r>
-              <a:endParaRPr lang="en-US" dirty="0">
-                <a:latin typeface="Segoe UI Light" panose="020B0502040204020203" pitchFamily="34" charset="0"/>
-                <a:cs typeface="Segoe UI Light" panose="020B0502040204020203" pitchFamily="34" charset="0"/>
-              </a:endParaRPr>
-            </a:p>
-          </p:txBody>
-        </p:sp>
-        <p:pic>
-          <p:nvPicPr>
-            <p:cNvPr id="951306" name="Picture 10"/>
-            <p:cNvPicPr>
-              <a:picLocks noChangeAspect="true" noChangeArrowheads="true"/>
-            </p:cNvPicPr>
-            <p:nvPr/>
-          </p:nvPicPr>
-          <p:blipFill>
-            <a:blip r:embed="rId1"/>
-            <a:srcRect/>
-            <a:stretch>
-              <a:fillRect/>
-            </a:stretch>
-          </p:blipFill>
-          <p:spPr bwMode="auto">
-            <a:xfrm>
-              <a:off x="9790416" y="2382595"/>
-              <a:ext cx="1080597" cy="954169"/>
-            </a:xfrm>
-            <a:prstGeom prst="rect">
-              <a:avLst/>
-            </a:prstGeom>
-            <a:noFill/>
-            <a:ln w="9525" algn="ctr">
-              <a:noFill/>
-              <a:miter lim="800000"/>
-              <a:headEnd/>
-              <a:tailEnd/>
-            </a:ln>
-            <a:effectLst>
-              <a:outerShdw dist="35921" dir="2700000" algn="ctr" rotWithShape="0">
-                <a:srgbClr val="AFAFAF"/>
-              </a:outerShdw>
-            </a:effectLst>
-          </p:spPr>
-        </p:pic>
-      </p:grpSp>
-      <p:sp>
-        <p:nvSpPr>
-          <p:cNvPr id="17417" name="Rounded Rectangle 844808"/>
-          <p:cNvSpPr>
-            <a:spLocks noChangeArrowheads="true"/>
-          </p:cNvSpPr>
-          <p:nvPr/>
-        </p:nvSpPr>
-        <p:spPr bwMode="auto">
-          <a:xfrm>
-            <a:off x="2939863" y="6282700"/>
-            <a:ext cx="7900987" cy="355600"/>
-          </a:xfrm>
-          <a:prstGeom prst="roundRect">
-            <a:avLst>
-              <a:gd name="adj" fmla="val 4167"/>
-            </a:avLst>
-          </a:prstGeom>
-          <a:solidFill>
-            <a:srgbClr val="F2E7CE"/>
-          </a:solidFill>
-          <a:ln w="9525" algn="ctr">
-            <a:solidFill>
-              <a:srgbClr val="333333"/>
-            </a:solidFill>
-            <a:round/>
-          </a:ln>
-        </p:spPr>
-        <p:txBody>
-          <a:bodyPr anchor="ctr">
-            <a:spAutoFit/>
-          </a:bodyPr>
-          <a:lstStyle>
-            <a:lvl1pPr marL="228600" indent="-228600">
-              <a:defRPr b="1">
-                <a:solidFill>
-                  <a:schemeClr val="tx1"/>
-                </a:solidFill>
-                <a:latin typeface="Verdana" panose="020B0604030504040204" pitchFamily="34" charset="0"/>
-              </a:defRPr>
-            </a:lvl1pPr>
-            <a:lvl2pPr marL="742950" indent="-285750">
-              <a:defRPr b="1">
-                <a:solidFill>
-                  <a:schemeClr val="tx1"/>
-                </a:solidFill>
-                <a:latin typeface="Verdana" panose="020B0604030504040204" pitchFamily="34" charset="0"/>
-              </a:defRPr>
-            </a:lvl2pPr>
-            <a:lvl3pPr marL="1143000" indent="-228600">
-              <a:defRPr b="1">
-                <a:solidFill>
-                  <a:schemeClr val="tx1"/>
-                </a:solidFill>
-                <a:latin typeface="Verdana" panose="020B0604030504040204" pitchFamily="34" charset="0"/>
-              </a:defRPr>
-            </a:lvl3pPr>
-            <a:lvl4pPr marL="1600200" indent="-228600">
-              <a:defRPr b="1">
-                <a:solidFill>
-                  <a:schemeClr val="tx1"/>
-                </a:solidFill>
-                <a:latin typeface="Verdana" panose="020B0604030504040204" pitchFamily="34" charset="0"/>
-              </a:defRPr>
-            </a:lvl4pPr>
-            <a:lvl5pPr marL="2057400" indent="-228600">
-              <a:defRPr b="1">
-                <a:solidFill>
-                  <a:schemeClr val="tx1"/>
-                </a:solidFill>
-                <a:latin typeface="Verdana" panose="020B0604030504040204" pitchFamily="34" charset="0"/>
-              </a:defRPr>
-            </a:lvl5pPr>
-            <a:lvl6pPr marL="2514600" indent="-228600" algn="ctr" eaLnBrk="0" fontAlgn="base" hangingPunct="0">
-              <a:spcBef>
-                <a:spcPct val="0"/>
-              </a:spcBef>
-              <a:spcAft>
-                <a:spcPct val="0"/>
-              </a:spcAft>
-              <a:defRPr b="1">
-                <a:solidFill>
-                  <a:schemeClr val="tx1"/>
-                </a:solidFill>
-                <a:latin typeface="Verdana" panose="020B0604030504040204" pitchFamily="34" charset="0"/>
-              </a:defRPr>
-            </a:lvl6pPr>
-            <a:lvl7pPr marL="2971800" indent="-228600" algn="ctr" eaLnBrk="0" fontAlgn="base" hangingPunct="0">
-              <a:spcBef>
-                <a:spcPct val="0"/>
-              </a:spcBef>
-              <a:spcAft>
-                <a:spcPct val="0"/>
-              </a:spcAft>
-              <a:defRPr b="1">
-                <a:solidFill>
-                  <a:schemeClr val="tx1"/>
-                </a:solidFill>
-                <a:latin typeface="Verdana" panose="020B0604030504040204" pitchFamily="34" charset="0"/>
-              </a:defRPr>
-            </a:lvl7pPr>
-            <a:lvl8pPr marL="3429000" indent="-228600" algn="ctr" eaLnBrk="0" fontAlgn="base" hangingPunct="0">
-              <a:spcBef>
-                <a:spcPct val="0"/>
-              </a:spcBef>
-              <a:spcAft>
-                <a:spcPct val="0"/>
-              </a:spcAft>
-              <a:defRPr b="1">
-                <a:solidFill>
-                  <a:schemeClr val="tx1"/>
-                </a:solidFill>
-                <a:latin typeface="Verdana" panose="020B0604030504040204" pitchFamily="34" charset="0"/>
-              </a:defRPr>
-            </a:lvl8pPr>
-            <a:lvl9pPr marL="3886200" indent="-228600" algn="ctr" eaLnBrk="0" fontAlgn="base" hangingPunct="0">
-              <a:spcBef>
-                <a:spcPct val="0"/>
-              </a:spcBef>
-              <a:spcAft>
-                <a:spcPct val="0"/>
-              </a:spcAft>
-              <a:defRPr b="1">
-                <a:solidFill>
-                  <a:schemeClr val="tx1"/>
-                </a:solidFill>
-                <a:latin typeface="Verdana" panose="020B0604030504040204" pitchFamily="34" charset="0"/>
-              </a:defRPr>
-            </a:lvl9pPr>
-          </a:lstStyle>
-          <a:p>
-            <a:pPr algn="l">
-              <a:lnSpc>
-                <a:spcPct val="90000"/>
-              </a:lnSpc>
-              <a:spcBef>
-                <a:spcPct val="40000"/>
-              </a:spcBef>
-              <a:buClr>
-                <a:srgbClr val="006699"/>
-              </a:buClr>
-              <a:buFontTx/>
-              <a:buChar char="•"/>
-            </a:pPr>
-            <a:r>
-              <a:rPr lang="en-US" b="0">
-                <a:latin typeface="Segoe UI Light" panose="020B0502040204020203" pitchFamily="34" charset="0"/>
-                <a:cs typeface="Segoe UI Light" panose="020B0502040204020203" pitchFamily="34" charset="0"/>
-              </a:rPr>
-              <a:t>Apply policies</a:t>
-            </a:r>
-            <a:endParaRPr lang="en-US" b="0">
-              <a:latin typeface="Segoe UI Light" panose="020B0502040204020203" pitchFamily="34" charset="0"/>
-              <a:cs typeface="Segoe UI Light" panose="020B0502040204020203" pitchFamily="34" charset="0"/>
-            </a:endParaRPr>
-          </a:p>
-        </p:txBody>
-      </p:sp>
-    </p:spTree>
-  </p:cSld>
-  <p:clrMapOvr>
-    <a:masterClrMapping/>
-  </p:clrMapOvr>
-</p:sld>
-</file>
-
-<file path=ppt/slides/slide22.xml><?xml version="1.0" encoding="utf-8"?>
+<file path=ppt/slides/slide18.xml><?xml version="1.0" encoding="utf-8"?>
 <p:sld xmlns:a="http://schemas.openxmlformats.org/drawingml/2006/main" xmlns:r="http://schemas.openxmlformats.org/officeDocument/2006/relationships" xmlns:p="http://schemas.openxmlformats.org/presentationml/2006/main">
   <p:cSld>
     <p:spTree>
@@ -27603,7 +22692,7 @@
 </p:sld>
 </file>
 
-<file path=ppt/slides/slide23.xml><?xml version="1.0" encoding="utf-8"?>
+<file path=ppt/slides/slide19.xml><?xml version="1.0" encoding="utf-8"?>
 <p:sld xmlns:a="http://schemas.openxmlformats.org/drawingml/2006/main" xmlns:r="http://schemas.openxmlformats.org/officeDocument/2006/relationships" xmlns:p="http://schemas.openxmlformats.org/presentationml/2006/main">
   <p:cSld>
     <p:spTree>
@@ -27767,7 +22856,134 @@
 </p:sld>
 </file>
 
-<file path=ppt/slides/slide24.xml><?xml version="1.0" encoding="utf-8"?>
+<file path=ppt/slides/slide2.xml><?xml version="1.0" encoding="utf-8"?>
+<p:sld xmlns:a="http://schemas.openxmlformats.org/drawingml/2006/main" xmlns:r="http://schemas.openxmlformats.org/officeDocument/2006/relationships" xmlns:p="http://schemas.openxmlformats.org/presentationml/2006/main">
+  <p:cSld>
+    <p:spTree>
+      <p:nvGrpSpPr>
+        <p:cNvPr id="1" name=""/>
+        <p:cNvGrpSpPr/>
+        <p:nvPr/>
+      </p:nvGrpSpPr>
+      <p:grpSpPr>
+        <a:xfrm>
+          <a:off x="0" y="0"/>
+          <a:ext cx="0" cy="0"/>
+          <a:chOff x="0" y="0"/>
+          <a:chExt cx="0" cy="0"/>
+        </a:xfrm>
+      </p:grpSpPr>
+      <p:sp>
+        <p:nvSpPr>
+          <p:cNvPr id="2" name="Title 1"/>
+          <p:cNvSpPr>
+            <a:spLocks noGrp="true"/>
+          </p:cNvSpPr>
+          <p:nvPr>
+            <p:ph type="title"/>
+          </p:nvPr>
+        </p:nvSpPr>
+        <p:spPr>
+          <a:xfrm>
+            <a:off x="3187700" y="241300"/>
+            <a:ext cx="5687060" cy="866140"/>
+          </a:xfrm>
+        </p:spPr>
+        <p:txBody>
+          <a:bodyPr/>
+          <a:lstStyle/>
+          <a:p>
+            <a:r>
+              <a:rPr lang="x-none" altLang="en-US" sz="4000" u="sng" dirty="0"/>
+              <a:t>Points To Be Covered</a:t>
+            </a:r>
+            <a:endParaRPr lang="x-none" altLang="en-US" sz="4000" u="sng" dirty="0"/>
+          </a:p>
+        </p:txBody>
+      </p:sp>
+      <p:sp>
+        <p:nvSpPr>
+          <p:cNvPr id="7" name="Content Placeholder 6"/>
+          <p:cNvSpPr>
+            <a:spLocks noGrp="true"/>
+          </p:cNvSpPr>
+          <p:nvPr>
+            <p:ph sz="quarter" idx="10"/>
+          </p:nvPr>
+        </p:nvSpPr>
+        <p:spPr>
+          <a:xfrm>
+            <a:off x="1553872" y="2220982"/>
+            <a:ext cx="6986121" cy="1971413"/>
+          </a:xfrm>
+        </p:spPr>
+        <p:txBody>
+          <a:bodyPr>
+            <a:noAutofit/>
+          </a:bodyPr>
+          <a:lstStyle/>
+          <a:p>
+            <a:r>
+              <a:rPr lang="en-GB" sz="3600" dirty="0">
+                <a:latin typeface="Arial" panose="020B0604020202020204" pitchFamily="34" charset="0"/>
+                <a:cs typeface="Arial" panose="020B0604020202020204" pitchFamily="34" charset="0"/>
+              </a:rPr>
+              <a:t>Overview of AD DS</a:t>
+            </a:r>
+            <a:endParaRPr lang="en-GB" sz="3600" dirty="0">
+              <a:latin typeface="Arial" panose="020B0604020202020204" pitchFamily="34" charset="0"/>
+              <a:cs typeface="Arial" panose="020B0604020202020204" pitchFamily="34" charset="0"/>
+            </a:endParaRPr>
+          </a:p>
+          <a:p>
+            <a:r>
+              <a:rPr lang="en-GB" sz="3600" dirty="0">
+                <a:latin typeface="Arial" panose="020B0604020202020204" pitchFamily="34" charset="0"/>
+                <a:cs typeface="Arial" panose="020B0604020202020204" pitchFamily="34" charset="0"/>
+              </a:rPr>
+              <a:t>AD DS Physical Components</a:t>
+            </a:r>
+            <a:endParaRPr lang="en-GB" sz="3600" dirty="0">
+              <a:latin typeface="Arial" panose="020B0604020202020204" pitchFamily="34" charset="0"/>
+              <a:cs typeface="Arial" panose="020B0604020202020204" pitchFamily="34" charset="0"/>
+            </a:endParaRPr>
+          </a:p>
+          <a:p>
+            <a:r>
+              <a:rPr lang="en-GB" sz="3600" dirty="0">
+                <a:latin typeface="Arial" panose="020B0604020202020204" pitchFamily="34" charset="0"/>
+                <a:cs typeface="Arial" panose="020B0604020202020204" pitchFamily="34" charset="0"/>
+              </a:rPr>
+              <a:t>AD DS Logical Components</a:t>
+            </a:r>
+            <a:endParaRPr lang="en-GB" sz="3600" dirty="0">
+              <a:latin typeface="Arial" panose="020B0604020202020204" pitchFamily="34" charset="0"/>
+              <a:cs typeface="Arial" panose="020B0604020202020204" pitchFamily="34" charset="0"/>
+            </a:endParaRPr>
+          </a:p>
+          <a:p>
+            <a:endParaRPr lang="en-GB" sz="3600" dirty="0">
+              <a:latin typeface="Arial" panose="020B0604020202020204" pitchFamily="34" charset="0"/>
+              <a:cs typeface="Arial" panose="020B0604020202020204" pitchFamily="34" charset="0"/>
+            </a:endParaRPr>
+          </a:p>
+          <a:p>
+            <a:endParaRPr lang="en-GB" sz="3600" dirty="0">
+              <a:latin typeface="Arial" panose="020B0604020202020204" pitchFamily="34" charset="0"/>
+              <a:cs typeface="Arial" panose="020B0604020202020204" pitchFamily="34" charset="0"/>
+            </a:endParaRPr>
+          </a:p>
+        </p:txBody>
+      </p:sp>
+    </p:spTree>
+  </p:cSld>
+  <p:clrMapOvr>
+    <a:masterClrMapping/>
+  </p:clrMapOvr>
+</p:sld>
+</file>
+
+<file path=ppt/slides/slide20.xml><?xml version="1.0" encoding="utf-8"?>
 <p:sld xmlns:a="http://schemas.openxmlformats.org/drawingml/2006/main" xmlns:r="http://schemas.openxmlformats.org/officeDocument/2006/relationships" xmlns:p="http://schemas.openxmlformats.org/presentationml/2006/main">
   <p:cSld>
     <p:spTree>
@@ -27909,117 +23125,74 @@
           <a:lstStyle/>
           <a:p>
             <a:r>
-              <a:rPr lang="en-US" sz="2000" dirty="0">
-                <a:latin typeface="Arial" panose="020B0604020202020204" pitchFamily="34" charset="0"/>
-                <a:cs typeface="Arial" panose="020B0604020202020204" pitchFamily="34" charset="0"/>
-              </a:rPr>
-              <a:t>Protocol</a:t>
-            </a:r>
-            <a:endParaRPr lang="en-US" sz="2000" dirty="0">
-              <a:latin typeface="Arial" panose="020B0604020202020204" pitchFamily="34" charset="0"/>
-              <a:cs typeface="Arial" panose="020B0604020202020204" pitchFamily="34" charset="0"/>
-            </a:endParaRPr>
-          </a:p>
-          <a:p>
-            <a:r>
-              <a:rPr lang="en-US" sz="2000" dirty="0">
+              <a:rPr lang="en-US" sz="3200" dirty="0">
                 <a:latin typeface="Arial" panose="020B0604020202020204" pitchFamily="34" charset="0"/>
                 <a:cs typeface="Arial" panose="020B0604020202020204" pitchFamily="34" charset="0"/>
               </a:rPr>
               <a:t>What is Authentication? </a:t>
             </a:r>
-            <a:endParaRPr lang="en-US" sz="2000" dirty="0">
+            <a:endParaRPr lang="en-US" sz="3200" dirty="0">
               <a:latin typeface="Arial" panose="020B0604020202020204" pitchFamily="34" charset="0"/>
               <a:cs typeface="Arial" panose="020B0604020202020204" pitchFamily="34" charset="0"/>
             </a:endParaRPr>
           </a:p>
           <a:p>
             <a:r>
-              <a:rPr lang="en-US" sz="2000" dirty="0">
+              <a:rPr lang="en-US" sz="3200" dirty="0">
                 <a:latin typeface="Arial" panose="020B0604020202020204" pitchFamily="34" charset="0"/>
                 <a:cs typeface="Arial" panose="020B0604020202020204" pitchFamily="34" charset="0"/>
               </a:rPr>
               <a:t>What is Authorization? </a:t>
             </a:r>
-            <a:endParaRPr lang="en-US" sz="2000" dirty="0">
+            <a:endParaRPr lang="en-US" sz="3200" dirty="0">
               <a:latin typeface="Arial" panose="020B0604020202020204" pitchFamily="34" charset="0"/>
               <a:cs typeface="Arial" panose="020B0604020202020204" pitchFamily="34" charset="0"/>
             </a:endParaRPr>
           </a:p>
           <a:p>
             <a:r>
-              <a:rPr lang="en-US" sz="2000" dirty="0">
+              <a:rPr lang="en-US" sz="3200" dirty="0">
                 <a:latin typeface="Arial" panose="020B0604020202020204" pitchFamily="34" charset="0"/>
                 <a:cs typeface="Arial" panose="020B0604020202020204" pitchFamily="34" charset="0"/>
               </a:rPr>
               <a:t>Why Deploy AD DS? </a:t>
             </a:r>
-            <a:endParaRPr lang="en-US" sz="2000" dirty="0">
+            <a:endParaRPr lang="en-US" sz="3200" dirty="0">
               <a:latin typeface="Arial" panose="020B0604020202020204" pitchFamily="34" charset="0"/>
               <a:cs typeface="Arial" panose="020B0604020202020204" pitchFamily="34" charset="0"/>
             </a:endParaRPr>
           </a:p>
           <a:p>
             <a:r>
-              <a:rPr lang="en-US" sz="2000" dirty="0">
+              <a:rPr lang="en-US" sz="3200" dirty="0">
                 <a:latin typeface="Arial" panose="020B0604020202020204" pitchFamily="34" charset="0"/>
                 <a:cs typeface="Arial" panose="020B0604020202020204" pitchFamily="34" charset="0"/>
               </a:rPr>
               <a:t>Centralized Network Management</a:t>
             </a:r>
-            <a:endParaRPr lang="en-US" sz="2000" dirty="0">
+            <a:endParaRPr lang="en-US" sz="3200" dirty="0">
               <a:latin typeface="Arial" panose="020B0604020202020204" pitchFamily="34" charset="0"/>
               <a:cs typeface="Arial" panose="020B0604020202020204" pitchFamily="34" charset="0"/>
             </a:endParaRPr>
           </a:p>
           <a:p>
             <a:r>
-              <a:rPr lang="en-US" sz="2000" dirty="0">
+              <a:rPr lang="en-US" sz="3200" dirty="0">
                 <a:latin typeface="Arial" panose="020B0604020202020204" pitchFamily="34" charset="0"/>
                 <a:cs typeface="Arial" panose="020B0604020202020204" pitchFamily="34" charset="0"/>
               </a:rPr>
               <a:t>Requirements for Installing AD DS</a:t>
             </a:r>
-            <a:endParaRPr lang="en-US" sz="2000" dirty="0">
+            <a:endParaRPr lang="en-US" sz="3200" dirty="0">
               <a:latin typeface="Arial" panose="020B0604020202020204" pitchFamily="34" charset="0"/>
               <a:cs typeface="Arial" panose="020B0604020202020204" pitchFamily="34" charset="0"/>
             </a:endParaRPr>
           </a:p>
           <a:p>
-            <a:r>
-              <a:rPr lang="en-US" sz="2000" dirty="0">
-                <a:latin typeface="Arial" panose="020B0604020202020204" pitchFamily="34" charset="0"/>
-                <a:cs typeface="Arial" panose="020B0604020202020204" pitchFamily="34" charset="0"/>
-              </a:rPr>
-              <a:t>Overview of AD DS and DNS</a:t>
-            </a:r>
-            <a:endParaRPr lang="en-US" sz="2000" dirty="0">
-              <a:latin typeface="Arial" panose="020B0604020202020204" pitchFamily="34" charset="0"/>
-              <a:cs typeface="Arial" panose="020B0604020202020204" pitchFamily="34" charset="0"/>
-            </a:endParaRPr>
-          </a:p>
-          <a:p>
-            <a:r>
-              <a:rPr lang="en-US" sz="2000" dirty="0">
-                <a:latin typeface="Arial" panose="020B0604020202020204" pitchFamily="34" charset="0"/>
-                <a:cs typeface="Arial" panose="020B0604020202020204" pitchFamily="34" charset="0"/>
-              </a:rPr>
-              <a:t>Overview of AD DS Components </a:t>
-            </a:r>
-            <a:endParaRPr lang="en-US" sz="2000" dirty="0">
-              <a:latin typeface="Arial" panose="020B0604020202020204" pitchFamily="34" charset="0"/>
-              <a:cs typeface="Arial" panose="020B0604020202020204" pitchFamily="34" charset="0"/>
-            </a:endParaRPr>
-          </a:p>
-          <a:p>
-            <a:pPr lvl="1"/>
-            <a:endParaRPr lang="en-GB" sz="1800" dirty="0">
-              <a:latin typeface="Arial" panose="020B0604020202020204" pitchFamily="34" charset="0"/>
-              <a:cs typeface="Arial" panose="020B0604020202020204" pitchFamily="34" charset="0"/>
-            </a:endParaRPr>
-          </a:p>
-          <a:p>
-            <a:endParaRPr lang="en-GB" sz="2000" dirty="0">
+            <a:pPr marL="0" indent="0">
+              <a:buNone/>
+            </a:pPr>
+            <a:endParaRPr lang="en-GB" sz="3200" dirty="0">
               <a:latin typeface="Arial" panose="020B0604020202020204" pitchFamily="34" charset="0"/>
               <a:cs typeface="Arial" panose="020B0604020202020204" pitchFamily="34" charset="0"/>
             </a:endParaRPr>
@@ -28035,201 +23208,6 @@
 </file>
 
 <file path=ppt/slides/slide4.xml><?xml version="1.0" encoding="utf-8"?>
-<p:sld xmlns:a="http://schemas.openxmlformats.org/drawingml/2006/main" xmlns:r="http://schemas.openxmlformats.org/officeDocument/2006/relationships" xmlns:p="http://schemas.openxmlformats.org/presentationml/2006/main">
-  <p:cSld>
-    <p:spTree>
-      <p:nvGrpSpPr>
-        <p:cNvPr id="1" name=""/>
-        <p:cNvGrpSpPr/>
-        <p:nvPr/>
-      </p:nvGrpSpPr>
-      <p:grpSpPr>
-        <a:xfrm>
-          <a:off x="0" y="0"/>
-          <a:ext cx="0" cy="0"/>
-          <a:chOff x="0" y="0"/>
-          <a:chExt cx="0" cy="0"/>
-        </a:xfrm>
-      </p:grpSpPr>
-      <p:sp>
-        <p:nvSpPr>
-          <p:cNvPr id="2" name="Title 1"/>
-          <p:cNvSpPr>
-            <a:spLocks noGrp="true"/>
-          </p:cNvSpPr>
-          <p:nvPr>
-            <p:ph type="title"/>
-          </p:nvPr>
-        </p:nvSpPr>
-        <p:spPr>
-          <a:xfrm>
-            <a:off x="4837651" y="341853"/>
-            <a:ext cx="2516698" cy="874450"/>
-          </a:xfrm>
-        </p:spPr>
-        <p:txBody>
-          <a:bodyPr/>
-          <a:lstStyle/>
-          <a:p>
-            <a:r>
-              <a:rPr lang="en-US" dirty="0"/>
-              <a:t>Protocol</a:t>
-            </a:r>
-            <a:endParaRPr lang="en-US" dirty="0"/>
-          </a:p>
-        </p:txBody>
-      </p:sp>
-      <p:sp>
-        <p:nvSpPr>
-          <p:cNvPr id="3" name="Content Placeholder 2"/>
-          <p:cNvSpPr>
-            <a:spLocks noGrp="true"/>
-          </p:cNvSpPr>
-          <p:nvPr>
-            <p:ph sz="quarter" idx="10"/>
-          </p:nvPr>
-        </p:nvSpPr>
-        <p:spPr>
-          <a:xfrm>
-            <a:off x="2032043" y="1817724"/>
-            <a:ext cx="6549894" cy="2443884"/>
-          </a:xfrm>
-        </p:spPr>
-        <p:txBody>
-          <a:bodyPr>
-            <a:normAutofit fontScale="92500"/>
-          </a:bodyPr>
-          <a:lstStyle/>
-          <a:p>
-            <a:r>
-              <a:rPr lang="en-US" sz="2000" dirty="0">
-                <a:latin typeface="Arial" panose="020B0604020202020204" pitchFamily="34" charset="0"/>
-                <a:cs typeface="Arial" panose="020B0604020202020204" pitchFamily="34" charset="0"/>
-              </a:rPr>
-              <a:t>Lightweight Directory Access Protocol (LDAP)</a:t>
-            </a:r>
-            <a:endParaRPr lang="en-US" sz="2000" dirty="0">
-              <a:latin typeface="Arial" panose="020B0604020202020204" pitchFamily="34" charset="0"/>
-              <a:cs typeface="Arial" panose="020B0604020202020204" pitchFamily="34" charset="0"/>
-            </a:endParaRPr>
-          </a:p>
-          <a:p>
-            <a:pPr lvl="1"/>
-            <a:r>
-              <a:rPr lang="en-US" dirty="0">
-                <a:solidFill>
-                  <a:schemeClr val="tx1"/>
-                </a:solidFill>
-                <a:latin typeface="Arial" panose="020B0604020202020204" pitchFamily="34" charset="0"/>
-                <a:cs typeface="Arial" panose="020B0604020202020204" pitchFamily="34" charset="0"/>
-              </a:rPr>
-              <a:t>X.500 Standard</a:t>
-            </a:r>
-            <a:endParaRPr lang="en-US" dirty="0">
-              <a:solidFill>
-                <a:schemeClr val="tx1"/>
-              </a:solidFill>
-              <a:latin typeface="Arial" panose="020B0604020202020204" pitchFamily="34" charset="0"/>
-              <a:cs typeface="Arial" panose="020B0604020202020204" pitchFamily="34" charset="0"/>
-            </a:endParaRPr>
-          </a:p>
-          <a:p>
-            <a:pPr lvl="1"/>
-            <a:r>
-              <a:rPr lang="en-US" dirty="0">
-                <a:solidFill>
-                  <a:schemeClr val="tx1"/>
-                </a:solidFill>
-                <a:latin typeface="Arial" panose="020B0604020202020204" pitchFamily="34" charset="0"/>
-                <a:cs typeface="Arial" panose="020B0604020202020204" pitchFamily="34" charset="0"/>
-              </a:rPr>
-              <a:t>Based on TCP/IP</a:t>
-            </a:r>
-            <a:endParaRPr lang="en-US" dirty="0">
-              <a:solidFill>
-                <a:schemeClr val="tx1"/>
-              </a:solidFill>
-              <a:latin typeface="Arial" panose="020B0604020202020204" pitchFamily="34" charset="0"/>
-              <a:cs typeface="Arial" panose="020B0604020202020204" pitchFamily="34" charset="0"/>
-            </a:endParaRPr>
-          </a:p>
-          <a:p>
-            <a:pPr lvl="1"/>
-            <a:r>
-              <a:rPr lang="en-US" dirty="0">
-                <a:solidFill>
-                  <a:schemeClr val="tx1"/>
-                </a:solidFill>
-                <a:latin typeface="Arial" panose="020B0604020202020204" pitchFamily="34" charset="0"/>
-                <a:cs typeface="Arial" panose="020B0604020202020204" pitchFamily="34" charset="0"/>
-              </a:rPr>
-              <a:t>A method for accessing, searching, and modifying a </a:t>
-            </a:r>
-            <a:br>
-              <a:rPr lang="en-US" dirty="0">
-                <a:solidFill>
-                  <a:schemeClr val="tx1"/>
-                </a:solidFill>
-                <a:latin typeface="Arial" panose="020B0604020202020204" pitchFamily="34" charset="0"/>
-                <a:cs typeface="Arial" panose="020B0604020202020204" pitchFamily="34" charset="0"/>
-              </a:rPr>
-            </a:br>
-            <a:r>
-              <a:rPr lang="en-US" dirty="0">
-                <a:solidFill>
-                  <a:schemeClr val="tx1"/>
-                </a:solidFill>
-                <a:latin typeface="Arial" panose="020B0604020202020204" pitchFamily="34" charset="0"/>
-                <a:cs typeface="Arial" panose="020B0604020202020204" pitchFamily="34" charset="0"/>
-              </a:rPr>
-              <a:t>directory service</a:t>
-            </a:r>
-            <a:endParaRPr lang="en-US" dirty="0">
-              <a:solidFill>
-                <a:schemeClr val="tx1"/>
-              </a:solidFill>
-              <a:latin typeface="Arial" panose="020B0604020202020204" pitchFamily="34" charset="0"/>
-              <a:cs typeface="Arial" panose="020B0604020202020204" pitchFamily="34" charset="0"/>
-            </a:endParaRPr>
-          </a:p>
-          <a:p>
-            <a:pPr lvl="1"/>
-            <a:r>
-              <a:rPr lang="en-US" dirty="0">
-                <a:solidFill>
-                  <a:schemeClr val="tx1"/>
-                </a:solidFill>
-                <a:latin typeface="Arial" panose="020B0604020202020204" pitchFamily="34" charset="0"/>
-                <a:cs typeface="Arial" panose="020B0604020202020204" pitchFamily="34" charset="0"/>
-              </a:rPr>
-              <a:t>A Client Server Model</a:t>
-            </a:r>
-            <a:endParaRPr lang="en-US" dirty="0">
-              <a:solidFill>
-                <a:schemeClr val="tx1"/>
-              </a:solidFill>
-              <a:latin typeface="Arial" panose="020B0604020202020204" pitchFamily="34" charset="0"/>
-              <a:cs typeface="Arial" panose="020B0604020202020204" pitchFamily="34" charset="0"/>
-            </a:endParaRPr>
-          </a:p>
-          <a:p>
-            <a:pPr lvl="1"/>
-            <a:endParaRPr lang="en-US" sz="1800" dirty="0">
-              <a:latin typeface="Arial" panose="020B0604020202020204" pitchFamily="34" charset="0"/>
-              <a:cs typeface="Arial" panose="020B0604020202020204" pitchFamily="34" charset="0"/>
-            </a:endParaRPr>
-          </a:p>
-        </p:txBody>
-      </p:sp>
-    </p:spTree>
-  </p:cSld>
-  <p:clrMapOvr>
-    <a:masterClrMapping/>
-  </p:clrMapOvr>
-</p:sld>
-</file>
-
-<file path=ppt/slides/slide5.xml><?xml version="1.0" encoding="utf-8"?>
 <p:sld xmlns:a="http://schemas.openxmlformats.org/drawingml/2006/main" xmlns:r="http://schemas.openxmlformats.org/officeDocument/2006/relationships" xmlns:p="http://schemas.openxmlformats.org/presentationml/2006/main">
   <p:cSld>
     <p:spTree>
@@ -28999,7 +23977,7 @@
 </p:sld>
 </file>
 
-<file path=ppt/slides/slide6.xml><?xml version="1.0" encoding="utf-8"?>
+<file path=ppt/slides/slide5.xml><?xml version="1.0" encoding="utf-8"?>
 <p:sld xmlns:a="http://schemas.openxmlformats.org/drawingml/2006/main" xmlns:r="http://schemas.openxmlformats.org/officeDocument/2006/relationships" xmlns:p="http://schemas.openxmlformats.org/presentationml/2006/main">
   <p:cSld>
     <p:spTree>
@@ -30203,7 +25181,7 @@
 </p:sld>
 </file>
 
-<file path=ppt/slides/slide7.xml><?xml version="1.0" encoding="utf-8"?>
+<file path=ppt/slides/slide6.xml><?xml version="1.0" encoding="utf-8"?>
 <p:sld xmlns:a="http://schemas.openxmlformats.org/drawingml/2006/main" xmlns:r="http://schemas.openxmlformats.org/officeDocument/2006/relationships" xmlns:p="http://schemas.openxmlformats.org/presentationml/2006/main">
   <p:cSld>
     <p:spTree>
@@ -31717,7 +26695,7 @@
 </p:sld>
 </file>
 
-<file path=ppt/slides/slide8.xml><?xml version="1.0" encoding="utf-8"?>
+<file path=ppt/slides/slide7.xml><?xml version="1.0" encoding="utf-8"?>
 <p:sld xmlns:a="http://schemas.openxmlformats.org/drawingml/2006/main" xmlns:r="http://schemas.openxmlformats.org/officeDocument/2006/relationships" xmlns:p="http://schemas.openxmlformats.org/presentationml/2006/main">
   <p:cSld>
     <p:spTree>
@@ -31963,12 +26941,18 @@
             </a:pPr>
             <a:r>
               <a:rPr lang="en-US" b="0" dirty="0">
+                <a:solidFill>
+                  <a:schemeClr val="bg1"/>
+                </a:solidFill>
                 <a:latin typeface="Segoe UI Light" panose="020B0502040204020203" pitchFamily="34" charset="0"/>
                 <a:cs typeface="Segoe UI Light" panose="020B0502040204020203" pitchFamily="34" charset="0"/>
               </a:rPr>
               <a:t>Single location and set of tools for managing user and group accounts </a:t>
             </a:r>
             <a:endParaRPr lang="en-US" b="0" dirty="0">
+              <a:solidFill>
+                <a:schemeClr val="bg1"/>
+              </a:solidFill>
               <a:latin typeface="Segoe UI Light" panose="020B0502040204020203" pitchFamily="34" charset="0"/>
               <a:cs typeface="Segoe UI Light" panose="020B0502040204020203" pitchFamily="34" charset="0"/>
             </a:endParaRPr>
@@ -32123,12 +27107,18 @@
             </a:pPr>
             <a:r>
               <a:rPr lang="en-US" b="0" dirty="0">
+                <a:solidFill>
+                  <a:schemeClr val="bg1"/>
+                </a:solidFill>
                 <a:latin typeface="Segoe UI Light" panose="020B0502040204020203" pitchFamily="34" charset="0"/>
                 <a:cs typeface="Segoe UI Light" panose="020B0502040204020203" pitchFamily="34" charset="0"/>
               </a:rPr>
               <a:t>Single location for assigning access to shared network resources </a:t>
             </a:r>
             <a:endParaRPr lang="en-US" b="0" dirty="0">
+              <a:solidFill>
+                <a:schemeClr val="bg1"/>
+              </a:solidFill>
               <a:latin typeface="Segoe UI Light" panose="020B0502040204020203" pitchFamily="34" charset="0"/>
               <a:cs typeface="Segoe UI Light" panose="020B0502040204020203" pitchFamily="34" charset="0"/>
             </a:endParaRPr>
@@ -32283,12 +27273,18 @@
             </a:pPr>
             <a:r>
               <a:rPr lang="en-US" b="0" dirty="0">
+                <a:solidFill>
+                  <a:schemeClr val="bg1"/>
+                </a:solidFill>
                 <a:latin typeface="Segoe UI Light" panose="020B0502040204020203" pitchFamily="34" charset="0"/>
                 <a:cs typeface="Segoe UI Light" panose="020B0502040204020203" pitchFamily="34" charset="0"/>
               </a:rPr>
               <a:t>Directory service for AD DS enabled applications </a:t>
             </a:r>
             <a:endParaRPr lang="en-US" b="0" dirty="0">
+              <a:solidFill>
+                <a:schemeClr val="bg1"/>
+              </a:solidFill>
               <a:latin typeface="Segoe UI Light" panose="020B0502040204020203" pitchFamily="34" charset="0"/>
               <a:cs typeface="Segoe UI Light" panose="020B0502040204020203" pitchFamily="34" charset="0"/>
             </a:endParaRPr>
@@ -32443,12 +27439,18 @@
             </a:pPr>
             <a:r>
               <a:rPr lang="en-US" b="0" dirty="0">
+                <a:solidFill>
+                  <a:schemeClr val="bg1"/>
+                </a:solidFill>
                 <a:latin typeface="Segoe UI Light" panose="020B0502040204020203" pitchFamily="34" charset="0"/>
                 <a:cs typeface="Segoe UI Light" panose="020B0502040204020203" pitchFamily="34" charset="0"/>
               </a:rPr>
               <a:t>Options for configuring security policies that apply to all users and computers </a:t>
             </a:r>
             <a:endParaRPr lang="en-US" b="0" dirty="0">
+              <a:solidFill>
+                <a:schemeClr val="bg1"/>
+              </a:solidFill>
               <a:latin typeface="Segoe UI Light" panose="020B0502040204020203" pitchFamily="34" charset="0"/>
               <a:cs typeface="Segoe UI Light" panose="020B0502040204020203" pitchFamily="34" charset="0"/>
             </a:endParaRPr>
@@ -32603,12 +27605,18 @@
             </a:pPr>
             <a:r>
               <a:rPr lang="en-US" b="0">
+                <a:solidFill>
+                  <a:schemeClr val="bg1"/>
+                </a:solidFill>
                 <a:latin typeface="Segoe UI Light" panose="020B0502040204020203" pitchFamily="34" charset="0"/>
                 <a:cs typeface="Segoe UI Light" panose="020B0502040204020203" pitchFamily="34" charset="0"/>
               </a:rPr>
               <a:t>Group policies to manage user desktops and security settings </a:t>
             </a:r>
             <a:endParaRPr lang="en-US" b="0">
+              <a:solidFill>
+                <a:schemeClr val="bg1"/>
+              </a:solidFill>
               <a:latin typeface="Segoe UI Light" panose="020B0502040204020203" pitchFamily="34" charset="0"/>
               <a:cs typeface="Segoe UI Light" panose="020B0502040204020203" pitchFamily="34" charset="0"/>
             </a:endParaRPr>
@@ -33105,17 +28113,17 @@
       </p:par>
     </p:tnLst>
     <p:bldLst>
-      <p:bldP spid="9220" grpId="0" animBg="true"/>
-      <p:bldP spid="9221" grpId="0" animBg="true"/>
-      <p:bldP spid="9222" grpId="0" animBg="true"/>
-      <p:bldP spid="9223" grpId="0" animBg="true"/>
-      <p:bldP spid="9224" grpId="0" animBg="true"/>
+      <p:bldP spid="9220" grpId="0" bldLvl="0" animBg="true"/>
+      <p:bldP spid="9221" grpId="0" bldLvl="0" animBg="true"/>
+      <p:bldP spid="9222" grpId="0" bldLvl="0" animBg="true"/>
+      <p:bldP spid="9223" grpId="0" bldLvl="0" animBg="true"/>
+      <p:bldP spid="9224" grpId="0" bldLvl="0" animBg="true"/>
     </p:bldLst>
   </p:timing>
 </p:sld>
 </file>
 
-<file path=ppt/slides/slide9.xml><?xml version="1.0" encoding="utf-8"?>
+<file path=ppt/slides/slide8.xml><?xml version="1.0" encoding="utf-8"?>
 <p:sld xmlns:a="http://schemas.openxmlformats.org/drawingml/2006/main" xmlns:r="http://schemas.openxmlformats.org/officeDocument/2006/relationships" xmlns:p="http://schemas.openxmlformats.org/presentationml/2006/main">
   <p:cSld>
     <p:spTree>
@@ -33143,7 +28151,7 @@
           </p:nvPr>
         </p:nvGraphicFramePr>
         <p:xfrm>
-          <a:off x="2288826" y="1662156"/>
+          <a:off x="1452531" y="1648186"/>
           <a:ext cx="8601075" cy="3913592"/>
         </p:xfrm>
         <a:graphic>
@@ -34018,7 +29026,7 @@
         </p:nvSpPr>
         <p:spPr>
           <a:xfrm>
-            <a:off x="2451598" y="182215"/>
+            <a:off x="1634988" y="351125"/>
             <a:ext cx="8235980" cy="656881"/>
           </a:xfrm>
           <a:prstGeom prst="rect">
@@ -34054,6 +29062,154 @@
               <a:t>Requirements for Installing AD DS</a:t>
             </a:r>
             <a:endParaRPr lang="en-US" dirty="0"/>
+          </a:p>
+        </p:txBody>
+      </p:sp>
+    </p:spTree>
+  </p:cSld>
+  <p:clrMapOvr>
+    <a:masterClrMapping/>
+  </p:clrMapOvr>
+</p:sld>
+</file>
+
+<file path=ppt/slides/slide9.xml><?xml version="1.0" encoding="utf-8"?>
+<p:sld xmlns:a="http://schemas.openxmlformats.org/drawingml/2006/main" xmlns:r="http://schemas.openxmlformats.org/officeDocument/2006/relationships" xmlns:p="http://schemas.openxmlformats.org/presentationml/2006/main">
+  <p:cSld>
+    <p:spTree>
+      <p:nvGrpSpPr>
+        <p:cNvPr id="1" name=""/>
+        <p:cNvGrpSpPr/>
+        <p:nvPr/>
+      </p:nvGrpSpPr>
+      <p:grpSpPr>
+        <a:xfrm>
+          <a:off x="0" y="0"/>
+          <a:ext cx="0" cy="0"/>
+          <a:chOff x="0" y="0"/>
+          <a:chExt cx="0" cy="0"/>
+        </a:xfrm>
+      </p:grpSpPr>
+      <p:sp>
+        <p:nvSpPr>
+          <p:cNvPr id="21506" name="Rectangle 2"/>
+          <p:cNvSpPr>
+            <a:spLocks noGrp="true" noChangeArrowheads="true"/>
+          </p:cNvSpPr>
+          <p:nvPr>
+            <p:ph type="title"/>
+          </p:nvPr>
+        </p:nvSpPr>
+        <p:spPr>
+          <a:xfrm>
+            <a:off x="2927220" y="459298"/>
+            <a:ext cx="7122794" cy="1193334"/>
+          </a:xfrm>
+        </p:spPr>
+        <p:txBody>
+          <a:bodyPr>
+            <a:normAutofit/>
+          </a:bodyPr>
+          <a:lstStyle/>
+          <a:p>
+            <a:pPr eaLnBrk="1" hangingPunct="1"/>
+            <a:r>
+              <a:rPr lang="en-US" u="sng" dirty="0"/>
+              <a:t>2</a:t>
+            </a:r>
+            <a:r>
+              <a:rPr lang="x-none" altLang="en-US" u="sng" dirty="0"/>
+              <a:t>. </a:t>
+            </a:r>
+            <a:r>
+              <a:rPr lang="en-US" u="sng" dirty="0"/>
+              <a:t>AD DS Physical Components</a:t>
+            </a:r>
+            <a:endParaRPr lang="en-US" u="sng" dirty="0"/>
+          </a:p>
+        </p:txBody>
+      </p:sp>
+      <p:sp>
+        <p:nvSpPr>
+          <p:cNvPr id="4" name="Content Placeholder 6"/>
+          <p:cNvSpPr>
+            <a:spLocks noGrp="true"/>
+          </p:cNvSpPr>
+          <p:nvPr>
+            <p:ph sz="quarter" idx="10"/>
+          </p:nvPr>
+        </p:nvSpPr>
+        <p:spPr>
+          <a:xfrm>
+            <a:off x="2834640" y="1880235"/>
+            <a:ext cx="6027420" cy="3964940"/>
+          </a:xfrm>
+        </p:spPr>
+        <p:txBody>
+          <a:bodyPr>
+            <a:noAutofit/>
+          </a:bodyPr>
+          <a:lstStyle/>
+          <a:p>
+            <a:r>
+              <a:rPr lang="en-US" sz="3600" dirty="0">
+                <a:latin typeface="Arial" panose="020B0604020202020204" pitchFamily="34" charset="0"/>
+                <a:cs typeface="Arial" panose="020B0604020202020204" pitchFamily="34" charset="0"/>
+              </a:rPr>
+              <a:t>Domain Controllers</a:t>
+            </a:r>
+            <a:endParaRPr lang="en-US" sz="3600" dirty="0">
+              <a:latin typeface="Arial" panose="020B0604020202020204" pitchFamily="34" charset="0"/>
+              <a:cs typeface="Arial" panose="020B0604020202020204" pitchFamily="34" charset="0"/>
+            </a:endParaRPr>
+          </a:p>
+          <a:p>
+            <a:r>
+              <a:rPr lang="en-US" sz="3600" dirty="0">
+                <a:latin typeface="Arial" panose="020B0604020202020204" pitchFamily="34" charset="0"/>
+                <a:cs typeface="Arial" panose="020B0604020202020204" pitchFamily="34" charset="0"/>
+              </a:rPr>
+              <a:t>Global Catalog Servers</a:t>
+            </a:r>
+            <a:endParaRPr lang="en-US" sz="3600" dirty="0">
+              <a:latin typeface="Arial" panose="020B0604020202020204" pitchFamily="34" charset="0"/>
+              <a:cs typeface="Arial" panose="020B0604020202020204" pitchFamily="34" charset="0"/>
+            </a:endParaRPr>
+          </a:p>
+          <a:p>
+            <a:r>
+              <a:rPr lang="en-US" sz="3600" dirty="0">
+                <a:latin typeface="Arial" panose="020B0604020202020204" pitchFamily="34" charset="0"/>
+                <a:cs typeface="Arial" panose="020B0604020202020204" pitchFamily="34" charset="0"/>
+              </a:rPr>
+              <a:t>Data Store</a:t>
+            </a:r>
+            <a:endParaRPr lang="en-US" sz="3600" dirty="0">
+              <a:latin typeface="Arial" panose="020B0604020202020204" pitchFamily="34" charset="0"/>
+              <a:cs typeface="Arial" panose="020B0604020202020204" pitchFamily="34" charset="0"/>
+            </a:endParaRPr>
+          </a:p>
+          <a:p>
+            <a:r>
+              <a:rPr lang="en-US" sz="3600" dirty="0">
+                <a:latin typeface="Arial" panose="020B0604020202020204" pitchFamily="34" charset="0"/>
+                <a:cs typeface="Arial" panose="020B0604020202020204" pitchFamily="34" charset="0"/>
+              </a:rPr>
+              <a:t>Replication</a:t>
+            </a:r>
+            <a:endParaRPr lang="en-US" sz="3600" dirty="0">
+              <a:latin typeface="Arial" panose="020B0604020202020204" pitchFamily="34" charset="0"/>
+              <a:cs typeface="Arial" panose="020B0604020202020204" pitchFamily="34" charset="0"/>
+            </a:endParaRPr>
+          </a:p>
+          <a:p>
+            <a:pPr marL="0" indent="0">
+              <a:buNone/>
+            </a:pPr>
+            <a:endParaRPr lang="en-US" sz="3600" dirty="0">
+              <a:latin typeface="Arial" panose="020B0604020202020204" pitchFamily="34" charset="0"/>
+              <a:cs typeface="Arial" panose="020B0604020202020204" pitchFamily="34" charset="0"/>
+            </a:endParaRPr>
           </a:p>
         </p:txBody>
       </p:sp>
